--- a/Banking Management System.pptx
+++ b/Banking Management System.pptx
@@ -11,6 +11,7 @@
     <p:sldId id="259" r:id="rId5"/>
     <p:sldId id="260" r:id="rId6"/>
     <p:sldId id="261" r:id="rId7"/>
+    <p:sldId id="262" r:id="rId8"/>
   </p:sldIdLst>
   <p:sldSz cx="12192000" cy="6858000"/>
   <p:notesSz cx="6858000" cy="9144000"/>
@@ -110,6 +111,3241 @@
     </a:lvl9pPr>
   </p:defaultTextStyle>
 </p:presentation>
+</file>
+
+<file path=ppt/diagrams/colors1.xml><?xml version="1.0" encoding="utf-8"?>
+<dgm:colorsDef xmlns:dgm="http://schemas.openxmlformats.org/drawingml/2006/diagram" xmlns:a="http://schemas.openxmlformats.org/drawingml/2006/main" uniqueId="urn:microsoft.com/office/officeart/2005/8/colors/accent1_2">
+  <dgm:title val=""/>
+  <dgm:desc val=""/>
+  <dgm:catLst>
+    <dgm:cat type="accent1" pri="11200"/>
+  </dgm:catLst>
+  <dgm:styleLbl name="node0">
+    <dgm:fillClrLst meth="repeat">
+      <a:schemeClr val="accent1"/>
+    </dgm:fillClrLst>
+    <dgm:linClrLst meth="repeat">
+      <a:schemeClr val="lt1"/>
+    </dgm:linClrLst>
+    <dgm:effectClrLst/>
+    <dgm:txLinClrLst/>
+    <dgm:txFillClrLst/>
+    <dgm:txEffectClrLst/>
+  </dgm:styleLbl>
+  <dgm:styleLbl name="alignNode1">
+    <dgm:fillClrLst meth="repeat">
+      <a:schemeClr val="accent1"/>
+    </dgm:fillClrLst>
+    <dgm:linClrLst meth="repeat">
+      <a:schemeClr val="accent1"/>
+    </dgm:linClrLst>
+    <dgm:effectClrLst/>
+    <dgm:txLinClrLst/>
+    <dgm:txFillClrLst/>
+    <dgm:txEffectClrLst/>
+  </dgm:styleLbl>
+  <dgm:styleLbl name="node1">
+    <dgm:fillClrLst meth="repeat">
+      <a:schemeClr val="accent1"/>
+    </dgm:fillClrLst>
+    <dgm:linClrLst meth="repeat">
+      <a:schemeClr val="lt1"/>
+    </dgm:linClrLst>
+    <dgm:effectClrLst/>
+    <dgm:txLinClrLst/>
+    <dgm:txFillClrLst/>
+    <dgm:txEffectClrLst/>
+  </dgm:styleLbl>
+  <dgm:styleLbl name="lnNode1">
+    <dgm:fillClrLst meth="repeat">
+      <a:schemeClr val="accent1"/>
+    </dgm:fillClrLst>
+    <dgm:linClrLst meth="repeat">
+      <a:schemeClr val="lt1"/>
+    </dgm:linClrLst>
+    <dgm:effectClrLst/>
+    <dgm:txLinClrLst/>
+    <dgm:txFillClrLst/>
+    <dgm:txEffectClrLst/>
+  </dgm:styleLbl>
+  <dgm:styleLbl name="vennNode1">
+    <dgm:fillClrLst meth="repeat">
+      <a:schemeClr val="accent1">
+        <a:alpha val="50000"/>
+      </a:schemeClr>
+    </dgm:fillClrLst>
+    <dgm:linClrLst meth="repeat">
+      <a:schemeClr val="lt1"/>
+    </dgm:linClrLst>
+    <dgm:effectClrLst/>
+    <dgm:txLinClrLst/>
+    <dgm:txFillClrLst/>
+    <dgm:txEffectClrLst/>
+  </dgm:styleLbl>
+  <dgm:styleLbl name="node2">
+    <dgm:fillClrLst meth="repeat">
+      <a:schemeClr val="accent1"/>
+    </dgm:fillClrLst>
+    <dgm:linClrLst meth="repeat">
+      <a:schemeClr val="lt1"/>
+    </dgm:linClrLst>
+    <dgm:effectClrLst/>
+    <dgm:txLinClrLst/>
+    <dgm:txFillClrLst/>
+    <dgm:txEffectClrLst/>
+  </dgm:styleLbl>
+  <dgm:styleLbl name="node3">
+    <dgm:fillClrLst meth="repeat">
+      <a:schemeClr val="accent1"/>
+    </dgm:fillClrLst>
+    <dgm:linClrLst meth="repeat">
+      <a:schemeClr val="lt1"/>
+    </dgm:linClrLst>
+    <dgm:effectClrLst/>
+    <dgm:txLinClrLst/>
+    <dgm:txFillClrLst/>
+    <dgm:txEffectClrLst/>
+  </dgm:styleLbl>
+  <dgm:styleLbl name="node4">
+    <dgm:fillClrLst meth="repeat">
+      <a:schemeClr val="accent1"/>
+    </dgm:fillClrLst>
+    <dgm:linClrLst meth="repeat">
+      <a:schemeClr val="lt1"/>
+    </dgm:linClrLst>
+    <dgm:effectClrLst/>
+    <dgm:txLinClrLst/>
+    <dgm:txFillClrLst/>
+    <dgm:txEffectClrLst/>
+  </dgm:styleLbl>
+  <dgm:styleLbl name="fgImgPlace1">
+    <dgm:fillClrLst meth="repeat">
+      <a:schemeClr val="accent1">
+        <a:tint val="50000"/>
+      </a:schemeClr>
+    </dgm:fillClrLst>
+    <dgm:linClrLst meth="repeat">
+      <a:schemeClr val="lt1"/>
+    </dgm:linClrLst>
+    <dgm:effectClrLst/>
+    <dgm:txLinClrLst/>
+    <dgm:txFillClrLst meth="repeat">
+      <a:schemeClr val="lt1"/>
+    </dgm:txFillClrLst>
+    <dgm:txEffectClrLst/>
+  </dgm:styleLbl>
+  <dgm:styleLbl name="alignImgPlace1">
+    <dgm:fillClrLst meth="repeat">
+      <a:schemeClr val="accent1">
+        <a:tint val="50000"/>
+      </a:schemeClr>
+    </dgm:fillClrLst>
+    <dgm:linClrLst meth="repeat">
+      <a:schemeClr val="lt1"/>
+    </dgm:linClrLst>
+    <dgm:effectClrLst/>
+    <dgm:txLinClrLst/>
+    <dgm:txFillClrLst meth="repeat">
+      <a:schemeClr val="lt1"/>
+    </dgm:txFillClrLst>
+    <dgm:txEffectClrLst/>
+  </dgm:styleLbl>
+  <dgm:styleLbl name="bgImgPlace1">
+    <dgm:fillClrLst meth="repeat">
+      <a:schemeClr val="accent1">
+        <a:tint val="50000"/>
+      </a:schemeClr>
+    </dgm:fillClrLst>
+    <dgm:linClrLst meth="repeat">
+      <a:schemeClr val="lt1"/>
+    </dgm:linClrLst>
+    <dgm:effectClrLst/>
+    <dgm:txLinClrLst/>
+    <dgm:txFillClrLst meth="repeat">
+      <a:schemeClr val="lt1"/>
+    </dgm:txFillClrLst>
+    <dgm:txEffectClrLst/>
+  </dgm:styleLbl>
+  <dgm:styleLbl name="sibTrans2D1">
+    <dgm:fillClrLst meth="repeat">
+      <a:schemeClr val="accent1">
+        <a:tint val="60000"/>
+      </a:schemeClr>
+    </dgm:fillClrLst>
+    <dgm:linClrLst meth="repeat">
+      <a:schemeClr val="accent1">
+        <a:tint val="60000"/>
+      </a:schemeClr>
+    </dgm:linClrLst>
+    <dgm:effectClrLst/>
+    <dgm:txLinClrLst/>
+    <dgm:txFillClrLst/>
+    <dgm:txEffectClrLst/>
+  </dgm:styleLbl>
+  <dgm:styleLbl name="fgSibTrans2D1">
+    <dgm:fillClrLst meth="repeat">
+      <a:schemeClr val="accent1">
+        <a:tint val="60000"/>
+      </a:schemeClr>
+    </dgm:fillClrLst>
+    <dgm:linClrLst meth="repeat">
+      <a:schemeClr val="accent1">
+        <a:tint val="60000"/>
+      </a:schemeClr>
+    </dgm:linClrLst>
+    <dgm:effectClrLst/>
+    <dgm:txLinClrLst/>
+    <dgm:txFillClrLst/>
+    <dgm:txEffectClrLst/>
+  </dgm:styleLbl>
+  <dgm:styleLbl name="bgSibTrans2D1">
+    <dgm:fillClrLst meth="repeat">
+      <a:schemeClr val="accent1">
+        <a:tint val="60000"/>
+      </a:schemeClr>
+    </dgm:fillClrLst>
+    <dgm:linClrLst meth="repeat">
+      <a:schemeClr val="accent1">
+        <a:tint val="60000"/>
+      </a:schemeClr>
+    </dgm:linClrLst>
+    <dgm:effectClrLst/>
+    <dgm:txLinClrLst/>
+    <dgm:txFillClrLst/>
+    <dgm:txEffectClrLst/>
+  </dgm:styleLbl>
+  <dgm:styleLbl name="sibTrans1D1">
+    <dgm:fillClrLst meth="repeat">
+      <a:schemeClr val="accent1"/>
+    </dgm:fillClrLst>
+    <dgm:linClrLst meth="repeat">
+      <a:schemeClr val="accent1"/>
+    </dgm:linClrLst>
+    <dgm:effectClrLst/>
+    <dgm:txLinClrLst/>
+    <dgm:txFillClrLst meth="repeat">
+      <a:schemeClr val="tx1"/>
+    </dgm:txFillClrLst>
+    <dgm:txEffectClrLst/>
+  </dgm:styleLbl>
+  <dgm:styleLbl name="callout">
+    <dgm:fillClrLst meth="repeat">
+      <a:schemeClr val="accent1"/>
+    </dgm:fillClrLst>
+    <dgm:linClrLst meth="repeat">
+      <a:schemeClr val="accent1">
+        <a:tint val="50000"/>
+      </a:schemeClr>
+    </dgm:linClrLst>
+    <dgm:effectClrLst/>
+    <dgm:txLinClrLst/>
+    <dgm:txFillClrLst meth="repeat">
+      <a:schemeClr val="tx1"/>
+    </dgm:txFillClrLst>
+    <dgm:txEffectClrLst/>
+  </dgm:styleLbl>
+  <dgm:styleLbl name="asst0">
+    <dgm:fillClrLst meth="repeat">
+      <a:schemeClr val="accent1"/>
+    </dgm:fillClrLst>
+    <dgm:linClrLst meth="repeat">
+      <a:schemeClr val="lt1"/>
+    </dgm:linClrLst>
+    <dgm:effectClrLst/>
+    <dgm:txLinClrLst/>
+    <dgm:txFillClrLst/>
+    <dgm:txEffectClrLst/>
+  </dgm:styleLbl>
+  <dgm:styleLbl name="asst1">
+    <dgm:fillClrLst meth="repeat">
+      <a:schemeClr val="accent1"/>
+    </dgm:fillClrLst>
+    <dgm:linClrLst meth="repeat">
+      <a:schemeClr val="lt1"/>
+    </dgm:linClrLst>
+    <dgm:effectClrLst/>
+    <dgm:txLinClrLst/>
+    <dgm:txFillClrLst/>
+    <dgm:txEffectClrLst/>
+  </dgm:styleLbl>
+  <dgm:styleLbl name="asst2">
+    <dgm:fillClrLst meth="repeat">
+      <a:schemeClr val="accent1"/>
+    </dgm:fillClrLst>
+    <dgm:linClrLst meth="repeat">
+      <a:schemeClr val="lt1"/>
+    </dgm:linClrLst>
+    <dgm:effectClrLst/>
+    <dgm:txLinClrLst/>
+    <dgm:txFillClrLst/>
+    <dgm:txEffectClrLst/>
+  </dgm:styleLbl>
+  <dgm:styleLbl name="asst3">
+    <dgm:fillClrLst meth="repeat">
+      <a:schemeClr val="accent1"/>
+    </dgm:fillClrLst>
+    <dgm:linClrLst meth="repeat">
+      <a:schemeClr val="lt1"/>
+    </dgm:linClrLst>
+    <dgm:effectClrLst/>
+    <dgm:txLinClrLst/>
+    <dgm:txFillClrLst/>
+    <dgm:txEffectClrLst/>
+  </dgm:styleLbl>
+  <dgm:styleLbl name="asst4">
+    <dgm:fillClrLst meth="repeat">
+      <a:schemeClr val="accent1"/>
+    </dgm:fillClrLst>
+    <dgm:linClrLst meth="repeat">
+      <a:schemeClr val="lt1"/>
+    </dgm:linClrLst>
+    <dgm:effectClrLst/>
+    <dgm:txLinClrLst/>
+    <dgm:txFillClrLst/>
+    <dgm:txEffectClrLst/>
+  </dgm:styleLbl>
+  <dgm:styleLbl name="parChTrans2D1">
+    <dgm:fillClrLst meth="repeat">
+      <a:schemeClr val="accent1">
+        <a:tint val="60000"/>
+      </a:schemeClr>
+    </dgm:fillClrLst>
+    <dgm:linClrLst meth="repeat">
+      <a:schemeClr val="accent1">
+        <a:tint val="60000"/>
+      </a:schemeClr>
+    </dgm:linClrLst>
+    <dgm:effectClrLst/>
+    <dgm:txLinClrLst/>
+    <dgm:txFillClrLst meth="repeat">
+      <a:schemeClr val="lt1"/>
+    </dgm:txFillClrLst>
+    <dgm:txEffectClrLst/>
+  </dgm:styleLbl>
+  <dgm:styleLbl name="parChTrans2D2">
+    <dgm:fillClrLst meth="repeat">
+      <a:schemeClr val="accent1"/>
+    </dgm:fillClrLst>
+    <dgm:linClrLst meth="repeat">
+      <a:schemeClr val="accent1"/>
+    </dgm:linClrLst>
+    <dgm:effectClrLst/>
+    <dgm:txLinClrLst/>
+    <dgm:txFillClrLst meth="repeat">
+      <a:schemeClr val="lt1"/>
+    </dgm:txFillClrLst>
+    <dgm:txEffectClrLst/>
+  </dgm:styleLbl>
+  <dgm:styleLbl name="parChTrans2D3">
+    <dgm:fillClrLst meth="repeat">
+      <a:schemeClr val="accent1"/>
+    </dgm:fillClrLst>
+    <dgm:linClrLst meth="repeat">
+      <a:schemeClr val="accent1"/>
+    </dgm:linClrLst>
+    <dgm:effectClrLst/>
+    <dgm:txLinClrLst/>
+    <dgm:txFillClrLst meth="repeat">
+      <a:schemeClr val="lt1"/>
+    </dgm:txFillClrLst>
+    <dgm:txEffectClrLst/>
+  </dgm:styleLbl>
+  <dgm:styleLbl name="parChTrans2D4">
+    <dgm:fillClrLst meth="repeat">
+      <a:schemeClr val="accent1"/>
+    </dgm:fillClrLst>
+    <dgm:linClrLst meth="repeat">
+      <a:schemeClr val="accent1"/>
+    </dgm:linClrLst>
+    <dgm:effectClrLst/>
+    <dgm:txLinClrLst/>
+    <dgm:txFillClrLst meth="repeat">
+      <a:schemeClr val="lt1"/>
+    </dgm:txFillClrLst>
+    <dgm:txEffectClrLst/>
+  </dgm:styleLbl>
+  <dgm:styleLbl name="parChTrans1D1">
+    <dgm:fillClrLst meth="repeat">
+      <a:schemeClr val="accent1"/>
+    </dgm:fillClrLst>
+    <dgm:linClrLst meth="repeat">
+      <a:schemeClr val="accent1">
+        <a:shade val="60000"/>
+      </a:schemeClr>
+    </dgm:linClrLst>
+    <dgm:effectClrLst/>
+    <dgm:txLinClrLst/>
+    <dgm:txFillClrLst meth="repeat">
+      <a:schemeClr val="tx1"/>
+    </dgm:txFillClrLst>
+    <dgm:txEffectClrLst/>
+  </dgm:styleLbl>
+  <dgm:styleLbl name="parChTrans1D2">
+    <dgm:fillClrLst meth="repeat">
+      <a:schemeClr val="accent1"/>
+    </dgm:fillClrLst>
+    <dgm:linClrLst meth="repeat">
+      <a:schemeClr val="accent1">
+        <a:shade val="60000"/>
+      </a:schemeClr>
+    </dgm:linClrLst>
+    <dgm:effectClrLst/>
+    <dgm:txLinClrLst/>
+    <dgm:txFillClrLst meth="repeat">
+      <a:schemeClr val="tx1"/>
+    </dgm:txFillClrLst>
+    <dgm:txEffectClrLst/>
+  </dgm:styleLbl>
+  <dgm:styleLbl name="parChTrans1D3">
+    <dgm:fillClrLst meth="repeat">
+      <a:schemeClr val="accent1"/>
+    </dgm:fillClrLst>
+    <dgm:linClrLst meth="repeat">
+      <a:schemeClr val="accent1">
+        <a:shade val="80000"/>
+      </a:schemeClr>
+    </dgm:linClrLst>
+    <dgm:effectClrLst/>
+    <dgm:txLinClrLst/>
+    <dgm:txFillClrLst meth="repeat">
+      <a:schemeClr val="tx1"/>
+    </dgm:txFillClrLst>
+    <dgm:txEffectClrLst/>
+  </dgm:styleLbl>
+  <dgm:styleLbl name="parChTrans1D4">
+    <dgm:fillClrLst meth="repeat">
+      <a:schemeClr val="accent1"/>
+    </dgm:fillClrLst>
+    <dgm:linClrLst meth="repeat">
+      <a:schemeClr val="accent1">
+        <a:shade val="80000"/>
+      </a:schemeClr>
+    </dgm:linClrLst>
+    <dgm:effectClrLst/>
+    <dgm:txLinClrLst/>
+    <dgm:txFillClrLst meth="repeat">
+      <a:schemeClr val="tx1"/>
+    </dgm:txFillClrLst>
+    <dgm:txEffectClrLst/>
+  </dgm:styleLbl>
+  <dgm:styleLbl name="fgAcc1">
+    <dgm:fillClrLst meth="repeat">
+      <a:schemeClr val="lt1">
+        <a:alpha val="90000"/>
+      </a:schemeClr>
+    </dgm:fillClrLst>
+    <dgm:linClrLst meth="repeat">
+      <a:schemeClr val="accent1"/>
+    </dgm:linClrLst>
+    <dgm:effectClrLst/>
+    <dgm:txLinClrLst/>
+    <dgm:txFillClrLst meth="repeat">
+      <a:schemeClr val="dk1"/>
+    </dgm:txFillClrLst>
+    <dgm:txEffectClrLst/>
+  </dgm:styleLbl>
+  <dgm:styleLbl name="conFgAcc1">
+    <dgm:fillClrLst meth="repeat">
+      <a:schemeClr val="lt1">
+        <a:alpha val="90000"/>
+      </a:schemeClr>
+    </dgm:fillClrLst>
+    <dgm:linClrLst meth="repeat">
+      <a:schemeClr val="accent1"/>
+    </dgm:linClrLst>
+    <dgm:effectClrLst/>
+    <dgm:txLinClrLst/>
+    <dgm:txFillClrLst meth="repeat">
+      <a:schemeClr val="dk1"/>
+    </dgm:txFillClrLst>
+    <dgm:txEffectClrLst/>
+  </dgm:styleLbl>
+  <dgm:styleLbl name="alignAcc1">
+    <dgm:fillClrLst meth="repeat">
+      <a:schemeClr val="lt1">
+        <a:alpha val="90000"/>
+      </a:schemeClr>
+    </dgm:fillClrLst>
+    <dgm:linClrLst meth="repeat">
+      <a:schemeClr val="accent1"/>
+    </dgm:linClrLst>
+    <dgm:effectClrLst/>
+    <dgm:txLinClrLst/>
+    <dgm:txFillClrLst meth="repeat">
+      <a:schemeClr val="dk1"/>
+    </dgm:txFillClrLst>
+    <dgm:txEffectClrLst/>
+  </dgm:styleLbl>
+  <dgm:styleLbl name="trAlignAcc1">
+    <dgm:fillClrLst meth="repeat">
+      <a:schemeClr val="lt1">
+        <a:alpha val="40000"/>
+      </a:schemeClr>
+    </dgm:fillClrLst>
+    <dgm:linClrLst meth="repeat">
+      <a:schemeClr val="accent1"/>
+    </dgm:linClrLst>
+    <dgm:effectClrLst/>
+    <dgm:txLinClrLst/>
+    <dgm:txFillClrLst meth="repeat">
+      <a:schemeClr val="dk1"/>
+    </dgm:txFillClrLst>
+    <dgm:txEffectClrLst/>
+  </dgm:styleLbl>
+  <dgm:styleLbl name="bgAcc1">
+    <dgm:fillClrLst meth="repeat">
+      <a:schemeClr val="lt1">
+        <a:alpha val="90000"/>
+      </a:schemeClr>
+    </dgm:fillClrLst>
+    <dgm:linClrLst meth="repeat">
+      <a:schemeClr val="accent1"/>
+    </dgm:linClrLst>
+    <dgm:effectClrLst/>
+    <dgm:txLinClrLst/>
+    <dgm:txFillClrLst meth="repeat">
+      <a:schemeClr val="dk1"/>
+    </dgm:txFillClrLst>
+    <dgm:txEffectClrLst/>
+  </dgm:styleLbl>
+  <dgm:styleLbl name="solidFgAcc1">
+    <dgm:fillClrLst meth="repeat">
+      <a:schemeClr val="lt1"/>
+    </dgm:fillClrLst>
+    <dgm:linClrLst meth="repeat">
+      <a:schemeClr val="accent1"/>
+    </dgm:linClrLst>
+    <dgm:effectClrLst/>
+    <dgm:txLinClrLst/>
+    <dgm:txFillClrLst meth="repeat">
+      <a:schemeClr val="dk1"/>
+    </dgm:txFillClrLst>
+    <dgm:txEffectClrLst/>
+  </dgm:styleLbl>
+  <dgm:styleLbl name="solidAlignAcc1">
+    <dgm:fillClrLst meth="repeat">
+      <a:schemeClr val="lt1"/>
+    </dgm:fillClrLst>
+    <dgm:linClrLst meth="repeat">
+      <a:schemeClr val="accent1"/>
+    </dgm:linClrLst>
+    <dgm:effectClrLst/>
+    <dgm:txLinClrLst/>
+    <dgm:txFillClrLst meth="repeat">
+      <a:schemeClr val="dk1"/>
+    </dgm:txFillClrLst>
+    <dgm:txEffectClrLst/>
+  </dgm:styleLbl>
+  <dgm:styleLbl name="solidBgAcc1">
+    <dgm:fillClrLst meth="repeat">
+      <a:schemeClr val="lt1"/>
+    </dgm:fillClrLst>
+    <dgm:linClrLst meth="repeat">
+      <a:schemeClr val="accent1"/>
+    </dgm:linClrLst>
+    <dgm:effectClrLst/>
+    <dgm:txLinClrLst/>
+    <dgm:txFillClrLst meth="repeat">
+      <a:schemeClr val="dk1"/>
+    </dgm:txFillClrLst>
+    <dgm:txEffectClrLst/>
+  </dgm:styleLbl>
+  <dgm:styleLbl name="fgAccFollowNode1">
+    <dgm:fillClrLst meth="repeat">
+      <a:schemeClr val="accent1">
+        <a:alpha val="90000"/>
+        <a:tint val="40000"/>
+      </a:schemeClr>
+    </dgm:fillClrLst>
+    <dgm:linClrLst meth="repeat">
+      <a:schemeClr val="accent1">
+        <a:alpha val="90000"/>
+        <a:tint val="40000"/>
+      </a:schemeClr>
+    </dgm:linClrLst>
+    <dgm:effectClrLst/>
+    <dgm:txLinClrLst/>
+    <dgm:txFillClrLst meth="repeat">
+      <a:schemeClr val="dk1"/>
+    </dgm:txFillClrLst>
+    <dgm:txEffectClrLst/>
+  </dgm:styleLbl>
+  <dgm:styleLbl name="alignAccFollowNode1">
+    <dgm:fillClrLst meth="repeat">
+      <a:schemeClr val="accent1">
+        <a:alpha val="90000"/>
+        <a:tint val="40000"/>
+      </a:schemeClr>
+    </dgm:fillClrLst>
+    <dgm:linClrLst meth="repeat">
+      <a:schemeClr val="accent1">
+        <a:alpha val="90000"/>
+        <a:tint val="40000"/>
+      </a:schemeClr>
+    </dgm:linClrLst>
+    <dgm:effectClrLst/>
+    <dgm:txLinClrLst/>
+    <dgm:txFillClrLst meth="repeat">
+      <a:schemeClr val="dk1"/>
+    </dgm:txFillClrLst>
+    <dgm:txEffectClrLst/>
+  </dgm:styleLbl>
+  <dgm:styleLbl name="bgAccFollowNode1">
+    <dgm:fillClrLst meth="repeat">
+      <a:schemeClr val="accent1">
+        <a:alpha val="90000"/>
+        <a:tint val="40000"/>
+      </a:schemeClr>
+    </dgm:fillClrLst>
+    <dgm:linClrLst meth="repeat">
+      <a:schemeClr val="accent1">
+        <a:alpha val="90000"/>
+        <a:tint val="40000"/>
+      </a:schemeClr>
+    </dgm:linClrLst>
+    <dgm:effectClrLst/>
+    <dgm:txLinClrLst/>
+    <dgm:txFillClrLst meth="repeat">
+      <a:schemeClr val="dk1"/>
+    </dgm:txFillClrLst>
+    <dgm:txEffectClrLst/>
+  </dgm:styleLbl>
+  <dgm:styleLbl name="fgAcc0">
+    <dgm:fillClrLst meth="repeat">
+      <a:schemeClr val="lt1">
+        <a:alpha val="90000"/>
+      </a:schemeClr>
+    </dgm:fillClrLst>
+    <dgm:linClrLst meth="repeat">
+      <a:schemeClr val="accent1"/>
+    </dgm:linClrLst>
+    <dgm:effectClrLst/>
+    <dgm:txLinClrLst/>
+    <dgm:txFillClrLst meth="repeat">
+      <a:schemeClr val="dk1"/>
+    </dgm:txFillClrLst>
+    <dgm:txEffectClrLst/>
+  </dgm:styleLbl>
+  <dgm:styleLbl name="fgAcc2">
+    <dgm:fillClrLst meth="repeat">
+      <a:schemeClr val="lt1">
+        <a:alpha val="90000"/>
+      </a:schemeClr>
+    </dgm:fillClrLst>
+    <dgm:linClrLst meth="repeat">
+      <a:schemeClr val="accent1"/>
+    </dgm:linClrLst>
+    <dgm:effectClrLst/>
+    <dgm:txLinClrLst/>
+    <dgm:txFillClrLst meth="repeat">
+      <a:schemeClr val="dk1"/>
+    </dgm:txFillClrLst>
+    <dgm:txEffectClrLst/>
+  </dgm:styleLbl>
+  <dgm:styleLbl name="fgAcc3">
+    <dgm:fillClrLst meth="repeat">
+      <a:schemeClr val="lt1">
+        <a:alpha val="90000"/>
+      </a:schemeClr>
+    </dgm:fillClrLst>
+    <dgm:linClrLst meth="repeat">
+      <a:schemeClr val="accent1"/>
+    </dgm:linClrLst>
+    <dgm:effectClrLst/>
+    <dgm:txLinClrLst/>
+    <dgm:txFillClrLst meth="repeat">
+      <a:schemeClr val="dk1"/>
+    </dgm:txFillClrLst>
+    <dgm:txEffectClrLst/>
+  </dgm:styleLbl>
+  <dgm:styleLbl name="fgAcc4">
+    <dgm:fillClrLst meth="repeat">
+      <a:schemeClr val="lt1">
+        <a:alpha val="90000"/>
+      </a:schemeClr>
+    </dgm:fillClrLst>
+    <dgm:linClrLst meth="repeat">
+      <a:schemeClr val="accent1"/>
+    </dgm:linClrLst>
+    <dgm:effectClrLst/>
+    <dgm:txLinClrLst/>
+    <dgm:txFillClrLst meth="repeat">
+      <a:schemeClr val="dk1"/>
+    </dgm:txFillClrLst>
+    <dgm:txEffectClrLst/>
+  </dgm:styleLbl>
+  <dgm:styleLbl name="bgShp">
+    <dgm:fillClrLst meth="repeat">
+      <a:schemeClr val="accent1">
+        <a:tint val="40000"/>
+      </a:schemeClr>
+    </dgm:fillClrLst>
+    <dgm:linClrLst meth="repeat">
+      <a:schemeClr val="accent1"/>
+    </dgm:linClrLst>
+    <dgm:effectClrLst/>
+    <dgm:txLinClrLst/>
+    <dgm:txFillClrLst meth="repeat">
+      <a:schemeClr val="dk1"/>
+    </dgm:txFillClrLst>
+    <dgm:txEffectClrLst/>
+  </dgm:styleLbl>
+  <dgm:styleLbl name="dkBgShp">
+    <dgm:fillClrLst meth="repeat">
+      <a:schemeClr val="accent1">
+        <a:shade val="80000"/>
+      </a:schemeClr>
+    </dgm:fillClrLst>
+    <dgm:linClrLst meth="repeat">
+      <a:schemeClr val="accent1"/>
+    </dgm:linClrLst>
+    <dgm:effectClrLst/>
+    <dgm:txLinClrLst/>
+    <dgm:txFillClrLst meth="repeat">
+      <a:schemeClr val="lt1"/>
+    </dgm:txFillClrLst>
+    <dgm:txEffectClrLst/>
+  </dgm:styleLbl>
+  <dgm:styleLbl name="trBgShp">
+    <dgm:fillClrLst meth="repeat">
+      <a:schemeClr val="accent1">
+        <a:tint val="50000"/>
+        <a:alpha val="40000"/>
+      </a:schemeClr>
+    </dgm:fillClrLst>
+    <dgm:linClrLst meth="repeat">
+      <a:schemeClr val="accent1"/>
+    </dgm:linClrLst>
+    <dgm:effectClrLst/>
+    <dgm:txLinClrLst/>
+    <dgm:txFillClrLst meth="repeat">
+      <a:schemeClr val="lt1"/>
+    </dgm:txFillClrLst>
+    <dgm:txEffectClrLst/>
+  </dgm:styleLbl>
+  <dgm:styleLbl name="fgShp">
+    <dgm:fillClrLst meth="repeat">
+      <a:schemeClr val="accent1">
+        <a:tint val="60000"/>
+      </a:schemeClr>
+    </dgm:fillClrLst>
+    <dgm:linClrLst meth="repeat">
+      <a:schemeClr val="lt1"/>
+    </dgm:linClrLst>
+    <dgm:effectClrLst/>
+    <dgm:txLinClrLst/>
+    <dgm:txFillClrLst meth="repeat">
+      <a:schemeClr val="dk1"/>
+    </dgm:txFillClrLst>
+    <dgm:txEffectClrLst/>
+  </dgm:styleLbl>
+  <dgm:styleLbl name="revTx">
+    <dgm:fillClrLst meth="repeat">
+      <a:schemeClr val="lt1">
+        <a:alpha val="0"/>
+      </a:schemeClr>
+    </dgm:fillClrLst>
+    <dgm:linClrLst meth="repeat">
+      <a:schemeClr val="dk1">
+        <a:alpha val="0"/>
+      </a:schemeClr>
+    </dgm:linClrLst>
+    <dgm:effectClrLst/>
+    <dgm:txLinClrLst/>
+    <dgm:txFillClrLst meth="repeat">
+      <a:schemeClr val="tx1"/>
+    </dgm:txFillClrLst>
+    <dgm:txEffectClrLst/>
+  </dgm:styleLbl>
+</dgm:colorsDef>
+</file>
+
+<file path=ppt/diagrams/data1.xml><?xml version="1.0" encoding="utf-8"?>
+<dgm:dataModel xmlns:dgm="http://schemas.openxmlformats.org/drawingml/2006/diagram" xmlns:a="http://schemas.openxmlformats.org/drawingml/2006/main">
+  <dgm:ptLst>
+    <dgm:pt modelId="{26C8566A-7A04-4A8B-AABE-15BEEB8FB0EA}" type="doc">
+      <dgm:prSet loTypeId="urn:microsoft.com/office/officeart/2005/8/layout/StepDownProcess" loCatId="process" qsTypeId="urn:microsoft.com/office/officeart/2005/8/quickstyle/simple1" qsCatId="simple" csTypeId="urn:microsoft.com/office/officeart/2005/8/colors/accent1_2" csCatId="accent1"/>
+      <dgm:spPr/>
+      <dgm:t>
+        <a:bodyPr/>
+        <a:lstStyle/>
+        <a:p>
+          <a:endParaRPr lang="en-US"/>
+        </a:p>
+      </dgm:t>
+    </dgm:pt>
+    <dgm:pt modelId="{61CD6933-86E4-4060-B90D-DC52853BAD1F}">
+      <dgm:prSet/>
+      <dgm:spPr/>
+      <dgm:t>
+        <a:bodyPr/>
+        <a:lstStyle/>
+        <a:p>
+          <a:r>
+            <a:rPr lang="en-US"/>
+            <a:t>Requirement Analysis</a:t>
+          </a:r>
+        </a:p>
+      </dgm:t>
+    </dgm:pt>
+    <dgm:pt modelId="{9A7530AB-ABD1-4E44-A621-12CC6F0673BA}" type="parTrans" cxnId="{C400D1F0-FF6A-44B7-9218-94557F0A9DE5}">
+      <dgm:prSet/>
+      <dgm:spPr/>
+      <dgm:t>
+        <a:bodyPr/>
+        <a:lstStyle/>
+        <a:p>
+          <a:endParaRPr lang="en-US"/>
+        </a:p>
+      </dgm:t>
+    </dgm:pt>
+    <dgm:pt modelId="{67C2A5D5-C170-427F-8579-199FC3B6F1F7}" type="sibTrans" cxnId="{C400D1F0-FF6A-44B7-9218-94557F0A9DE5}">
+      <dgm:prSet/>
+      <dgm:spPr/>
+      <dgm:t>
+        <a:bodyPr/>
+        <a:lstStyle/>
+        <a:p>
+          <a:endParaRPr lang="en-US"/>
+        </a:p>
+      </dgm:t>
+    </dgm:pt>
+    <dgm:pt modelId="{8F610D2A-4EE4-4988-A6C0-76FE2C7039B1}">
+      <dgm:prSet/>
+      <dgm:spPr/>
+      <dgm:t>
+        <a:bodyPr/>
+        <a:lstStyle/>
+        <a:p>
+          <a:r>
+            <a:rPr lang="en-US"/>
+            <a:t>System Design</a:t>
+          </a:r>
+        </a:p>
+      </dgm:t>
+    </dgm:pt>
+    <dgm:pt modelId="{EF6A21D0-2D3E-4551-95E0-2B9A39869DE6}" type="parTrans" cxnId="{48217308-2176-445C-830D-33971CD96B9F}">
+      <dgm:prSet/>
+      <dgm:spPr/>
+      <dgm:t>
+        <a:bodyPr/>
+        <a:lstStyle/>
+        <a:p>
+          <a:endParaRPr lang="en-US"/>
+        </a:p>
+      </dgm:t>
+    </dgm:pt>
+    <dgm:pt modelId="{0C1A0424-90BB-421D-B3F1-65441C0085F9}" type="sibTrans" cxnId="{48217308-2176-445C-830D-33971CD96B9F}">
+      <dgm:prSet/>
+      <dgm:spPr/>
+      <dgm:t>
+        <a:bodyPr/>
+        <a:lstStyle/>
+        <a:p>
+          <a:endParaRPr lang="en-US"/>
+        </a:p>
+      </dgm:t>
+    </dgm:pt>
+    <dgm:pt modelId="{3E15F027-76EF-4037-9266-E2B629B6C142}">
+      <dgm:prSet/>
+      <dgm:spPr/>
+      <dgm:t>
+        <a:bodyPr/>
+        <a:lstStyle/>
+        <a:p>
+          <a:r>
+            <a:rPr lang="en-US"/>
+            <a:t>Software Development</a:t>
+          </a:r>
+        </a:p>
+      </dgm:t>
+    </dgm:pt>
+    <dgm:pt modelId="{015CBC54-433D-45C1-8BC9-D273E6E281B3}" type="parTrans" cxnId="{250EE7A1-CB3D-4230-A69A-22EB5FFA3C09}">
+      <dgm:prSet/>
+      <dgm:spPr/>
+      <dgm:t>
+        <a:bodyPr/>
+        <a:lstStyle/>
+        <a:p>
+          <a:endParaRPr lang="en-US"/>
+        </a:p>
+      </dgm:t>
+    </dgm:pt>
+    <dgm:pt modelId="{E3AEDF94-98BF-4607-AD27-19BC85AE15C2}" type="sibTrans" cxnId="{250EE7A1-CB3D-4230-A69A-22EB5FFA3C09}">
+      <dgm:prSet/>
+      <dgm:spPr/>
+      <dgm:t>
+        <a:bodyPr/>
+        <a:lstStyle/>
+        <a:p>
+          <a:endParaRPr lang="en-US"/>
+        </a:p>
+      </dgm:t>
+    </dgm:pt>
+    <dgm:pt modelId="{9FF29D03-9339-4E3B-9079-7B0266011A84}">
+      <dgm:prSet/>
+      <dgm:spPr/>
+      <dgm:t>
+        <a:bodyPr/>
+        <a:lstStyle/>
+        <a:p>
+          <a:r>
+            <a:rPr lang="en-US"/>
+            <a:t>Software Testing</a:t>
+          </a:r>
+        </a:p>
+      </dgm:t>
+    </dgm:pt>
+    <dgm:pt modelId="{FFC79910-A30E-42EA-84A4-B5EC78BE9765}" type="parTrans" cxnId="{170C041B-A081-4A7B-9050-CA308E12C4E4}">
+      <dgm:prSet/>
+      <dgm:spPr/>
+      <dgm:t>
+        <a:bodyPr/>
+        <a:lstStyle/>
+        <a:p>
+          <a:endParaRPr lang="en-US"/>
+        </a:p>
+      </dgm:t>
+    </dgm:pt>
+    <dgm:pt modelId="{BC97159C-615C-4F9E-B632-A423BCA5740D}" type="sibTrans" cxnId="{170C041B-A081-4A7B-9050-CA308E12C4E4}">
+      <dgm:prSet/>
+      <dgm:spPr/>
+      <dgm:t>
+        <a:bodyPr/>
+        <a:lstStyle/>
+        <a:p>
+          <a:endParaRPr lang="en-US"/>
+        </a:p>
+      </dgm:t>
+    </dgm:pt>
+    <dgm:pt modelId="{0A7F115F-E4D4-4BEB-A11A-7119B03774C7}">
+      <dgm:prSet/>
+      <dgm:spPr/>
+      <dgm:t>
+        <a:bodyPr/>
+        <a:lstStyle/>
+        <a:p>
+          <a:r>
+            <a:rPr lang="en-US"/>
+            <a:t>Deployment</a:t>
+          </a:r>
+        </a:p>
+      </dgm:t>
+    </dgm:pt>
+    <dgm:pt modelId="{2E6481F8-4EED-4E60-856F-9F1FBFF5AC50}" type="parTrans" cxnId="{CDFB5667-6462-4C0D-90AF-30D8934A77AC}">
+      <dgm:prSet/>
+      <dgm:spPr/>
+      <dgm:t>
+        <a:bodyPr/>
+        <a:lstStyle/>
+        <a:p>
+          <a:endParaRPr lang="en-US"/>
+        </a:p>
+      </dgm:t>
+    </dgm:pt>
+    <dgm:pt modelId="{E686A748-22C8-418D-823F-2EE3532DBFEE}" type="sibTrans" cxnId="{CDFB5667-6462-4C0D-90AF-30D8934A77AC}">
+      <dgm:prSet/>
+      <dgm:spPr/>
+      <dgm:t>
+        <a:bodyPr/>
+        <a:lstStyle/>
+        <a:p>
+          <a:endParaRPr lang="en-US"/>
+        </a:p>
+      </dgm:t>
+    </dgm:pt>
+    <dgm:pt modelId="{FD255371-02E5-445A-8A34-C4FF89577BC1}" type="pres">
+      <dgm:prSet presAssocID="{26C8566A-7A04-4A8B-AABE-15BEEB8FB0EA}" presName="rootnode" presStyleCnt="0">
+        <dgm:presLayoutVars>
+          <dgm:chMax/>
+          <dgm:chPref/>
+          <dgm:dir/>
+          <dgm:animLvl val="lvl"/>
+        </dgm:presLayoutVars>
+      </dgm:prSet>
+      <dgm:spPr/>
+    </dgm:pt>
+    <dgm:pt modelId="{F7A6B523-0503-4814-A65B-73A50FD5C58D}" type="pres">
+      <dgm:prSet presAssocID="{61CD6933-86E4-4060-B90D-DC52853BAD1F}" presName="composite" presStyleCnt="0"/>
+      <dgm:spPr/>
+    </dgm:pt>
+    <dgm:pt modelId="{C2E3BC84-6341-48BD-BD73-FEE0D33527B5}" type="pres">
+      <dgm:prSet presAssocID="{61CD6933-86E4-4060-B90D-DC52853BAD1F}" presName="bentUpArrow1" presStyleLbl="alignImgPlace1" presStyleIdx="0" presStyleCnt="4"/>
+      <dgm:spPr/>
+    </dgm:pt>
+    <dgm:pt modelId="{B63BE1E1-A27B-49BF-9791-9A17D5DFA811}" type="pres">
+      <dgm:prSet presAssocID="{61CD6933-86E4-4060-B90D-DC52853BAD1F}" presName="ParentText" presStyleLbl="node1" presStyleIdx="0" presStyleCnt="5">
+        <dgm:presLayoutVars>
+          <dgm:chMax val="1"/>
+          <dgm:chPref val="1"/>
+          <dgm:bulletEnabled val="1"/>
+        </dgm:presLayoutVars>
+      </dgm:prSet>
+      <dgm:spPr/>
+    </dgm:pt>
+    <dgm:pt modelId="{BC5E5A84-5E52-4ADE-ACAB-B0C424412F9F}" type="pres">
+      <dgm:prSet presAssocID="{61CD6933-86E4-4060-B90D-DC52853BAD1F}" presName="ChildText" presStyleLbl="revTx" presStyleIdx="0" presStyleCnt="4">
+        <dgm:presLayoutVars>
+          <dgm:chMax val="0"/>
+          <dgm:chPref val="0"/>
+          <dgm:bulletEnabled val="1"/>
+        </dgm:presLayoutVars>
+      </dgm:prSet>
+      <dgm:spPr/>
+    </dgm:pt>
+    <dgm:pt modelId="{9BBFF64A-E392-4302-BE02-70A23E374A74}" type="pres">
+      <dgm:prSet presAssocID="{67C2A5D5-C170-427F-8579-199FC3B6F1F7}" presName="sibTrans" presStyleCnt="0"/>
+      <dgm:spPr/>
+    </dgm:pt>
+    <dgm:pt modelId="{B6E34446-9E9D-4F02-9819-E330CB693FBC}" type="pres">
+      <dgm:prSet presAssocID="{8F610D2A-4EE4-4988-A6C0-76FE2C7039B1}" presName="composite" presStyleCnt="0"/>
+      <dgm:spPr/>
+    </dgm:pt>
+    <dgm:pt modelId="{502689E2-1477-405F-B8B4-C45AA6E90C21}" type="pres">
+      <dgm:prSet presAssocID="{8F610D2A-4EE4-4988-A6C0-76FE2C7039B1}" presName="bentUpArrow1" presStyleLbl="alignImgPlace1" presStyleIdx="1" presStyleCnt="4"/>
+      <dgm:spPr/>
+    </dgm:pt>
+    <dgm:pt modelId="{6BC99AE2-467B-4FD7-8E58-21FA09F41D91}" type="pres">
+      <dgm:prSet presAssocID="{8F610D2A-4EE4-4988-A6C0-76FE2C7039B1}" presName="ParentText" presStyleLbl="node1" presStyleIdx="1" presStyleCnt="5">
+        <dgm:presLayoutVars>
+          <dgm:chMax val="1"/>
+          <dgm:chPref val="1"/>
+          <dgm:bulletEnabled val="1"/>
+        </dgm:presLayoutVars>
+      </dgm:prSet>
+      <dgm:spPr/>
+    </dgm:pt>
+    <dgm:pt modelId="{5C350AA3-A005-4B79-BDE4-17CFEE017C7C}" type="pres">
+      <dgm:prSet presAssocID="{8F610D2A-4EE4-4988-A6C0-76FE2C7039B1}" presName="ChildText" presStyleLbl="revTx" presStyleIdx="1" presStyleCnt="4">
+        <dgm:presLayoutVars>
+          <dgm:chMax val="0"/>
+          <dgm:chPref val="0"/>
+          <dgm:bulletEnabled val="1"/>
+        </dgm:presLayoutVars>
+      </dgm:prSet>
+      <dgm:spPr/>
+    </dgm:pt>
+    <dgm:pt modelId="{EC175AD8-EFFF-4192-8A63-5E64F098D87A}" type="pres">
+      <dgm:prSet presAssocID="{0C1A0424-90BB-421D-B3F1-65441C0085F9}" presName="sibTrans" presStyleCnt="0"/>
+      <dgm:spPr/>
+    </dgm:pt>
+    <dgm:pt modelId="{74A47AC6-E86F-4EC3-A743-A95C71687EF0}" type="pres">
+      <dgm:prSet presAssocID="{3E15F027-76EF-4037-9266-E2B629B6C142}" presName="composite" presStyleCnt="0"/>
+      <dgm:spPr/>
+    </dgm:pt>
+    <dgm:pt modelId="{E4D6C120-0BB9-4DFB-B15F-887DE965CED0}" type="pres">
+      <dgm:prSet presAssocID="{3E15F027-76EF-4037-9266-E2B629B6C142}" presName="bentUpArrow1" presStyleLbl="alignImgPlace1" presStyleIdx="2" presStyleCnt="4"/>
+      <dgm:spPr/>
+    </dgm:pt>
+    <dgm:pt modelId="{0E749106-FA4A-402D-A9B7-7722F04B1CE3}" type="pres">
+      <dgm:prSet presAssocID="{3E15F027-76EF-4037-9266-E2B629B6C142}" presName="ParentText" presStyleLbl="node1" presStyleIdx="2" presStyleCnt="5">
+        <dgm:presLayoutVars>
+          <dgm:chMax val="1"/>
+          <dgm:chPref val="1"/>
+          <dgm:bulletEnabled val="1"/>
+        </dgm:presLayoutVars>
+      </dgm:prSet>
+      <dgm:spPr/>
+    </dgm:pt>
+    <dgm:pt modelId="{FB71C432-A86D-460B-995D-4EC8019496DC}" type="pres">
+      <dgm:prSet presAssocID="{3E15F027-76EF-4037-9266-E2B629B6C142}" presName="ChildText" presStyleLbl="revTx" presStyleIdx="2" presStyleCnt="4">
+        <dgm:presLayoutVars>
+          <dgm:chMax val="0"/>
+          <dgm:chPref val="0"/>
+          <dgm:bulletEnabled val="1"/>
+        </dgm:presLayoutVars>
+      </dgm:prSet>
+      <dgm:spPr/>
+    </dgm:pt>
+    <dgm:pt modelId="{03779DEA-6D94-450D-A105-50E1EA05B388}" type="pres">
+      <dgm:prSet presAssocID="{E3AEDF94-98BF-4607-AD27-19BC85AE15C2}" presName="sibTrans" presStyleCnt="0"/>
+      <dgm:spPr/>
+    </dgm:pt>
+    <dgm:pt modelId="{FD152383-D9C0-4543-A90F-8C937E463457}" type="pres">
+      <dgm:prSet presAssocID="{9FF29D03-9339-4E3B-9079-7B0266011A84}" presName="composite" presStyleCnt="0"/>
+      <dgm:spPr/>
+    </dgm:pt>
+    <dgm:pt modelId="{0B9C8ED6-9BBB-43D4-8BB4-D75325843A65}" type="pres">
+      <dgm:prSet presAssocID="{9FF29D03-9339-4E3B-9079-7B0266011A84}" presName="bentUpArrow1" presStyleLbl="alignImgPlace1" presStyleIdx="3" presStyleCnt="4"/>
+      <dgm:spPr/>
+    </dgm:pt>
+    <dgm:pt modelId="{83CC0B93-3BE8-4008-8FBB-0251501152CC}" type="pres">
+      <dgm:prSet presAssocID="{9FF29D03-9339-4E3B-9079-7B0266011A84}" presName="ParentText" presStyleLbl="node1" presStyleIdx="3" presStyleCnt="5">
+        <dgm:presLayoutVars>
+          <dgm:chMax val="1"/>
+          <dgm:chPref val="1"/>
+          <dgm:bulletEnabled val="1"/>
+        </dgm:presLayoutVars>
+      </dgm:prSet>
+      <dgm:spPr/>
+    </dgm:pt>
+    <dgm:pt modelId="{39F65BD7-5F5C-4A40-BBA1-ABEBC22101E9}" type="pres">
+      <dgm:prSet presAssocID="{9FF29D03-9339-4E3B-9079-7B0266011A84}" presName="ChildText" presStyleLbl="revTx" presStyleIdx="3" presStyleCnt="4">
+        <dgm:presLayoutVars>
+          <dgm:chMax val="0"/>
+          <dgm:chPref val="0"/>
+          <dgm:bulletEnabled val="1"/>
+        </dgm:presLayoutVars>
+      </dgm:prSet>
+      <dgm:spPr/>
+    </dgm:pt>
+    <dgm:pt modelId="{950B870A-2726-4CE4-A750-4503D71E4ADF}" type="pres">
+      <dgm:prSet presAssocID="{BC97159C-615C-4F9E-B632-A423BCA5740D}" presName="sibTrans" presStyleCnt="0"/>
+      <dgm:spPr/>
+    </dgm:pt>
+    <dgm:pt modelId="{50C76275-1C7F-4960-B444-73444F930744}" type="pres">
+      <dgm:prSet presAssocID="{0A7F115F-E4D4-4BEB-A11A-7119B03774C7}" presName="composite" presStyleCnt="0"/>
+      <dgm:spPr/>
+    </dgm:pt>
+    <dgm:pt modelId="{92F6390E-AFE3-45A5-BCD5-DE88F22EF26A}" type="pres">
+      <dgm:prSet presAssocID="{0A7F115F-E4D4-4BEB-A11A-7119B03774C7}" presName="ParentText" presStyleLbl="node1" presStyleIdx="4" presStyleCnt="5">
+        <dgm:presLayoutVars>
+          <dgm:chMax val="1"/>
+          <dgm:chPref val="1"/>
+          <dgm:bulletEnabled val="1"/>
+        </dgm:presLayoutVars>
+      </dgm:prSet>
+      <dgm:spPr/>
+    </dgm:pt>
+  </dgm:ptLst>
+  <dgm:cxnLst>
+    <dgm:cxn modelId="{48217308-2176-445C-830D-33971CD96B9F}" srcId="{26C8566A-7A04-4A8B-AABE-15BEEB8FB0EA}" destId="{8F610D2A-4EE4-4988-A6C0-76FE2C7039B1}" srcOrd="1" destOrd="0" parTransId="{EF6A21D0-2D3E-4551-95E0-2B9A39869DE6}" sibTransId="{0C1A0424-90BB-421D-B3F1-65441C0085F9}"/>
+    <dgm:cxn modelId="{170C041B-A081-4A7B-9050-CA308E12C4E4}" srcId="{26C8566A-7A04-4A8B-AABE-15BEEB8FB0EA}" destId="{9FF29D03-9339-4E3B-9079-7B0266011A84}" srcOrd="3" destOrd="0" parTransId="{FFC79910-A30E-42EA-84A4-B5EC78BE9765}" sibTransId="{BC97159C-615C-4F9E-B632-A423BCA5740D}"/>
+    <dgm:cxn modelId="{4363E321-ED8A-4492-BE68-17364FB8745D}" type="presOf" srcId="{9FF29D03-9339-4E3B-9079-7B0266011A84}" destId="{83CC0B93-3BE8-4008-8FBB-0251501152CC}" srcOrd="0" destOrd="0" presId="urn:microsoft.com/office/officeart/2005/8/layout/StepDownProcess"/>
+    <dgm:cxn modelId="{CDFB5667-6462-4C0D-90AF-30D8934A77AC}" srcId="{26C8566A-7A04-4A8B-AABE-15BEEB8FB0EA}" destId="{0A7F115F-E4D4-4BEB-A11A-7119B03774C7}" srcOrd="4" destOrd="0" parTransId="{2E6481F8-4EED-4E60-856F-9F1FBFF5AC50}" sibTransId="{E686A748-22C8-418D-823F-2EE3532DBFEE}"/>
+    <dgm:cxn modelId="{0DC63A94-468A-43B7-BF78-B6D32C88EB2D}" type="presOf" srcId="{0A7F115F-E4D4-4BEB-A11A-7119B03774C7}" destId="{92F6390E-AFE3-45A5-BCD5-DE88F22EF26A}" srcOrd="0" destOrd="0" presId="urn:microsoft.com/office/officeart/2005/8/layout/StepDownProcess"/>
+    <dgm:cxn modelId="{250EE7A1-CB3D-4230-A69A-22EB5FFA3C09}" srcId="{26C8566A-7A04-4A8B-AABE-15BEEB8FB0EA}" destId="{3E15F027-76EF-4037-9266-E2B629B6C142}" srcOrd="2" destOrd="0" parTransId="{015CBC54-433D-45C1-8BC9-D273E6E281B3}" sibTransId="{E3AEDF94-98BF-4607-AD27-19BC85AE15C2}"/>
+    <dgm:cxn modelId="{F20076A8-B3EE-45C3-BBF6-B7EAEF6729A9}" type="presOf" srcId="{3E15F027-76EF-4037-9266-E2B629B6C142}" destId="{0E749106-FA4A-402D-A9B7-7722F04B1CE3}" srcOrd="0" destOrd="0" presId="urn:microsoft.com/office/officeart/2005/8/layout/StepDownProcess"/>
+    <dgm:cxn modelId="{A8F221D5-F674-432A-B449-3BCB2D84590F}" type="presOf" srcId="{8F610D2A-4EE4-4988-A6C0-76FE2C7039B1}" destId="{6BC99AE2-467B-4FD7-8E58-21FA09F41D91}" srcOrd="0" destOrd="0" presId="urn:microsoft.com/office/officeart/2005/8/layout/StepDownProcess"/>
+    <dgm:cxn modelId="{A7C5EFE4-A7FC-4D5F-B612-36CE2B22E065}" type="presOf" srcId="{26C8566A-7A04-4A8B-AABE-15BEEB8FB0EA}" destId="{FD255371-02E5-445A-8A34-C4FF89577BC1}" srcOrd="0" destOrd="0" presId="urn:microsoft.com/office/officeart/2005/8/layout/StepDownProcess"/>
+    <dgm:cxn modelId="{C400D1F0-FF6A-44B7-9218-94557F0A9DE5}" srcId="{26C8566A-7A04-4A8B-AABE-15BEEB8FB0EA}" destId="{61CD6933-86E4-4060-B90D-DC52853BAD1F}" srcOrd="0" destOrd="0" parTransId="{9A7530AB-ABD1-4E44-A621-12CC6F0673BA}" sibTransId="{67C2A5D5-C170-427F-8579-199FC3B6F1F7}"/>
+    <dgm:cxn modelId="{2A3349F5-5830-45B2-BCFF-5F38F53282D9}" type="presOf" srcId="{61CD6933-86E4-4060-B90D-DC52853BAD1F}" destId="{B63BE1E1-A27B-49BF-9791-9A17D5DFA811}" srcOrd="0" destOrd="0" presId="urn:microsoft.com/office/officeart/2005/8/layout/StepDownProcess"/>
+    <dgm:cxn modelId="{B6B616AF-4CC3-4F8F-B87A-E4536835D641}" type="presParOf" srcId="{FD255371-02E5-445A-8A34-C4FF89577BC1}" destId="{F7A6B523-0503-4814-A65B-73A50FD5C58D}" srcOrd="0" destOrd="0" presId="urn:microsoft.com/office/officeart/2005/8/layout/StepDownProcess"/>
+    <dgm:cxn modelId="{647F49FE-953A-4DE5-89A1-436717A9A616}" type="presParOf" srcId="{F7A6B523-0503-4814-A65B-73A50FD5C58D}" destId="{C2E3BC84-6341-48BD-BD73-FEE0D33527B5}" srcOrd="0" destOrd="0" presId="urn:microsoft.com/office/officeart/2005/8/layout/StepDownProcess"/>
+    <dgm:cxn modelId="{97A06D05-CC43-4F94-A3BB-A4350CBBB385}" type="presParOf" srcId="{F7A6B523-0503-4814-A65B-73A50FD5C58D}" destId="{B63BE1E1-A27B-49BF-9791-9A17D5DFA811}" srcOrd="1" destOrd="0" presId="urn:microsoft.com/office/officeart/2005/8/layout/StepDownProcess"/>
+    <dgm:cxn modelId="{516F9E94-9984-48DF-B5D9-679BBA80F1CA}" type="presParOf" srcId="{F7A6B523-0503-4814-A65B-73A50FD5C58D}" destId="{BC5E5A84-5E52-4ADE-ACAB-B0C424412F9F}" srcOrd="2" destOrd="0" presId="urn:microsoft.com/office/officeart/2005/8/layout/StepDownProcess"/>
+    <dgm:cxn modelId="{BBD39254-2589-4819-8FA8-CCE1F1B4ACF0}" type="presParOf" srcId="{FD255371-02E5-445A-8A34-C4FF89577BC1}" destId="{9BBFF64A-E392-4302-BE02-70A23E374A74}" srcOrd="1" destOrd="0" presId="urn:microsoft.com/office/officeart/2005/8/layout/StepDownProcess"/>
+    <dgm:cxn modelId="{22689C2F-D9FC-4005-9EBD-6B0966D45037}" type="presParOf" srcId="{FD255371-02E5-445A-8A34-C4FF89577BC1}" destId="{B6E34446-9E9D-4F02-9819-E330CB693FBC}" srcOrd="2" destOrd="0" presId="urn:microsoft.com/office/officeart/2005/8/layout/StepDownProcess"/>
+    <dgm:cxn modelId="{B09B3FDA-CADD-4D63-9129-7A97567869E9}" type="presParOf" srcId="{B6E34446-9E9D-4F02-9819-E330CB693FBC}" destId="{502689E2-1477-405F-B8B4-C45AA6E90C21}" srcOrd="0" destOrd="0" presId="urn:microsoft.com/office/officeart/2005/8/layout/StepDownProcess"/>
+    <dgm:cxn modelId="{BD2D3715-C44D-4E80-90DD-1B073B7E0477}" type="presParOf" srcId="{B6E34446-9E9D-4F02-9819-E330CB693FBC}" destId="{6BC99AE2-467B-4FD7-8E58-21FA09F41D91}" srcOrd="1" destOrd="0" presId="urn:microsoft.com/office/officeart/2005/8/layout/StepDownProcess"/>
+    <dgm:cxn modelId="{3461954F-54EC-4E2B-BBD3-72B6E95F4E71}" type="presParOf" srcId="{B6E34446-9E9D-4F02-9819-E330CB693FBC}" destId="{5C350AA3-A005-4B79-BDE4-17CFEE017C7C}" srcOrd="2" destOrd="0" presId="urn:microsoft.com/office/officeart/2005/8/layout/StepDownProcess"/>
+    <dgm:cxn modelId="{FD7455CF-F635-4BCD-B51E-FEE77A07CFA1}" type="presParOf" srcId="{FD255371-02E5-445A-8A34-C4FF89577BC1}" destId="{EC175AD8-EFFF-4192-8A63-5E64F098D87A}" srcOrd="3" destOrd="0" presId="urn:microsoft.com/office/officeart/2005/8/layout/StepDownProcess"/>
+    <dgm:cxn modelId="{AD6F39E4-AC89-407E-9279-AAB2BBDB12E5}" type="presParOf" srcId="{FD255371-02E5-445A-8A34-C4FF89577BC1}" destId="{74A47AC6-E86F-4EC3-A743-A95C71687EF0}" srcOrd="4" destOrd="0" presId="urn:microsoft.com/office/officeart/2005/8/layout/StepDownProcess"/>
+    <dgm:cxn modelId="{54BA5ACB-7108-4DE7-9C14-421D98CE43D1}" type="presParOf" srcId="{74A47AC6-E86F-4EC3-A743-A95C71687EF0}" destId="{E4D6C120-0BB9-4DFB-B15F-887DE965CED0}" srcOrd="0" destOrd="0" presId="urn:microsoft.com/office/officeart/2005/8/layout/StepDownProcess"/>
+    <dgm:cxn modelId="{5DB4C827-8EF0-421E-B60E-BAD22E4E39B2}" type="presParOf" srcId="{74A47AC6-E86F-4EC3-A743-A95C71687EF0}" destId="{0E749106-FA4A-402D-A9B7-7722F04B1CE3}" srcOrd="1" destOrd="0" presId="urn:microsoft.com/office/officeart/2005/8/layout/StepDownProcess"/>
+    <dgm:cxn modelId="{3626C898-0DBE-47C6-824C-A614E1705E6D}" type="presParOf" srcId="{74A47AC6-E86F-4EC3-A743-A95C71687EF0}" destId="{FB71C432-A86D-460B-995D-4EC8019496DC}" srcOrd="2" destOrd="0" presId="urn:microsoft.com/office/officeart/2005/8/layout/StepDownProcess"/>
+    <dgm:cxn modelId="{B648920C-98E3-430E-865C-CEC92D4373EE}" type="presParOf" srcId="{FD255371-02E5-445A-8A34-C4FF89577BC1}" destId="{03779DEA-6D94-450D-A105-50E1EA05B388}" srcOrd="5" destOrd="0" presId="urn:microsoft.com/office/officeart/2005/8/layout/StepDownProcess"/>
+    <dgm:cxn modelId="{3501C6FB-5DA0-49BC-8C53-48E7D4002344}" type="presParOf" srcId="{FD255371-02E5-445A-8A34-C4FF89577BC1}" destId="{FD152383-D9C0-4543-A90F-8C937E463457}" srcOrd="6" destOrd="0" presId="urn:microsoft.com/office/officeart/2005/8/layout/StepDownProcess"/>
+    <dgm:cxn modelId="{274FD55E-D9C0-4C28-8AE3-642B80815668}" type="presParOf" srcId="{FD152383-D9C0-4543-A90F-8C937E463457}" destId="{0B9C8ED6-9BBB-43D4-8BB4-D75325843A65}" srcOrd="0" destOrd="0" presId="urn:microsoft.com/office/officeart/2005/8/layout/StepDownProcess"/>
+    <dgm:cxn modelId="{527AAD40-1C56-423F-A0B1-047467E7F33E}" type="presParOf" srcId="{FD152383-D9C0-4543-A90F-8C937E463457}" destId="{83CC0B93-3BE8-4008-8FBB-0251501152CC}" srcOrd="1" destOrd="0" presId="urn:microsoft.com/office/officeart/2005/8/layout/StepDownProcess"/>
+    <dgm:cxn modelId="{D4FAB9AE-9FD5-464C-A4EA-FE6F32048637}" type="presParOf" srcId="{FD152383-D9C0-4543-A90F-8C937E463457}" destId="{39F65BD7-5F5C-4A40-BBA1-ABEBC22101E9}" srcOrd="2" destOrd="0" presId="urn:microsoft.com/office/officeart/2005/8/layout/StepDownProcess"/>
+    <dgm:cxn modelId="{7F7C04EF-6366-439B-8942-0DA584971BD9}" type="presParOf" srcId="{FD255371-02E5-445A-8A34-C4FF89577BC1}" destId="{950B870A-2726-4CE4-A750-4503D71E4ADF}" srcOrd="7" destOrd="0" presId="urn:microsoft.com/office/officeart/2005/8/layout/StepDownProcess"/>
+    <dgm:cxn modelId="{41E30417-D633-4E49-BA67-DA2CFFC6752D}" type="presParOf" srcId="{FD255371-02E5-445A-8A34-C4FF89577BC1}" destId="{50C76275-1C7F-4960-B444-73444F930744}" srcOrd="8" destOrd="0" presId="urn:microsoft.com/office/officeart/2005/8/layout/StepDownProcess"/>
+    <dgm:cxn modelId="{315E6067-C783-4F68-A822-68B54F6EE291}" type="presParOf" srcId="{50C76275-1C7F-4960-B444-73444F930744}" destId="{92F6390E-AFE3-45A5-BCD5-DE88F22EF26A}" srcOrd="0" destOrd="0" presId="urn:microsoft.com/office/officeart/2005/8/layout/StepDownProcess"/>
+  </dgm:cxnLst>
+  <dgm:bg/>
+  <dgm:whole/>
+  <dgm:extLst>
+    <a:ext uri="http://schemas.microsoft.com/office/drawing/2008/diagram">
+      <dsp:dataModelExt xmlns:dsp="http://schemas.microsoft.com/office/drawing/2008/diagram" relId="rId6" minVer="http://schemas.openxmlformats.org/drawingml/2006/diagram"/>
+    </a:ext>
+  </dgm:extLst>
+</dgm:dataModel>
+</file>
+
+<file path=ppt/diagrams/drawing1.xml><?xml version="1.0" encoding="utf-8"?>
+<dsp:drawing xmlns:dgm="http://schemas.openxmlformats.org/drawingml/2006/diagram" xmlns:dsp="http://schemas.microsoft.com/office/drawing/2008/diagram" xmlns:a="http://schemas.openxmlformats.org/drawingml/2006/main">
+  <dsp:spTree>
+    <dsp:nvGrpSpPr>
+      <dsp:cNvPr id="0" name=""/>
+      <dsp:cNvGrpSpPr/>
+    </dsp:nvGrpSpPr>
+    <dsp:grpSpPr/>
+    <dsp:sp modelId="{C2E3BC84-6341-48BD-BD73-FEE0D33527B5}">
+      <dsp:nvSpPr>
+        <dsp:cNvPr id="0" name=""/>
+        <dsp:cNvSpPr/>
+      </dsp:nvSpPr>
+      <dsp:spPr>
+        <a:xfrm rot="5400000">
+          <a:off x="3661669" y="790111"/>
+          <a:ext cx="687621" cy="782833"/>
+        </a:xfrm>
+        <a:prstGeom prst="bentUpArrow">
+          <a:avLst>
+            <a:gd name="adj1" fmla="val 32840"/>
+            <a:gd name="adj2" fmla="val 25000"/>
+            <a:gd name="adj3" fmla="val 35780"/>
+          </a:avLst>
+        </a:prstGeom>
+        <a:solidFill>
+          <a:schemeClr val="accent1">
+            <a:tint val="50000"/>
+            <a:hueOff val="0"/>
+            <a:satOff val="0"/>
+            <a:lumOff val="0"/>
+            <a:alphaOff val="0"/>
+          </a:schemeClr>
+        </a:solidFill>
+        <a:ln w="15875" cap="rnd" cmpd="sng" algn="ctr">
+          <a:solidFill>
+            <a:schemeClr val="lt1">
+              <a:hueOff val="0"/>
+              <a:satOff val="0"/>
+              <a:lumOff val="0"/>
+              <a:alphaOff val="0"/>
+            </a:schemeClr>
+          </a:solidFill>
+          <a:prstDash val="solid"/>
+        </a:ln>
+        <a:effectLst/>
+      </dsp:spPr>
+      <dsp:style>
+        <a:lnRef idx="2">
+          <a:scrgbClr r="0" g="0" b="0"/>
+        </a:lnRef>
+        <a:fillRef idx="1">
+          <a:scrgbClr r="0" g="0" b="0"/>
+        </a:fillRef>
+        <a:effectRef idx="0">
+          <a:scrgbClr r="0" g="0" b="0"/>
+        </a:effectRef>
+        <a:fontRef idx="minor"/>
+      </dsp:style>
+    </dsp:sp>
+    <dsp:sp modelId="{B63BE1E1-A27B-49BF-9791-9A17D5DFA811}">
+      <dsp:nvSpPr>
+        <dsp:cNvPr id="0" name=""/>
+        <dsp:cNvSpPr/>
+      </dsp:nvSpPr>
+      <dsp:spPr>
+        <a:xfrm>
+          <a:off x="3479491" y="27868"/>
+          <a:ext cx="1157550" cy="810247"/>
+        </a:xfrm>
+        <a:prstGeom prst="roundRect">
+          <a:avLst>
+            <a:gd name="adj" fmla="val 16670"/>
+          </a:avLst>
+        </a:prstGeom>
+        <a:solidFill>
+          <a:schemeClr val="accent1">
+            <a:hueOff val="0"/>
+            <a:satOff val="0"/>
+            <a:lumOff val="0"/>
+            <a:alphaOff val="0"/>
+          </a:schemeClr>
+        </a:solidFill>
+        <a:ln w="15875" cap="rnd" cmpd="sng" algn="ctr">
+          <a:solidFill>
+            <a:schemeClr val="lt1">
+              <a:hueOff val="0"/>
+              <a:satOff val="0"/>
+              <a:lumOff val="0"/>
+              <a:alphaOff val="0"/>
+            </a:schemeClr>
+          </a:solidFill>
+          <a:prstDash val="solid"/>
+        </a:ln>
+        <a:effectLst/>
+      </dsp:spPr>
+      <dsp:style>
+        <a:lnRef idx="2">
+          <a:scrgbClr r="0" g="0" b="0"/>
+        </a:lnRef>
+        <a:fillRef idx="1">
+          <a:scrgbClr r="0" g="0" b="0"/>
+        </a:fillRef>
+        <a:effectRef idx="0">
+          <a:scrgbClr r="0" g="0" b="0"/>
+        </a:effectRef>
+        <a:fontRef idx="minor">
+          <a:schemeClr val="lt1"/>
+        </a:fontRef>
+      </dsp:style>
+      <dsp:txBody>
+        <a:bodyPr spcFirstLastPara="0" vert="horz" wrap="square" lIns="49530" tIns="49530" rIns="49530" bIns="49530" numCol="1" spcCol="1270" anchor="ctr" anchorCtr="0">
+          <a:noAutofit/>
+        </a:bodyPr>
+        <a:lstStyle/>
+        <a:p>
+          <a:pPr marL="0" lvl="0" indent="0" algn="ctr" defTabSz="577850">
+            <a:lnSpc>
+              <a:spcPct val="90000"/>
+            </a:lnSpc>
+            <a:spcBef>
+              <a:spcPct val="0"/>
+            </a:spcBef>
+            <a:spcAft>
+              <a:spcPct val="35000"/>
+            </a:spcAft>
+            <a:buNone/>
+          </a:pPr>
+          <a:r>
+            <a:rPr lang="en-US" sz="1300" kern="1200"/>
+            <a:t>Requirement Analysis</a:t>
+          </a:r>
+        </a:p>
+      </dsp:txBody>
+      <dsp:txXfrm>
+        <a:off x="3519051" y="67428"/>
+        <a:ext cx="1078430" cy="731127"/>
+      </dsp:txXfrm>
+    </dsp:sp>
+    <dsp:sp modelId="{BC5E5A84-5E52-4ADE-ACAB-B0C424412F9F}">
+      <dsp:nvSpPr>
+        <dsp:cNvPr id="0" name=""/>
+        <dsp:cNvSpPr/>
+      </dsp:nvSpPr>
+      <dsp:spPr>
+        <a:xfrm>
+          <a:off x="4637042" y="105144"/>
+          <a:ext cx="841891" cy="654877"/>
+        </a:xfrm>
+        <a:prstGeom prst="rect">
+          <a:avLst/>
+        </a:prstGeom>
+        <a:noFill/>
+        <a:ln>
+          <a:noFill/>
+        </a:ln>
+        <a:effectLst/>
+      </dsp:spPr>
+      <dsp:style>
+        <a:lnRef idx="0">
+          <a:scrgbClr r="0" g="0" b="0"/>
+        </a:lnRef>
+        <a:fillRef idx="0">
+          <a:scrgbClr r="0" g="0" b="0"/>
+        </a:fillRef>
+        <a:effectRef idx="0">
+          <a:scrgbClr r="0" g="0" b="0"/>
+        </a:effectRef>
+        <a:fontRef idx="minor"/>
+      </dsp:style>
+    </dsp:sp>
+    <dsp:sp modelId="{502689E2-1477-405F-B8B4-C45AA6E90C21}">
+      <dsp:nvSpPr>
+        <dsp:cNvPr id="0" name=""/>
+        <dsp:cNvSpPr/>
+      </dsp:nvSpPr>
+      <dsp:spPr>
+        <a:xfrm rot="5400000">
+          <a:off x="4621402" y="1700286"/>
+          <a:ext cx="687621" cy="782833"/>
+        </a:xfrm>
+        <a:prstGeom prst="bentUpArrow">
+          <a:avLst>
+            <a:gd name="adj1" fmla="val 32840"/>
+            <a:gd name="adj2" fmla="val 25000"/>
+            <a:gd name="adj3" fmla="val 35780"/>
+          </a:avLst>
+        </a:prstGeom>
+        <a:solidFill>
+          <a:schemeClr val="accent1">
+            <a:tint val="50000"/>
+            <a:hueOff val="0"/>
+            <a:satOff val="0"/>
+            <a:lumOff val="0"/>
+            <a:alphaOff val="0"/>
+          </a:schemeClr>
+        </a:solidFill>
+        <a:ln w="15875" cap="rnd" cmpd="sng" algn="ctr">
+          <a:solidFill>
+            <a:schemeClr val="lt1">
+              <a:hueOff val="0"/>
+              <a:satOff val="0"/>
+              <a:lumOff val="0"/>
+              <a:alphaOff val="0"/>
+            </a:schemeClr>
+          </a:solidFill>
+          <a:prstDash val="solid"/>
+        </a:ln>
+        <a:effectLst/>
+      </dsp:spPr>
+      <dsp:style>
+        <a:lnRef idx="2">
+          <a:scrgbClr r="0" g="0" b="0"/>
+        </a:lnRef>
+        <a:fillRef idx="1">
+          <a:scrgbClr r="0" g="0" b="0"/>
+        </a:fillRef>
+        <a:effectRef idx="0">
+          <a:scrgbClr r="0" g="0" b="0"/>
+        </a:effectRef>
+        <a:fontRef idx="minor"/>
+      </dsp:style>
+    </dsp:sp>
+    <dsp:sp modelId="{6BC99AE2-467B-4FD7-8E58-21FA09F41D91}">
+      <dsp:nvSpPr>
+        <dsp:cNvPr id="0" name=""/>
+        <dsp:cNvSpPr/>
+      </dsp:nvSpPr>
+      <dsp:spPr>
+        <a:xfrm>
+          <a:off x="4439223" y="938044"/>
+          <a:ext cx="1157550" cy="810247"/>
+        </a:xfrm>
+        <a:prstGeom prst="roundRect">
+          <a:avLst>
+            <a:gd name="adj" fmla="val 16670"/>
+          </a:avLst>
+        </a:prstGeom>
+        <a:solidFill>
+          <a:schemeClr val="accent1">
+            <a:hueOff val="0"/>
+            <a:satOff val="0"/>
+            <a:lumOff val="0"/>
+            <a:alphaOff val="0"/>
+          </a:schemeClr>
+        </a:solidFill>
+        <a:ln w="15875" cap="rnd" cmpd="sng" algn="ctr">
+          <a:solidFill>
+            <a:schemeClr val="lt1">
+              <a:hueOff val="0"/>
+              <a:satOff val="0"/>
+              <a:lumOff val="0"/>
+              <a:alphaOff val="0"/>
+            </a:schemeClr>
+          </a:solidFill>
+          <a:prstDash val="solid"/>
+        </a:ln>
+        <a:effectLst/>
+      </dsp:spPr>
+      <dsp:style>
+        <a:lnRef idx="2">
+          <a:scrgbClr r="0" g="0" b="0"/>
+        </a:lnRef>
+        <a:fillRef idx="1">
+          <a:scrgbClr r="0" g="0" b="0"/>
+        </a:fillRef>
+        <a:effectRef idx="0">
+          <a:scrgbClr r="0" g="0" b="0"/>
+        </a:effectRef>
+        <a:fontRef idx="minor">
+          <a:schemeClr val="lt1"/>
+        </a:fontRef>
+      </dsp:style>
+      <dsp:txBody>
+        <a:bodyPr spcFirstLastPara="0" vert="horz" wrap="square" lIns="49530" tIns="49530" rIns="49530" bIns="49530" numCol="1" spcCol="1270" anchor="ctr" anchorCtr="0">
+          <a:noAutofit/>
+        </a:bodyPr>
+        <a:lstStyle/>
+        <a:p>
+          <a:pPr marL="0" lvl="0" indent="0" algn="ctr" defTabSz="577850">
+            <a:lnSpc>
+              <a:spcPct val="90000"/>
+            </a:lnSpc>
+            <a:spcBef>
+              <a:spcPct val="0"/>
+            </a:spcBef>
+            <a:spcAft>
+              <a:spcPct val="35000"/>
+            </a:spcAft>
+            <a:buNone/>
+          </a:pPr>
+          <a:r>
+            <a:rPr lang="en-US" sz="1300" kern="1200"/>
+            <a:t>System Design</a:t>
+          </a:r>
+        </a:p>
+      </dsp:txBody>
+      <dsp:txXfrm>
+        <a:off x="4478783" y="977604"/>
+        <a:ext cx="1078430" cy="731127"/>
+      </dsp:txXfrm>
+    </dsp:sp>
+    <dsp:sp modelId="{5C350AA3-A005-4B79-BDE4-17CFEE017C7C}">
+      <dsp:nvSpPr>
+        <dsp:cNvPr id="0" name=""/>
+        <dsp:cNvSpPr/>
+      </dsp:nvSpPr>
+      <dsp:spPr>
+        <a:xfrm>
+          <a:off x="5596774" y="1015319"/>
+          <a:ext cx="841891" cy="654877"/>
+        </a:xfrm>
+        <a:prstGeom prst="rect">
+          <a:avLst/>
+        </a:prstGeom>
+        <a:noFill/>
+        <a:ln>
+          <a:noFill/>
+        </a:ln>
+        <a:effectLst/>
+      </dsp:spPr>
+      <dsp:style>
+        <a:lnRef idx="0">
+          <a:scrgbClr r="0" g="0" b="0"/>
+        </a:lnRef>
+        <a:fillRef idx="0">
+          <a:scrgbClr r="0" g="0" b="0"/>
+        </a:fillRef>
+        <a:effectRef idx="0">
+          <a:scrgbClr r="0" g="0" b="0"/>
+        </a:effectRef>
+        <a:fontRef idx="minor"/>
+      </dsp:style>
+    </dsp:sp>
+    <dsp:sp modelId="{E4D6C120-0BB9-4DFB-B15F-887DE965CED0}">
+      <dsp:nvSpPr>
+        <dsp:cNvPr id="0" name=""/>
+        <dsp:cNvSpPr/>
+      </dsp:nvSpPr>
+      <dsp:spPr>
+        <a:xfrm rot="5400000">
+          <a:off x="5581134" y="2610462"/>
+          <a:ext cx="687621" cy="782833"/>
+        </a:xfrm>
+        <a:prstGeom prst="bentUpArrow">
+          <a:avLst>
+            <a:gd name="adj1" fmla="val 32840"/>
+            <a:gd name="adj2" fmla="val 25000"/>
+            <a:gd name="adj3" fmla="val 35780"/>
+          </a:avLst>
+        </a:prstGeom>
+        <a:solidFill>
+          <a:schemeClr val="accent1">
+            <a:tint val="50000"/>
+            <a:hueOff val="0"/>
+            <a:satOff val="0"/>
+            <a:lumOff val="0"/>
+            <a:alphaOff val="0"/>
+          </a:schemeClr>
+        </a:solidFill>
+        <a:ln w="15875" cap="rnd" cmpd="sng" algn="ctr">
+          <a:solidFill>
+            <a:schemeClr val="lt1">
+              <a:hueOff val="0"/>
+              <a:satOff val="0"/>
+              <a:lumOff val="0"/>
+              <a:alphaOff val="0"/>
+            </a:schemeClr>
+          </a:solidFill>
+          <a:prstDash val="solid"/>
+        </a:ln>
+        <a:effectLst/>
+      </dsp:spPr>
+      <dsp:style>
+        <a:lnRef idx="2">
+          <a:scrgbClr r="0" g="0" b="0"/>
+        </a:lnRef>
+        <a:fillRef idx="1">
+          <a:scrgbClr r="0" g="0" b="0"/>
+        </a:fillRef>
+        <a:effectRef idx="0">
+          <a:scrgbClr r="0" g="0" b="0"/>
+        </a:effectRef>
+        <a:fontRef idx="minor"/>
+      </dsp:style>
+    </dsp:sp>
+    <dsp:sp modelId="{0E749106-FA4A-402D-A9B7-7722F04B1CE3}">
+      <dsp:nvSpPr>
+        <dsp:cNvPr id="0" name=""/>
+        <dsp:cNvSpPr/>
+      </dsp:nvSpPr>
+      <dsp:spPr>
+        <a:xfrm>
+          <a:off x="5398956" y="1848219"/>
+          <a:ext cx="1157550" cy="810247"/>
+        </a:xfrm>
+        <a:prstGeom prst="roundRect">
+          <a:avLst>
+            <a:gd name="adj" fmla="val 16670"/>
+          </a:avLst>
+        </a:prstGeom>
+        <a:solidFill>
+          <a:schemeClr val="accent1">
+            <a:hueOff val="0"/>
+            <a:satOff val="0"/>
+            <a:lumOff val="0"/>
+            <a:alphaOff val="0"/>
+          </a:schemeClr>
+        </a:solidFill>
+        <a:ln w="15875" cap="rnd" cmpd="sng" algn="ctr">
+          <a:solidFill>
+            <a:schemeClr val="lt1">
+              <a:hueOff val="0"/>
+              <a:satOff val="0"/>
+              <a:lumOff val="0"/>
+              <a:alphaOff val="0"/>
+            </a:schemeClr>
+          </a:solidFill>
+          <a:prstDash val="solid"/>
+        </a:ln>
+        <a:effectLst/>
+      </dsp:spPr>
+      <dsp:style>
+        <a:lnRef idx="2">
+          <a:scrgbClr r="0" g="0" b="0"/>
+        </a:lnRef>
+        <a:fillRef idx="1">
+          <a:scrgbClr r="0" g="0" b="0"/>
+        </a:fillRef>
+        <a:effectRef idx="0">
+          <a:scrgbClr r="0" g="0" b="0"/>
+        </a:effectRef>
+        <a:fontRef idx="minor">
+          <a:schemeClr val="lt1"/>
+        </a:fontRef>
+      </dsp:style>
+      <dsp:txBody>
+        <a:bodyPr spcFirstLastPara="0" vert="horz" wrap="square" lIns="49530" tIns="49530" rIns="49530" bIns="49530" numCol="1" spcCol="1270" anchor="ctr" anchorCtr="0">
+          <a:noAutofit/>
+        </a:bodyPr>
+        <a:lstStyle/>
+        <a:p>
+          <a:pPr marL="0" lvl="0" indent="0" algn="ctr" defTabSz="577850">
+            <a:lnSpc>
+              <a:spcPct val="90000"/>
+            </a:lnSpc>
+            <a:spcBef>
+              <a:spcPct val="0"/>
+            </a:spcBef>
+            <a:spcAft>
+              <a:spcPct val="35000"/>
+            </a:spcAft>
+            <a:buNone/>
+          </a:pPr>
+          <a:r>
+            <a:rPr lang="en-US" sz="1300" kern="1200"/>
+            <a:t>Software Development</a:t>
+          </a:r>
+        </a:p>
+      </dsp:txBody>
+      <dsp:txXfrm>
+        <a:off x="5438516" y="1887779"/>
+        <a:ext cx="1078430" cy="731127"/>
+      </dsp:txXfrm>
+    </dsp:sp>
+    <dsp:sp modelId="{FB71C432-A86D-460B-995D-4EC8019496DC}">
+      <dsp:nvSpPr>
+        <dsp:cNvPr id="0" name=""/>
+        <dsp:cNvSpPr/>
+      </dsp:nvSpPr>
+      <dsp:spPr>
+        <a:xfrm>
+          <a:off x="6556506" y="1925495"/>
+          <a:ext cx="841891" cy="654877"/>
+        </a:xfrm>
+        <a:prstGeom prst="rect">
+          <a:avLst/>
+        </a:prstGeom>
+        <a:noFill/>
+        <a:ln>
+          <a:noFill/>
+        </a:ln>
+        <a:effectLst/>
+      </dsp:spPr>
+      <dsp:style>
+        <a:lnRef idx="0">
+          <a:scrgbClr r="0" g="0" b="0"/>
+        </a:lnRef>
+        <a:fillRef idx="0">
+          <a:scrgbClr r="0" g="0" b="0"/>
+        </a:fillRef>
+        <a:effectRef idx="0">
+          <a:scrgbClr r="0" g="0" b="0"/>
+        </a:effectRef>
+        <a:fontRef idx="minor"/>
+      </dsp:style>
+    </dsp:sp>
+    <dsp:sp modelId="{0B9C8ED6-9BBB-43D4-8BB4-D75325843A65}">
+      <dsp:nvSpPr>
+        <dsp:cNvPr id="0" name=""/>
+        <dsp:cNvSpPr/>
+      </dsp:nvSpPr>
+      <dsp:spPr>
+        <a:xfrm rot="5400000">
+          <a:off x="6540866" y="3520637"/>
+          <a:ext cx="687621" cy="782833"/>
+        </a:xfrm>
+        <a:prstGeom prst="bentUpArrow">
+          <a:avLst>
+            <a:gd name="adj1" fmla="val 32840"/>
+            <a:gd name="adj2" fmla="val 25000"/>
+            <a:gd name="adj3" fmla="val 35780"/>
+          </a:avLst>
+        </a:prstGeom>
+        <a:solidFill>
+          <a:schemeClr val="accent1">
+            <a:tint val="50000"/>
+            <a:hueOff val="0"/>
+            <a:satOff val="0"/>
+            <a:lumOff val="0"/>
+            <a:alphaOff val="0"/>
+          </a:schemeClr>
+        </a:solidFill>
+        <a:ln w="15875" cap="rnd" cmpd="sng" algn="ctr">
+          <a:solidFill>
+            <a:schemeClr val="lt1">
+              <a:hueOff val="0"/>
+              <a:satOff val="0"/>
+              <a:lumOff val="0"/>
+              <a:alphaOff val="0"/>
+            </a:schemeClr>
+          </a:solidFill>
+          <a:prstDash val="solid"/>
+        </a:ln>
+        <a:effectLst/>
+      </dsp:spPr>
+      <dsp:style>
+        <a:lnRef idx="2">
+          <a:scrgbClr r="0" g="0" b="0"/>
+        </a:lnRef>
+        <a:fillRef idx="1">
+          <a:scrgbClr r="0" g="0" b="0"/>
+        </a:fillRef>
+        <a:effectRef idx="0">
+          <a:scrgbClr r="0" g="0" b="0"/>
+        </a:effectRef>
+        <a:fontRef idx="minor"/>
+      </dsp:style>
+    </dsp:sp>
+    <dsp:sp modelId="{83CC0B93-3BE8-4008-8FBB-0251501152CC}">
+      <dsp:nvSpPr>
+        <dsp:cNvPr id="0" name=""/>
+        <dsp:cNvSpPr/>
+      </dsp:nvSpPr>
+      <dsp:spPr>
+        <a:xfrm>
+          <a:off x="6358688" y="2758395"/>
+          <a:ext cx="1157550" cy="810247"/>
+        </a:xfrm>
+        <a:prstGeom prst="roundRect">
+          <a:avLst>
+            <a:gd name="adj" fmla="val 16670"/>
+          </a:avLst>
+        </a:prstGeom>
+        <a:solidFill>
+          <a:schemeClr val="accent1">
+            <a:hueOff val="0"/>
+            <a:satOff val="0"/>
+            <a:lumOff val="0"/>
+            <a:alphaOff val="0"/>
+          </a:schemeClr>
+        </a:solidFill>
+        <a:ln w="15875" cap="rnd" cmpd="sng" algn="ctr">
+          <a:solidFill>
+            <a:schemeClr val="lt1">
+              <a:hueOff val="0"/>
+              <a:satOff val="0"/>
+              <a:lumOff val="0"/>
+              <a:alphaOff val="0"/>
+            </a:schemeClr>
+          </a:solidFill>
+          <a:prstDash val="solid"/>
+        </a:ln>
+        <a:effectLst/>
+      </dsp:spPr>
+      <dsp:style>
+        <a:lnRef idx="2">
+          <a:scrgbClr r="0" g="0" b="0"/>
+        </a:lnRef>
+        <a:fillRef idx="1">
+          <a:scrgbClr r="0" g="0" b="0"/>
+        </a:fillRef>
+        <a:effectRef idx="0">
+          <a:scrgbClr r="0" g="0" b="0"/>
+        </a:effectRef>
+        <a:fontRef idx="minor">
+          <a:schemeClr val="lt1"/>
+        </a:fontRef>
+      </dsp:style>
+      <dsp:txBody>
+        <a:bodyPr spcFirstLastPara="0" vert="horz" wrap="square" lIns="49530" tIns="49530" rIns="49530" bIns="49530" numCol="1" spcCol="1270" anchor="ctr" anchorCtr="0">
+          <a:noAutofit/>
+        </a:bodyPr>
+        <a:lstStyle/>
+        <a:p>
+          <a:pPr marL="0" lvl="0" indent="0" algn="ctr" defTabSz="577850">
+            <a:lnSpc>
+              <a:spcPct val="90000"/>
+            </a:lnSpc>
+            <a:spcBef>
+              <a:spcPct val="0"/>
+            </a:spcBef>
+            <a:spcAft>
+              <a:spcPct val="35000"/>
+            </a:spcAft>
+            <a:buNone/>
+          </a:pPr>
+          <a:r>
+            <a:rPr lang="en-US" sz="1300" kern="1200"/>
+            <a:t>Software Testing</a:t>
+          </a:r>
+        </a:p>
+      </dsp:txBody>
+      <dsp:txXfrm>
+        <a:off x="6398248" y="2797955"/>
+        <a:ext cx="1078430" cy="731127"/>
+      </dsp:txXfrm>
+    </dsp:sp>
+    <dsp:sp modelId="{39F65BD7-5F5C-4A40-BBA1-ABEBC22101E9}">
+      <dsp:nvSpPr>
+        <dsp:cNvPr id="0" name=""/>
+        <dsp:cNvSpPr/>
+      </dsp:nvSpPr>
+      <dsp:spPr>
+        <a:xfrm>
+          <a:off x="7516239" y="2835670"/>
+          <a:ext cx="841891" cy="654877"/>
+        </a:xfrm>
+        <a:prstGeom prst="rect">
+          <a:avLst/>
+        </a:prstGeom>
+        <a:noFill/>
+        <a:ln>
+          <a:noFill/>
+        </a:ln>
+        <a:effectLst/>
+      </dsp:spPr>
+      <dsp:style>
+        <a:lnRef idx="0">
+          <a:scrgbClr r="0" g="0" b="0"/>
+        </a:lnRef>
+        <a:fillRef idx="0">
+          <a:scrgbClr r="0" g="0" b="0"/>
+        </a:fillRef>
+        <a:effectRef idx="0">
+          <a:scrgbClr r="0" g="0" b="0"/>
+        </a:effectRef>
+        <a:fontRef idx="minor"/>
+      </dsp:style>
+    </dsp:sp>
+    <dsp:sp modelId="{92F6390E-AFE3-45A5-BCD5-DE88F22EF26A}">
+      <dsp:nvSpPr>
+        <dsp:cNvPr id="0" name=""/>
+        <dsp:cNvSpPr/>
+      </dsp:nvSpPr>
+      <dsp:spPr>
+        <a:xfrm>
+          <a:off x="7318420" y="3668570"/>
+          <a:ext cx="1157550" cy="810247"/>
+        </a:xfrm>
+        <a:prstGeom prst="roundRect">
+          <a:avLst>
+            <a:gd name="adj" fmla="val 16670"/>
+          </a:avLst>
+        </a:prstGeom>
+        <a:solidFill>
+          <a:schemeClr val="accent1">
+            <a:hueOff val="0"/>
+            <a:satOff val="0"/>
+            <a:lumOff val="0"/>
+            <a:alphaOff val="0"/>
+          </a:schemeClr>
+        </a:solidFill>
+        <a:ln w="15875" cap="rnd" cmpd="sng" algn="ctr">
+          <a:solidFill>
+            <a:schemeClr val="lt1">
+              <a:hueOff val="0"/>
+              <a:satOff val="0"/>
+              <a:lumOff val="0"/>
+              <a:alphaOff val="0"/>
+            </a:schemeClr>
+          </a:solidFill>
+          <a:prstDash val="solid"/>
+        </a:ln>
+        <a:effectLst/>
+      </dsp:spPr>
+      <dsp:style>
+        <a:lnRef idx="2">
+          <a:scrgbClr r="0" g="0" b="0"/>
+        </a:lnRef>
+        <a:fillRef idx="1">
+          <a:scrgbClr r="0" g="0" b="0"/>
+        </a:fillRef>
+        <a:effectRef idx="0">
+          <a:scrgbClr r="0" g="0" b="0"/>
+        </a:effectRef>
+        <a:fontRef idx="minor">
+          <a:schemeClr val="lt1"/>
+        </a:fontRef>
+      </dsp:style>
+      <dsp:txBody>
+        <a:bodyPr spcFirstLastPara="0" vert="horz" wrap="square" lIns="49530" tIns="49530" rIns="49530" bIns="49530" numCol="1" spcCol="1270" anchor="ctr" anchorCtr="0">
+          <a:noAutofit/>
+        </a:bodyPr>
+        <a:lstStyle/>
+        <a:p>
+          <a:pPr marL="0" lvl="0" indent="0" algn="ctr" defTabSz="577850">
+            <a:lnSpc>
+              <a:spcPct val="90000"/>
+            </a:lnSpc>
+            <a:spcBef>
+              <a:spcPct val="0"/>
+            </a:spcBef>
+            <a:spcAft>
+              <a:spcPct val="35000"/>
+            </a:spcAft>
+            <a:buNone/>
+          </a:pPr>
+          <a:r>
+            <a:rPr lang="en-US" sz="1300" kern="1200"/>
+            <a:t>Deployment</a:t>
+          </a:r>
+        </a:p>
+      </dsp:txBody>
+      <dsp:txXfrm>
+        <a:off x="7357980" y="3708130"/>
+        <a:ext cx="1078430" cy="731127"/>
+      </dsp:txXfrm>
+    </dsp:sp>
+  </dsp:spTree>
+</dsp:drawing>
+</file>
+
+<file path=ppt/diagrams/layout1.xml><?xml version="1.0" encoding="utf-8"?>
+<dgm:layoutDef xmlns:dgm="http://schemas.openxmlformats.org/drawingml/2006/diagram" xmlns:a="http://schemas.openxmlformats.org/drawingml/2006/main" uniqueId="urn:microsoft.com/office/officeart/2005/8/layout/StepDownProcess">
+  <dgm:title val=""/>
+  <dgm:desc val=""/>
+  <dgm:catLst>
+    <dgm:cat type="process" pri="1600"/>
+  </dgm:catLst>
+  <dgm:sampData>
+    <dgm:dataModel>
+      <dgm:ptLst>
+        <dgm:pt modelId="0" type="doc"/>
+        <dgm:pt modelId="10">
+          <dgm:prSet phldr="1"/>
+        </dgm:pt>
+        <dgm:pt modelId="11">
+          <dgm:prSet phldr="1"/>
+        </dgm:pt>
+        <dgm:pt modelId="20">
+          <dgm:prSet phldr="1"/>
+        </dgm:pt>
+        <dgm:pt modelId="21">
+          <dgm:prSet phldr="1"/>
+        </dgm:pt>
+        <dgm:pt modelId="30">
+          <dgm:prSet phldr="1"/>
+        </dgm:pt>
+        <dgm:pt modelId="31">
+          <dgm:prSet phldr="1"/>
+        </dgm:pt>
+      </dgm:ptLst>
+      <dgm:cxnLst>
+        <dgm:cxn modelId="60" srcId="0" destId="10" srcOrd="0" destOrd="0"/>
+        <dgm:cxn modelId="12" srcId="10" destId="11" srcOrd="0" destOrd="0"/>
+        <dgm:cxn modelId="70" srcId="0" destId="20" srcOrd="1" destOrd="0"/>
+        <dgm:cxn modelId="22" srcId="20" destId="21" srcOrd="0" destOrd="0"/>
+        <dgm:cxn modelId="80" srcId="0" destId="30" srcOrd="2" destOrd="0"/>
+        <dgm:cxn modelId="32" srcId="30" destId="31" srcOrd="0" destOrd="0"/>
+      </dgm:cxnLst>
+      <dgm:bg/>
+      <dgm:whole/>
+    </dgm:dataModel>
+  </dgm:sampData>
+  <dgm:styleData>
+    <dgm:dataModel>
+      <dgm:ptLst>
+        <dgm:pt modelId="0" type="doc"/>
+        <dgm:pt modelId="10">
+          <dgm:prSet phldr="1"/>
+        </dgm:pt>
+        <dgm:pt modelId="20">
+          <dgm:prSet phldr="1"/>
+        </dgm:pt>
+      </dgm:ptLst>
+      <dgm:cxnLst>
+        <dgm:cxn modelId="60" srcId="0" destId="10" srcOrd="0" destOrd="0"/>
+        <dgm:cxn modelId="70" srcId="0" destId="20" srcOrd="1" destOrd="0"/>
+      </dgm:cxnLst>
+      <dgm:bg/>
+      <dgm:whole/>
+    </dgm:dataModel>
+  </dgm:styleData>
+  <dgm:clrData>
+    <dgm:dataModel>
+      <dgm:ptLst>
+        <dgm:pt modelId="0" type="doc"/>
+        <dgm:pt modelId="10">
+          <dgm:prSet phldr="1"/>
+        </dgm:pt>
+        <dgm:pt modelId="20">
+          <dgm:prSet phldr="1"/>
+        </dgm:pt>
+        <dgm:pt modelId="30">
+          <dgm:prSet phldr="1"/>
+        </dgm:pt>
+        <dgm:pt modelId="40">
+          <dgm:prSet phldr="1"/>
+        </dgm:pt>
+      </dgm:ptLst>
+      <dgm:cxnLst>
+        <dgm:cxn modelId="60" srcId="0" destId="10" srcOrd="0" destOrd="0"/>
+        <dgm:cxn modelId="70" srcId="0" destId="20" srcOrd="1" destOrd="0"/>
+        <dgm:cxn modelId="80" srcId="0" destId="30" srcOrd="2" destOrd="0"/>
+        <dgm:cxn modelId="90" srcId="0" destId="40" srcOrd="3" destOrd="0"/>
+      </dgm:cxnLst>
+      <dgm:bg/>
+      <dgm:whole/>
+    </dgm:dataModel>
+  </dgm:clrData>
+  <dgm:layoutNode name="rootnode">
+    <dgm:varLst>
+      <dgm:chMax/>
+      <dgm:chPref/>
+      <dgm:dir/>
+      <dgm:animLvl val="lvl"/>
+    </dgm:varLst>
+    <dgm:choose name="Name0">
+      <dgm:if name="Name1" func="var" arg="dir" op="equ" val="norm">
+        <dgm:alg type="snake">
+          <dgm:param type="grDir" val="tL"/>
+          <dgm:param type="flowDir" val="row"/>
+          <dgm:param type="off" val="off"/>
+          <dgm:param type="bkpt" val="fixed"/>
+          <dgm:param type="bkPtFixedVal" val="1"/>
+        </dgm:alg>
+      </dgm:if>
+      <dgm:else name="Name2">
+        <dgm:alg type="snake">
+          <dgm:param type="grDir" val="tR"/>
+          <dgm:param type="flowDir" val="row"/>
+          <dgm:param type="off" val="off"/>
+          <dgm:param type="bkpt" val="fixed"/>
+          <dgm:param type="bkPtFixedVal" val="1"/>
+        </dgm:alg>
+      </dgm:else>
+    </dgm:choose>
+    <dgm:shape xmlns:r="http://schemas.openxmlformats.org/officeDocument/2006/relationships" r:blip="">
+      <dgm:adjLst/>
+    </dgm:shape>
+    <dgm:choose name="Name3">
+      <dgm:if name="Name4" func="var" arg="dir" op="equ" val="norm">
+        <dgm:constrLst>
+          <dgm:constr type="alignOff" forName="rootnode" val="0.48"/>
+          <dgm:constr type="primFontSz" for="des" forName="ParentText" val="65"/>
+          <dgm:constr type="primFontSz" for="des" forName="ChildText" refType="primFontSz" refFor="des" refForName="ParentText" op="lte"/>
+          <dgm:constr type="w" for="ch" forName="composite" refType="w"/>
+          <dgm:constr type="h" for="ch" forName="composite" refType="h"/>
+          <dgm:constr type="sp" refType="h" refFor="ch" refForName="composite" op="equ" fact="-0.38"/>
+        </dgm:constrLst>
+      </dgm:if>
+      <dgm:else name="Name5">
+        <dgm:constrLst>
+          <dgm:constr type="alignOff" forName="rootnode" val="0.48"/>
+          <dgm:constr type="primFontSz" for="des" forName="ParentText" val="65"/>
+          <dgm:constr type="primFontSz" for="des" forName="ChildText" refType="primFontSz" refFor="des" refForName="ParentText" op="lte"/>
+          <dgm:constr type="w" for="ch" forName="composite" refType="w"/>
+          <dgm:constr type="h" for="ch" forName="composite" refType="h"/>
+          <dgm:constr type="sp" refType="h" refFor="ch" refForName="composite" op="equ" fact="-0.38"/>
+        </dgm:constrLst>
+      </dgm:else>
+    </dgm:choose>
+    <dgm:forEach name="nodesForEach" axis="ch" ptType="node">
+      <dgm:layoutNode name="composite">
+        <dgm:alg type="composite">
+          <dgm:param type="ar" val="1.2439"/>
+        </dgm:alg>
+        <dgm:shape xmlns:r="http://schemas.openxmlformats.org/officeDocument/2006/relationships" r:blip="">
+          <dgm:adjLst/>
+        </dgm:shape>
+        <dgm:choose name="Name6">
+          <dgm:if name="Name7" func="var" arg="dir" op="equ" val="norm">
+            <dgm:constrLst>
+              <dgm:constr type="l" for="ch" forName="bentUpArrow1" refType="w" fact="0.07"/>
+              <dgm:constr type="t" for="ch" forName="bentUpArrow1" refType="h" fact="0.524"/>
+              <dgm:constr type="w" for="ch" forName="bentUpArrow1" refType="w" fact="0.3844"/>
+              <dgm:constr type="h" for="ch" forName="bentUpArrow1" refType="h" fact="0.42"/>
+              <dgm:constr type="l" for="ch" forName="ParentText" refType="w" fact="0"/>
+              <dgm:constr type="t" for="ch" forName="ParentText" refType="h" fact="0"/>
+              <dgm:constr type="w" for="ch" forName="ParentText" refType="w" fact="0.5684"/>
+              <dgm:constr type="h" for="ch" forName="ParentText" refType="h" fact="0.4949"/>
+              <dgm:constr type="l" for="ch" forName="ChildText" refType="w" refFor="ch" refForName="ParentText"/>
+              <dgm:constr type="t" for="ch" forName="ChildText" refType="h" fact="0.05"/>
+              <dgm:constr type="w" for="ch" forName="ChildText" refType="w" fact="0.4134"/>
+              <dgm:constr type="h" for="ch" forName="ChildText" refType="h" fact="0.4"/>
+              <dgm:constr type="l" for="ch" forName="FinalChildText" refType="w" refFor="ch" refForName="ParentText"/>
+              <dgm:constr type="t" for="ch" forName="FinalChildText" refType="h" fact="0.05"/>
+              <dgm:constr type="w" for="ch" forName="FinalChildText" refType="w" fact="0.4134"/>
+              <dgm:constr type="h" for="ch" forName="FinalChildText" refType="h" fact="0.4"/>
+            </dgm:constrLst>
+          </dgm:if>
+          <dgm:else name="Name8">
+            <dgm:constrLst>
+              <dgm:constr type="r" for="ch" forName="bentUpArrow1" refType="w" fact="0.97"/>
+              <dgm:constr type="t" for="ch" forName="bentUpArrow1" refType="h" fact="0.524"/>
+              <dgm:constr type="w" for="ch" forName="bentUpArrow1" refType="w" fact="0.3844"/>
+              <dgm:constr type="h" for="ch" forName="bentUpArrow1" refType="h" fact="0.42"/>
+              <dgm:constr type="l" for="ch" forName="ParentText" refType="w" fact="0.4316"/>
+              <dgm:constr type="t" for="ch" forName="ParentText" refType="h" fact="0"/>
+              <dgm:constr type="w" for="ch" forName="ParentText" refType="w" fact="0.5684"/>
+              <dgm:constr type="h" for="ch" forName="ParentText" refType="h" fact="0.4949"/>
+              <dgm:constr type="l" for="ch" forName="ChildText" refType="w" fact="0"/>
+              <dgm:constr type="t" for="ch" forName="ChildText" refType="h" fact="0.05"/>
+              <dgm:constr type="w" for="ch" forName="ChildText" refType="w" fact="0.4134"/>
+              <dgm:constr type="h" for="ch" forName="ChildText" refType="h" fact="0.4"/>
+              <dgm:constr type="l" for="ch" forName="FinalChildText" refType="w" fact="0"/>
+              <dgm:constr type="t" for="ch" forName="FinalChildText" refType="h" fact="0.05"/>
+              <dgm:constr type="w" for="ch" forName="FinalChildText" refType="w" fact="0.4134"/>
+              <dgm:constr type="h" for="ch" forName="FinalChildText" refType="h" fact="0.4"/>
+            </dgm:constrLst>
+          </dgm:else>
+        </dgm:choose>
+        <dgm:choose name="Name9">
+          <dgm:if name="Name10" axis="followSib" ptType="node" func="cnt" op="gte" val="1">
+            <dgm:layoutNode name="bentUpArrow1" styleLbl="alignImgPlace1">
+              <dgm:alg type="sp"/>
+              <dgm:choose name="Name11">
+                <dgm:if name="Name12" func="var" arg="dir" op="equ" val="norm">
+                  <dgm:shape xmlns:r="http://schemas.openxmlformats.org/officeDocument/2006/relationships" rot="90" type="bentUpArrow" r:blip="">
+                    <dgm:adjLst>
+                      <dgm:adj idx="1" val="0.3284"/>
+                      <dgm:adj idx="2" val="0.25"/>
+                      <dgm:adj idx="3" val="0.3578"/>
+                    </dgm:adjLst>
+                  </dgm:shape>
+                </dgm:if>
+                <dgm:else name="Name13">
+                  <dgm:shape xmlns:r="http://schemas.openxmlformats.org/officeDocument/2006/relationships" rot="180" type="bentArrow" r:blip="">
+                    <dgm:adjLst>
+                      <dgm:adj idx="1" val="0.3284"/>
+                      <dgm:adj idx="2" val="0.25"/>
+                      <dgm:adj idx="3" val="0.3578"/>
+                      <dgm:adj idx="4" val="0"/>
+                    </dgm:adjLst>
+                  </dgm:shape>
+                </dgm:else>
+              </dgm:choose>
+              <dgm:presOf/>
+            </dgm:layoutNode>
+          </dgm:if>
+          <dgm:else name="Name14"/>
+        </dgm:choose>
+        <dgm:layoutNode name="ParentText" styleLbl="node1">
+          <dgm:varLst>
+            <dgm:chMax val="1"/>
+            <dgm:chPref val="1"/>
+            <dgm:bulletEnabled val="1"/>
+          </dgm:varLst>
+          <dgm:alg type="tx"/>
+          <dgm:shape xmlns:r="http://schemas.openxmlformats.org/officeDocument/2006/relationships" type="roundRect" r:blip="">
+            <dgm:adjLst>
+              <dgm:adj idx="1" val="0.1667"/>
+            </dgm:adjLst>
+          </dgm:shape>
+          <dgm:presOf axis="self" ptType="node"/>
+          <dgm:constrLst>
+            <dgm:constr type="lMarg" refType="primFontSz" fact="0.3"/>
+            <dgm:constr type="rMarg" refType="primFontSz" fact="0.3"/>
+            <dgm:constr type="tMarg" refType="primFontSz" fact="0.3"/>
+            <dgm:constr type="bMarg" refType="primFontSz" fact="0.3"/>
+          </dgm:constrLst>
+          <dgm:ruleLst>
+            <dgm:rule type="primFontSz" val="5" fact="NaN" max="NaN"/>
+          </dgm:ruleLst>
+        </dgm:layoutNode>
+        <dgm:choose name="Name15">
+          <dgm:if name="Name16" axis="followSib" ptType="node" func="cnt" op="equ" val="0">
+            <dgm:choose name="Name17">
+              <dgm:if name="Name18" axis="ch" ptType="node" func="cnt" op="gte" val="1">
+                <dgm:layoutNode name="FinalChildText" styleLbl="revTx">
+                  <dgm:varLst>
+                    <dgm:chMax val="0"/>
+                    <dgm:chPref val="0"/>
+                    <dgm:bulletEnabled val="1"/>
+                  </dgm:varLst>
+                  <dgm:alg type="tx">
+                    <dgm:param type="stBulletLvl" val="1"/>
+                    <dgm:param type="txAnchorVertCh" val="mid"/>
+                    <dgm:param type="parTxLTRAlign" val="l"/>
+                  </dgm:alg>
+                  <dgm:shape xmlns:r="http://schemas.openxmlformats.org/officeDocument/2006/relationships" type="rect" r:blip="">
+                    <dgm:adjLst/>
+                  </dgm:shape>
+                  <dgm:presOf axis="des" ptType="node"/>
+                  <dgm:constrLst>
+                    <dgm:constr type="lMarg" refType="primFontSz" fact="0.3"/>
+                    <dgm:constr type="rMarg" refType="primFontSz" fact="0.3"/>
+                    <dgm:constr type="tMarg" refType="primFontSz" fact="0.3"/>
+                    <dgm:constr type="bMarg" refType="primFontSz" fact="0.3"/>
+                  </dgm:constrLst>
+                  <dgm:ruleLst>
+                    <dgm:rule type="primFontSz" val="5" fact="NaN" max="NaN"/>
+                  </dgm:ruleLst>
+                </dgm:layoutNode>
+              </dgm:if>
+              <dgm:else name="Name19"/>
+            </dgm:choose>
+          </dgm:if>
+          <dgm:else name="Name20">
+            <dgm:layoutNode name="ChildText" styleLbl="revTx">
+              <dgm:varLst>
+                <dgm:chMax val="0"/>
+                <dgm:chPref val="0"/>
+                <dgm:bulletEnabled val="1"/>
+              </dgm:varLst>
+              <dgm:alg type="tx">
+                <dgm:param type="stBulletLvl" val="1"/>
+                <dgm:param type="txAnchorVertCh" val="mid"/>
+                <dgm:param type="parTxLTRAlign" val="l"/>
+              </dgm:alg>
+              <dgm:shape xmlns:r="http://schemas.openxmlformats.org/officeDocument/2006/relationships" type="rect" r:blip="">
+                <dgm:adjLst/>
+              </dgm:shape>
+              <dgm:presOf axis="des" ptType="node"/>
+              <dgm:constrLst>
+                <dgm:constr type="lMarg" refType="primFontSz" fact="0.3"/>
+                <dgm:constr type="rMarg" refType="primFontSz" fact="0.3"/>
+                <dgm:constr type="tMarg" refType="primFontSz" fact="0.3"/>
+                <dgm:constr type="bMarg" refType="primFontSz" fact="0.3"/>
+              </dgm:constrLst>
+              <dgm:ruleLst>
+                <dgm:rule type="primFontSz" val="5" fact="NaN" max="NaN"/>
+              </dgm:ruleLst>
+            </dgm:layoutNode>
+          </dgm:else>
+        </dgm:choose>
+      </dgm:layoutNode>
+      <dgm:forEach name="sibTransForEach" axis="followSib" ptType="sibTrans" cnt="1">
+        <dgm:layoutNode name="sibTrans">
+          <dgm:alg type="sp"/>
+          <dgm:shape xmlns:r="http://schemas.openxmlformats.org/officeDocument/2006/relationships" r:blip="">
+            <dgm:adjLst/>
+          </dgm:shape>
+        </dgm:layoutNode>
+      </dgm:forEach>
+    </dgm:forEach>
+  </dgm:layoutNode>
+</dgm:layoutDef>
+</file>
+
+<file path=ppt/diagrams/quickStyle1.xml><?xml version="1.0" encoding="utf-8"?>
+<dgm:styleDef xmlns:dgm="http://schemas.openxmlformats.org/drawingml/2006/diagram" xmlns:a="http://schemas.openxmlformats.org/drawingml/2006/main" uniqueId="urn:microsoft.com/office/officeart/2005/8/quickstyle/simple1">
+  <dgm:title val=""/>
+  <dgm:desc val=""/>
+  <dgm:catLst>
+    <dgm:cat type="simple" pri="10100"/>
+  </dgm:catLst>
+  <dgm:scene3d>
+    <a:camera prst="orthographicFront"/>
+    <a:lightRig rig="threePt" dir="t"/>
+  </dgm:scene3d>
+  <dgm:styleLbl name="node0">
+    <dgm:scene3d>
+      <a:camera prst="orthographicFront"/>
+      <a:lightRig rig="threePt" dir="t"/>
+    </dgm:scene3d>
+    <dgm:sp3d/>
+    <dgm:txPr/>
+    <dgm:style>
+      <a:lnRef idx="2">
+        <a:scrgbClr r="0" g="0" b="0"/>
+      </a:lnRef>
+      <a:fillRef idx="1">
+        <a:scrgbClr r="0" g="0" b="0"/>
+      </a:fillRef>
+      <a:effectRef idx="0">
+        <a:scrgbClr r="0" g="0" b="0"/>
+      </a:effectRef>
+      <a:fontRef idx="minor">
+        <a:schemeClr val="lt1"/>
+      </a:fontRef>
+    </dgm:style>
+  </dgm:styleLbl>
+  <dgm:styleLbl name="lnNode1">
+    <dgm:scene3d>
+      <a:camera prst="orthographicFront"/>
+      <a:lightRig rig="threePt" dir="t"/>
+    </dgm:scene3d>
+    <dgm:sp3d/>
+    <dgm:txPr/>
+    <dgm:style>
+      <a:lnRef idx="2">
+        <a:scrgbClr r="0" g="0" b="0"/>
+      </a:lnRef>
+      <a:fillRef idx="1">
+        <a:scrgbClr r="0" g="0" b="0"/>
+      </a:fillRef>
+      <a:effectRef idx="0">
+        <a:scrgbClr r="0" g="0" b="0"/>
+      </a:effectRef>
+      <a:fontRef idx="minor">
+        <a:schemeClr val="lt1"/>
+      </a:fontRef>
+    </dgm:style>
+  </dgm:styleLbl>
+  <dgm:styleLbl name="vennNode1">
+    <dgm:scene3d>
+      <a:camera prst="orthographicFront"/>
+      <a:lightRig rig="threePt" dir="t"/>
+    </dgm:scene3d>
+    <dgm:sp3d/>
+    <dgm:txPr/>
+    <dgm:style>
+      <a:lnRef idx="2">
+        <a:scrgbClr r="0" g="0" b="0"/>
+      </a:lnRef>
+      <a:fillRef idx="1">
+        <a:scrgbClr r="0" g="0" b="0"/>
+      </a:fillRef>
+      <a:effectRef idx="0">
+        <a:scrgbClr r="0" g="0" b="0"/>
+      </a:effectRef>
+      <a:fontRef idx="minor">
+        <a:schemeClr val="tx1"/>
+      </a:fontRef>
+    </dgm:style>
+  </dgm:styleLbl>
+  <dgm:styleLbl name="alignNode1">
+    <dgm:scene3d>
+      <a:camera prst="orthographicFront"/>
+      <a:lightRig rig="threePt" dir="t"/>
+    </dgm:scene3d>
+    <dgm:sp3d/>
+    <dgm:txPr/>
+    <dgm:style>
+      <a:lnRef idx="2">
+        <a:scrgbClr r="0" g="0" b="0"/>
+      </a:lnRef>
+      <a:fillRef idx="1">
+        <a:scrgbClr r="0" g="0" b="0"/>
+      </a:fillRef>
+      <a:effectRef idx="0">
+        <a:scrgbClr r="0" g="0" b="0"/>
+      </a:effectRef>
+      <a:fontRef idx="minor">
+        <a:schemeClr val="lt1"/>
+      </a:fontRef>
+    </dgm:style>
+  </dgm:styleLbl>
+  <dgm:styleLbl name="node1">
+    <dgm:scene3d>
+      <a:camera prst="orthographicFront"/>
+      <a:lightRig rig="threePt" dir="t"/>
+    </dgm:scene3d>
+    <dgm:sp3d/>
+    <dgm:txPr/>
+    <dgm:style>
+      <a:lnRef idx="2">
+        <a:scrgbClr r="0" g="0" b="0"/>
+      </a:lnRef>
+      <a:fillRef idx="1">
+        <a:scrgbClr r="0" g="0" b="0"/>
+      </a:fillRef>
+      <a:effectRef idx="0">
+        <a:scrgbClr r="0" g="0" b="0"/>
+      </a:effectRef>
+      <a:fontRef idx="minor">
+        <a:schemeClr val="lt1"/>
+      </a:fontRef>
+    </dgm:style>
+  </dgm:styleLbl>
+  <dgm:styleLbl name="node2">
+    <dgm:scene3d>
+      <a:camera prst="orthographicFront"/>
+      <a:lightRig rig="threePt" dir="t"/>
+    </dgm:scene3d>
+    <dgm:sp3d/>
+    <dgm:txPr/>
+    <dgm:style>
+      <a:lnRef idx="2">
+        <a:scrgbClr r="0" g="0" b="0"/>
+      </a:lnRef>
+      <a:fillRef idx="1">
+        <a:scrgbClr r="0" g="0" b="0"/>
+      </a:fillRef>
+      <a:effectRef idx="0">
+        <a:scrgbClr r="0" g="0" b="0"/>
+      </a:effectRef>
+      <a:fontRef idx="minor">
+        <a:schemeClr val="lt1"/>
+      </a:fontRef>
+    </dgm:style>
+  </dgm:styleLbl>
+  <dgm:styleLbl name="node3">
+    <dgm:scene3d>
+      <a:camera prst="orthographicFront"/>
+      <a:lightRig rig="threePt" dir="t"/>
+    </dgm:scene3d>
+    <dgm:sp3d/>
+    <dgm:txPr/>
+    <dgm:style>
+      <a:lnRef idx="2">
+        <a:scrgbClr r="0" g="0" b="0"/>
+      </a:lnRef>
+      <a:fillRef idx="1">
+        <a:scrgbClr r="0" g="0" b="0"/>
+      </a:fillRef>
+      <a:effectRef idx="0">
+        <a:scrgbClr r="0" g="0" b="0"/>
+      </a:effectRef>
+      <a:fontRef idx="minor">
+        <a:schemeClr val="lt1"/>
+      </a:fontRef>
+    </dgm:style>
+  </dgm:styleLbl>
+  <dgm:styleLbl name="node4">
+    <dgm:scene3d>
+      <a:camera prst="orthographicFront"/>
+      <a:lightRig rig="threePt" dir="t"/>
+    </dgm:scene3d>
+    <dgm:sp3d/>
+    <dgm:txPr/>
+    <dgm:style>
+      <a:lnRef idx="2">
+        <a:scrgbClr r="0" g="0" b="0"/>
+      </a:lnRef>
+      <a:fillRef idx="1">
+        <a:scrgbClr r="0" g="0" b="0"/>
+      </a:fillRef>
+      <a:effectRef idx="0">
+        <a:scrgbClr r="0" g="0" b="0"/>
+      </a:effectRef>
+      <a:fontRef idx="minor">
+        <a:schemeClr val="lt1"/>
+      </a:fontRef>
+    </dgm:style>
+  </dgm:styleLbl>
+  <dgm:styleLbl name="fgImgPlace1">
+    <dgm:scene3d>
+      <a:camera prst="orthographicFront"/>
+      <a:lightRig rig="threePt" dir="t"/>
+    </dgm:scene3d>
+    <dgm:sp3d/>
+    <dgm:txPr/>
+    <dgm:style>
+      <a:lnRef idx="2">
+        <a:scrgbClr r="0" g="0" b="0"/>
+      </a:lnRef>
+      <a:fillRef idx="1">
+        <a:scrgbClr r="0" g="0" b="0"/>
+      </a:fillRef>
+      <a:effectRef idx="0">
+        <a:scrgbClr r="0" g="0" b="0"/>
+      </a:effectRef>
+      <a:fontRef idx="minor"/>
+    </dgm:style>
+  </dgm:styleLbl>
+  <dgm:styleLbl name="alignImgPlace1">
+    <dgm:scene3d>
+      <a:camera prst="orthographicFront"/>
+      <a:lightRig rig="threePt" dir="t"/>
+    </dgm:scene3d>
+    <dgm:sp3d/>
+    <dgm:txPr/>
+    <dgm:style>
+      <a:lnRef idx="2">
+        <a:scrgbClr r="0" g="0" b="0"/>
+      </a:lnRef>
+      <a:fillRef idx="1">
+        <a:scrgbClr r="0" g="0" b="0"/>
+      </a:fillRef>
+      <a:effectRef idx="0">
+        <a:scrgbClr r="0" g="0" b="0"/>
+      </a:effectRef>
+      <a:fontRef idx="minor"/>
+    </dgm:style>
+  </dgm:styleLbl>
+  <dgm:styleLbl name="bgImgPlace1">
+    <dgm:scene3d>
+      <a:camera prst="orthographicFront"/>
+      <a:lightRig rig="threePt" dir="t"/>
+    </dgm:scene3d>
+    <dgm:sp3d/>
+    <dgm:txPr/>
+    <dgm:style>
+      <a:lnRef idx="2">
+        <a:scrgbClr r="0" g="0" b="0"/>
+      </a:lnRef>
+      <a:fillRef idx="1">
+        <a:scrgbClr r="0" g="0" b="0"/>
+      </a:fillRef>
+      <a:effectRef idx="0">
+        <a:scrgbClr r="0" g="0" b="0"/>
+      </a:effectRef>
+      <a:fontRef idx="minor"/>
+    </dgm:style>
+  </dgm:styleLbl>
+  <dgm:styleLbl name="sibTrans2D1">
+    <dgm:scene3d>
+      <a:camera prst="orthographicFront"/>
+      <a:lightRig rig="threePt" dir="t"/>
+    </dgm:scene3d>
+    <dgm:sp3d/>
+    <dgm:txPr/>
+    <dgm:style>
+      <a:lnRef idx="0">
+        <a:scrgbClr r="0" g="0" b="0"/>
+      </a:lnRef>
+      <a:fillRef idx="1">
+        <a:scrgbClr r="0" g="0" b="0"/>
+      </a:fillRef>
+      <a:effectRef idx="0">
+        <a:scrgbClr r="0" g="0" b="0"/>
+      </a:effectRef>
+      <a:fontRef idx="minor">
+        <a:schemeClr val="lt1"/>
+      </a:fontRef>
+    </dgm:style>
+  </dgm:styleLbl>
+  <dgm:styleLbl name="fgSibTrans2D1">
+    <dgm:scene3d>
+      <a:camera prst="orthographicFront"/>
+      <a:lightRig rig="threePt" dir="t"/>
+    </dgm:scene3d>
+    <dgm:sp3d/>
+    <dgm:txPr/>
+    <dgm:style>
+      <a:lnRef idx="0">
+        <a:scrgbClr r="0" g="0" b="0"/>
+      </a:lnRef>
+      <a:fillRef idx="1">
+        <a:scrgbClr r="0" g="0" b="0"/>
+      </a:fillRef>
+      <a:effectRef idx="0">
+        <a:scrgbClr r="0" g="0" b="0"/>
+      </a:effectRef>
+      <a:fontRef idx="minor">
+        <a:schemeClr val="lt1"/>
+      </a:fontRef>
+    </dgm:style>
+  </dgm:styleLbl>
+  <dgm:styleLbl name="bgSibTrans2D1">
+    <dgm:scene3d>
+      <a:camera prst="orthographicFront"/>
+      <a:lightRig rig="threePt" dir="t"/>
+    </dgm:scene3d>
+    <dgm:sp3d/>
+    <dgm:txPr/>
+    <dgm:style>
+      <a:lnRef idx="0">
+        <a:scrgbClr r="0" g="0" b="0"/>
+      </a:lnRef>
+      <a:fillRef idx="1">
+        <a:scrgbClr r="0" g="0" b="0"/>
+      </a:fillRef>
+      <a:effectRef idx="0">
+        <a:scrgbClr r="0" g="0" b="0"/>
+      </a:effectRef>
+      <a:fontRef idx="minor">
+        <a:schemeClr val="lt1"/>
+      </a:fontRef>
+    </dgm:style>
+  </dgm:styleLbl>
+  <dgm:styleLbl name="sibTrans1D1">
+    <dgm:scene3d>
+      <a:camera prst="orthographicFront"/>
+      <a:lightRig rig="threePt" dir="t"/>
+    </dgm:scene3d>
+    <dgm:sp3d/>
+    <dgm:txPr/>
+    <dgm:style>
+      <a:lnRef idx="1">
+        <a:scrgbClr r="0" g="0" b="0"/>
+      </a:lnRef>
+      <a:fillRef idx="0">
+        <a:scrgbClr r="0" g="0" b="0"/>
+      </a:fillRef>
+      <a:effectRef idx="0">
+        <a:scrgbClr r="0" g="0" b="0"/>
+      </a:effectRef>
+      <a:fontRef idx="minor"/>
+    </dgm:style>
+  </dgm:styleLbl>
+  <dgm:styleLbl name="callout">
+    <dgm:scene3d>
+      <a:camera prst="orthographicFront"/>
+      <a:lightRig rig="threePt" dir="t"/>
+    </dgm:scene3d>
+    <dgm:sp3d/>
+    <dgm:txPr/>
+    <dgm:style>
+      <a:lnRef idx="2">
+        <a:scrgbClr r="0" g="0" b="0"/>
+      </a:lnRef>
+      <a:fillRef idx="1">
+        <a:scrgbClr r="0" g="0" b="0"/>
+      </a:fillRef>
+      <a:effectRef idx="0">
+        <a:scrgbClr r="0" g="0" b="0"/>
+      </a:effectRef>
+      <a:fontRef idx="minor"/>
+    </dgm:style>
+  </dgm:styleLbl>
+  <dgm:styleLbl name="asst0">
+    <dgm:scene3d>
+      <a:camera prst="orthographicFront"/>
+      <a:lightRig rig="threePt" dir="t"/>
+    </dgm:scene3d>
+    <dgm:sp3d/>
+    <dgm:txPr/>
+    <dgm:style>
+      <a:lnRef idx="2">
+        <a:scrgbClr r="0" g="0" b="0"/>
+      </a:lnRef>
+      <a:fillRef idx="1">
+        <a:scrgbClr r="0" g="0" b="0"/>
+      </a:fillRef>
+      <a:effectRef idx="0">
+        <a:scrgbClr r="0" g="0" b="0"/>
+      </a:effectRef>
+      <a:fontRef idx="minor">
+        <a:schemeClr val="lt1"/>
+      </a:fontRef>
+    </dgm:style>
+  </dgm:styleLbl>
+  <dgm:styleLbl name="asst1">
+    <dgm:scene3d>
+      <a:camera prst="orthographicFront"/>
+      <a:lightRig rig="threePt" dir="t"/>
+    </dgm:scene3d>
+    <dgm:sp3d/>
+    <dgm:txPr/>
+    <dgm:style>
+      <a:lnRef idx="2">
+        <a:scrgbClr r="0" g="0" b="0"/>
+      </a:lnRef>
+      <a:fillRef idx="1">
+        <a:scrgbClr r="0" g="0" b="0"/>
+      </a:fillRef>
+      <a:effectRef idx="0">
+        <a:scrgbClr r="0" g="0" b="0"/>
+      </a:effectRef>
+      <a:fontRef idx="minor">
+        <a:schemeClr val="lt1"/>
+      </a:fontRef>
+    </dgm:style>
+  </dgm:styleLbl>
+  <dgm:styleLbl name="asst2">
+    <dgm:scene3d>
+      <a:camera prst="orthographicFront"/>
+      <a:lightRig rig="threePt" dir="t"/>
+    </dgm:scene3d>
+    <dgm:sp3d/>
+    <dgm:txPr/>
+    <dgm:style>
+      <a:lnRef idx="2">
+        <a:scrgbClr r="0" g="0" b="0"/>
+      </a:lnRef>
+      <a:fillRef idx="1">
+        <a:scrgbClr r="0" g="0" b="0"/>
+      </a:fillRef>
+      <a:effectRef idx="0">
+        <a:scrgbClr r="0" g="0" b="0"/>
+      </a:effectRef>
+      <a:fontRef idx="minor">
+        <a:schemeClr val="lt1"/>
+      </a:fontRef>
+    </dgm:style>
+  </dgm:styleLbl>
+  <dgm:styleLbl name="asst3">
+    <dgm:scene3d>
+      <a:camera prst="orthographicFront"/>
+      <a:lightRig rig="threePt" dir="t"/>
+    </dgm:scene3d>
+    <dgm:sp3d/>
+    <dgm:txPr/>
+    <dgm:style>
+      <a:lnRef idx="2">
+        <a:scrgbClr r="0" g="0" b="0"/>
+      </a:lnRef>
+      <a:fillRef idx="1">
+        <a:scrgbClr r="0" g="0" b="0"/>
+      </a:fillRef>
+      <a:effectRef idx="0">
+        <a:scrgbClr r="0" g="0" b="0"/>
+      </a:effectRef>
+      <a:fontRef idx="minor">
+        <a:schemeClr val="lt1"/>
+      </a:fontRef>
+    </dgm:style>
+  </dgm:styleLbl>
+  <dgm:styleLbl name="asst4">
+    <dgm:scene3d>
+      <a:camera prst="orthographicFront"/>
+      <a:lightRig rig="threePt" dir="t"/>
+    </dgm:scene3d>
+    <dgm:sp3d/>
+    <dgm:txPr/>
+    <dgm:style>
+      <a:lnRef idx="2">
+        <a:scrgbClr r="0" g="0" b="0"/>
+      </a:lnRef>
+      <a:fillRef idx="1">
+        <a:scrgbClr r="0" g="0" b="0"/>
+      </a:fillRef>
+      <a:effectRef idx="0">
+        <a:scrgbClr r="0" g="0" b="0"/>
+      </a:effectRef>
+      <a:fontRef idx="minor">
+        <a:schemeClr val="lt1"/>
+      </a:fontRef>
+    </dgm:style>
+  </dgm:styleLbl>
+  <dgm:styleLbl name="parChTrans2D1">
+    <dgm:scene3d>
+      <a:camera prst="orthographicFront"/>
+      <a:lightRig rig="threePt" dir="t"/>
+    </dgm:scene3d>
+    <dgm:sp3d/>
+    <dgm:txPr/>
+    <dgm:style>
+      <a:lnRef idx="2">
+        <a:scrgbClr r="0" g="0" b="0"/>
+      </a:lnRef>
+      <a:fillRef idx="1">
+        <a:scrgbClr r="0" g="0" b="0"/>
+      </a:fillRef>
+      <a:effectRef idx="0">
+        <a:scrgbClr r="0" g="0" b="0"/>
+      </a:effectRef>
+      <a:fontRef idx="minor">
+        <a:schemeClr val="lt1"/>
+      </a:fontRef>
+    </dgm:style>
+  </dgm:styleLbl>
+  <dgm:styleLbl name="parChTrans2D2">
+    <dgm:scene3d>
+      <a:camera prst="orthographicFront"/>
+      <a:lightRig rig="threePt" dir="t"/>
+    </dgm:scene3d>
+    <dgm:sp3d/>
+    <dgm:txPr/>
+    <dgm:style>
+      <a:lnRef idx="2">
+        <a:scrgbClr r="0" g="0" b="0"/>
+      </a:lnRef>
+      <a:fillRef idx="1">
+        <a:scrgbClr r="0" g="0" b="0"/>
+      </a:fillRef>
+      <a:effectRef idx="0">
+        <a:scrgbClr r="0" g="0" b="0"/>
+      </a:effectRef>
+      <a:fontRef idx="minor">
+        <a:schemeClr val="lt1"/>
+      </a:fontRef>
+    </dgm:style>
+  </dgm:styleLbl>
+  <dgm:styleLbl name="parChTrans2D3">
+    <dgm:scene3d>
+      <a:camera prst="orthographicFront"/>
+      <a:lightRig rig="threePt" dir="t"/>
+    </dgm:scene3d>
+    <dgm:sp3d/>
+    <dgm:txPr/>
+    <dgm:style>
+      <a:lnRef idx="2">
+        <a:scrgbClr r="0" g="0" b="0"/>
+      </a:lnRef>
+      <a:fillRef idx="1">
+        <a:scrgbClr r="0" g="0" b="0"/>
+      </a:fillRef>
+      <a:effectRef idx="0">
+        <a:scrgbClr r="0" g="0" b="0"/>
+      </a:effectRef>
+      <a:fontRef idx="minor">
+        <a:schemeClr val="lt1"/>
+      </a:fontRef>
+    </dgm:style>
+  </dgm:styleLbl>
+  <dgm:styleLbl name="parChTrans2D4">
+    <dgm:scene3d>
+      <a:camera prst="orthographicFront"/>
+      <a:lightRig rig="threePt" dir="t"/>
+    </dgm:scene3d>
+    <dgm:sp3d/>
+    <dgm:txPr/>
+    <dgm:style>
+      <a:lnRef idx="2">
+        <a:scrgbClr r="0" g="0" b="0"/>
+      </a:lnRef>
+      <a:fillRef idx="1">
+        <a:scrgbClr r="0" g="0" b="0"/>
+      </a:fillRef>
+      <a:effectRef idx="0">
+        <a:scrgbClr r="0" g="0" b="0"/>
+      </a:effectRef>
+      <a:fontRef idx="minor">
+        <a:schemeClr val="lt1"/>
+      </a:fontRef>
+    </dgm:style>
+  </dgm:styleLbl>
+  <dgm:styleLbl name="parChTrans1D1">
+    <dgm:scene3d>
+      <a:camera prst="orthographicFront"/>
+      <a:lightRig rig="threePt" dir="t"/>
+    </dgm:scene3d>
+    <dgm:sp3d/>
+    <dgm:txPr/>
+    <dgm:style>
+      <a:lnRef idx="2">
+        <a:scrgbClr r="0" g="0" b="0"/>
+      </a:lnRef>
+      <a:fillRef idx="0">
+        <a:scrgbClr r="0" g="0" b="0"/>
+      </a:fillRef>
+      <a:effectRef idx="0">
+        <a:scrgbClr r="0" g="0" b="0"/>
+      </a:effectRef>
+      <a:fontRef idx="minor"/>
+    </dgm:style>
+  </dgm:styleLbl>
+  <dgm:styleLbl name="parChTrans1D2">
+    <dgm:scene3d>
+      <a:camera prst="orthographicFront"/>
+      <a:lightRig rig="threePt" dir="t"/>
+    </dgm:scene3d>
+    <dgm:sp3d/>
+    <dgm:txPr/>
+    <dgm:style>
+      <a:lnRef idx="2">
+        <a:scrgbClr r="0" g="0" b="0"/>
+      </a:lnRef>
+      <a:fillRef idx="0">
+        <a:scrgbClr r="0" g="0" b="0"/>
+      </a:fillRef>
+      <a:effectRef idx="0">
+        <a:scrgbClr r="0" g="0" b="0"/>
+      </a:effectRef>
+      <a:fontRef idx="minor"/>
+    </dgm:style>
+  </dgm:styleLbl>
+  <dgm:styleLbl name="parChTrans1D3">
+    <dgm:scene3d>
+      <a:camera prst="orthographicFront"/>
+      <a:lightRig rig="threePt" dir="t"/>
+    </dgm:scene3d>
+    <dgm:sp3d/>
+    <dgm:txPr/>
+    <dgm:style>
+      <a:lnRef idx="2">
+        <a:scrgbClr r="0" g="0" b="0"/>
+      </a:lnRef>
+      <a:fillRef idx="0">
+        <a:scrgbClr r="0" g="0" b="0"/>
+      </a:fillRef>
+      <a:effectRef idx="0">
+        <a:scrgbClr r="0" g="0" b="0"/>
+      </a:effectRef>
+      <a:fontRef idx="minor"/>
+    </dgm:style>
+  </dgm:styleLbl>
+  <dgm:styleLbl name="parChTrans1D4">
+    <dgm:scene3d>
+      <a:camera prst="orthographicFront"/>
+      <a:lightRig rig="threePt" dir="t"/>
+    </dgm:scene3d>
+    <dgm:sp3d/>
+    <dgm:txPr/>
+    <dgm:style>
+      <a:lnRef idx="2">
+        <a:scrgbClr r="0" g="0" b="0"/>
+      </a:lnRef>
+      <a:fillRef idx="0">
+        <a:scrgbClr r="0" g="0" b="0"/>
+      </a:fillRef>
+      <a:effectRef idx="0">
+        <a:scrgbClr r="0" g="0" b="0"/>
+      </a:effectRef>
+      <a:fontRef idx="minor"/>
+    </dgm:style>
+  </dgm:styleLbl>
+  <dgm:styleLbl name="fgAcc1">
+    <dgm:scene3d>
+      <a:camera prst="orthographicFront"/>
+      <a:lightRig rig="threePt" dir="t"/>
+    </dgm:scene3d>
+    <dgm:sp3d/>
+    <dgm:txPr/>
+    <dgm:style>
+      <a:lnRef idx="2">
+        <a:scrgbClr r="0" g="0" b="0"/>
+      </a:lnRef>
+      <a:fillRef idx="1">
+        <a:scrgbClr r="0" g="0" b="0"/>
+      </a:fillRef>
+      <a:effectRef idx="0">
+        <a:scrgbClr r="0" g="0" b="0"/>
+      </a:effectRef>
+      <a:fontRef idx="minor"/>
+    </dgm:style>
+  </dgm:styleLbl>
+  <dgm:styleLbl name="conFgAcc1">
+    <dgm:scene3d>
+      <a:camera prst="orthographicFront"/>
+      <a:lightRig rig="threePt" dir="t"/>
+    </dgm:scene3d>
+    <dgm:sp3d/>
+    <dgm:txPr/>
+    <dgm:style>
+      <a:lnRef idx="2">
+        <a:scrgbClr r="0" g="0" b="0"/>
+      </a:lnRef>
+      <a:fillRef idx="1">
+        <a:scrgbClr r="0" g="0" b="0"/>
+      </a:fillRef>
+      <a:effectRef idx="0">
+        <a:scrgbClr r="0" g="0" b="0"/>
+      </a:effectRef>
+      <a:fontRef idx="minor"/>
+    </dgm:style>
+  </dgm:styleLbl>
+  <dgm:styleLbl name="alignAcc1">
+    <dgm:scene3d>
+      <a:camera prst="orthographicFront"/>
+      <a:lightRig rig="threePt" dir="t"/>
+    </dgm:scene3d>
+    <dgm:sp3d/>
+    <dgm:txPr/>
+    <dgm:style>
+      <a:lnRef idx="2">
+        <a:scrgbClr r="0" g="0" b="0"/>
+      </a:lnRef>
+      <a:fillRef idx="1">
+        <a:scrgbClr r="0" g="0" b="0"/>
+      </a:fillRef>
+      <a:effectRef idx="0">
+        <a:scrgbClr r="0" g="0" b="0"/>
+      </a:effectRef>
+      <a:fontRef idx="minor"/>
+    </dgm:style>
+  </dgm:styleLbl>
+  <dgm:styleLbl name="trAlignAcc1">
+    <dgm:scene3d>
+      <a:camera prst="orthographicFront"/>
+      <a:lightRig rig="threePt" dir="t"/>
+    </dgm:scene3d>
+    <dgm:sp3d/>
+    <dgm:txPr/>
+    <dgm:style>
+      <a:lnRef idx="1">
+        <a:scrgbClr r="0" g="0" b="0"/>
+      </a:lnRef>
+      <a:fillRef idx="1">
+        <a:scrgbClr r="0" g="0" b="0"/>
+      </a:fillRef>
+      <a:effectRef idx="0">
+        <a:scrgbClr r="0" g="0" b="0"/>
+      </a:effectRef>
+      <a:fontRef idx="minor"/>
+    </dgm:style>
+  </dgm:styleLbl>
+  <dgm:styleLbl name="bgAcc1">
+    <dgm:scene3d>
+      <a:camera prst="orthographicFront"/>
+      <a:lightRig rig="threePt" dir="t"/>
+    </dgm:scene3d>
+    <dgm:sp3d/>
+    <dgm:txPr/>
+    <dgm:style>
+      <a:lnRef idx="2">
+        <a:scrgbClr r="0" g="0" b="0"/>
+      </a:lnRef>
+      <a:fillRef idx="1">
+        <a:scrgbClr r="0" g="0" b="0"/>
+      </a:fillRef>
+      <a:effectRef idx="0">
+        <a:scrgbClr r="0" g="0" b="0"/>
+      </a:effectRef>
+      <a:fontRef idx="minor"/>
+    </dgm:style>
+  </dgm:styleLbl>
+  <dgm:styleLbl name="solidFgAcc1">
+    <dgm:scene3d>
+      <a:camera prst="orthographicFront"/>
+      <a:lightRig rig="threePt" dir="t"/>
+    </dgm:scene3d>
+    <dgm:sp3d/>
+    <dgm:txPr/>
+    <dgm:style>
+      <a:lnRef idx="2">
+        <a:scrgbClr r="0" g="0" b="0"/>
+      </a:lnRef>
+      <a:fillRef idx="1">
+        <a:scrgbClr r="0" g="0" b="0"/>
+      </a:fillRef>
+      <a:effectRef idx="0">
+        <a:scrgbClr r="0" g="0" b="0"/>
+      </a:effectRef>
+      <a:fontRef idx="minor"/>
+    </dgm:style>
+  </dgm:styleLbl>
+  <dgm:styleLbl name="solidAlignAcc1">
+    <dgm:scene3d>
+      <a:camera prst="orthographicFront"/>
+      <a:lightRig rig="threePt" dir="t"/>
+    </dgm:scene3d>
+    <dgm:sp3d/>
+    <dgm:txPr/>
+    <dgm:style>
+      <a:lnRef idx="2">
+        <a:scrgbClr r="0" g="0" b="0"/>
+      </a:lnRef>
+      <a:fillRef idx="1">
+        <a:scrgbClr r="0" g="0" b="0"/>
+      </a:fillRef>
+      <a:effectRef idx="0">
+        <a:scrgbClr r="0" g="0" b="0"/>
+      </a:effectRef>
+      <a:fontRef idx="minor"/>
+    </dgm:style>
+  </dgm:styleLbl>
+  <dgm:styleLbl name="solidBgAcc1">
+    <dgm:scene3d>
+      <a:camera prst="orthographicFront"/>
+      <a:lightRig rig="threePt" dir="t"/>
+    </dgm:scene3d>
+    <dgm:sp3d/>
+    <dgm:txPr/>
+    <dgm:style>
+      <a:lnRef idx="2">
+        <a:scrgbClr r="0" g="0" b="0"/>
+      </a:lnRef>
+      <a:fillRef idx="1">
+        <a:scrgbClr r="0" g="0" b="0"/>
+      </a:fillRef>
+      <a:effectRef idx="0">
+        <a:scrgbClr r="0" g="0" b="0"/>
+      </a:effectRef>
+      <a:fontRef idx="minor"/>
+    </dgm:style>
+  </dgm:styleLbl>
+  <dgm:styleLbl name="fgAccFollowNode1">
+    <dgm:scene3d>
+      <a:camera prst="orthographicFront"/>
+      <a:lightRig rig="threePt" dir="t"/>
+    </dgm:scene3d>
+    <dgm:sp3d/>
+    <dgm:txPr/>
+    <dgm:style>
+      <a:lnRef idx="2">
+        <a:scrgbClr r="0" g="0" b="0"/>
+      </a:lnRef>
+      <a:fillRef idx="1">
+        <a:scrgbClr r="0" g="0" b="0"/>
+      </a:fillRef>
+      <a:effectRef idx="0">
+        <a:scrgbClr r="0" g="0" b="0"/>
+      </a:effectRef>
+      <a:fontRef idx="minor"/>
+    </dgm:style>
+  </dgm:styleLbl>
+  <dgm:styleLbl name="alignAccFollowNode1">
+    <dgm:scene3d>
+      <a:camera prst="orthographicFront"/>
+      <a:lightRig rig="threePt" dir="t"/>
+    </dgm:scene3d>
+    <dgm:sp3d/>
+    <dgm:txPr/>
+    <dgm:style>
+      <a:lnRef idx="2">
+        <a:scrgbClr r="0" g="0" b="0"/>
+      </a:lnRef>
+      <a:fillRef idx="1">
+        <a:scrgbClr r="0" g="0" b="0"/>
+      </a:fillRef>
+      <a:effectRef idx="0">
+        <a:scrgbClr r="0" g="0" b="0"/>
+      </a:effectRef>
+      <a:fontRef idx="minor"/>
+    </dgm:style>
+  </dgm:styleLbl>
+  <dgm:styleLbl name="bgAccFollowNode1">
+    <dgm:scene3d>
+      <a:camera prst="orthographicFront"/>
+      <a:lightRig rig="threePt" dir="t"/>
+    </dgm:scene3d>
+    <dgm:sp3d/>
+    <dgm:txPr/>
+    <dgm:style>
+      <a:lnRef idx="2">
+        <a:scrgbClr r="0" g="0" b="0"/>
+      </a:lnRef>
+      <a:fillRef idx="1">
+        <a:scrgbClr r="0" g="0" b="0"/>
+      </a:fillRef>
+      <a:effectRef idx="0">
+        <a:scrgbClr r="0" g="0" b="0"/>
+      </a:effectRef>
+      <a:fontRef idx="minor"/>
+    </dgm:style>
+  </dgm:styleLbl>
+  <dgm:styleLbl name="fgAcc0">
+    <dgm:scene3d>
+      <a:camera prst="orthographicFront"/>
+      <a:lightRig rig="threePt" dir="t"/>
+    </dgm:scene3d>
+    <dgm:sp3d/>
+    <dgm:txPr/>
+    <dgm:style>
+      <a:lnRef idx="2">
+        <a:scrgbClr r="0" g="0" b="0"/>
+      </a:lnRef>
+      <a:fillRef idx="1">
+        <a:scrgbClr r="0" g="0" b="0"/>
+      </a:fillRef>
+      <a:effectRef idx="0">
+        <a:scrgbClr r="0" g="0" b="0"/>
+      </a:effectRef>
+      <a:fontRef idx="minor"/>
+    </dgm:style>
+  </dgm:styleLbl>
+  <dgm:styleLbl name="fgAcc2">
+    <dgm:scene3d>
+      <a:camera prst="orthographicFront"/>
+      <a:lightRig rig="threePt" dir="t"/>
+    </dgm:scene3d>
+    <dgm:sp3d/>
+    <dgm:txPr/>
+    <dgm:style>
+      <a:lnRef idx="2">
+        <a:scrgbClr r="0" g="0" b="0"/>
+      </a:lnRef>
+      <a:fillRef idx="1">
+        <a:scrgbClr r="0" g="0" b="0"/>
+      </a:fillRef>
+      <a:effectRef idx="0">
+        <a:scrgbClr r="0" g="0" b="0"/>
+      </a:effectRef>
+      <a:fontRef idx="minor"/>
+    </dgm:style>
+  </dgm:styleLbl>
+  <dgm:styleLbl name="fgAcc3">
+    <dgm:scene3d>
+      <a:camera prst="orthographicFront"/>
+      <a:lightRig rig="threePt" dir="t"/>
+    </dgm:scene3d>
+    <dgm:sp3d/>
+    <dgm:txPr/>
+    <dgm:style>
+      <a:lnRef idx="2">
+        <a:scrgbClr r="0" g="0" b="0"/>
+      </a:lnRef>
+      <a:fillRef idx="1">
+        <a:scrgbClr r="0" g="0" b="0"/>
+      </a:fillRef>
+      <a:effectRef idx="0">
+        <a:scrgbClr r="0" g="0" b="0"/>
+      </a:effectRef>
+      <a:fontRef idx="minor"/>
+    </dgm:style>
+  </dgm:styleLbl>
+  <dgm:styleLbl name="fgAcc4">
+    <dgm:scene3d>
+      <a:camera prst="orthographicFront"/>
+      <a:lightRig rig="threePt" dir="t"/>
+    </dgm:scene3d>
+    <dgm:sp3d/>
+    <dgm:txPr/>
+    <dgm:style>
+      <a:lnRef idx="2">
+        <a:scrgbClr r="0" g="0" b="0"/>
+      </a:lnRef>
+      <a:fillRef idx="1">
+        <a:scrgbClr r="0" g="0" b="0"/>
+      </a:fillRef>
+      <a:effectRef idx="0">
+        <a:scrgbClr r="0" g="0" b="0"/>
+      </a:effectRef>
+      <a:fontRef idx="minor"/>
+    </dgm:style>
+  </dgm:styleLbl>
+  <dgm:styleLbl name="bgShp">
+    <dgm:scene3d>
+      <a:camera prst="orthographicFront"/>
+      <a:lightRig rig="threePt" dir="t"/>
+    </dgm:scene3d>
+    <dgm:sp3d/>
+    <dgm:txPr/>
+    <dgm:style>
+      <a:lnRef idx="0">
+        <a:scrgbClr r="0" g="0" b="0"/>
+      </a:lnRef>
+      <a:fillRef idx="1">
+        <a:scrgbClr r="0" g="0" b="0"/>
+      </a:fillRef>
+      <a:effectRef idx="0">
+        <a:scrgbClr r="0" g="0" b="0"/>
+      </a:effectRef>
+      <a:fontRef idx="minor"/>
+    </dgm:style>
+  </dgm:styleLbl>
+  <dgm:styleLbl name="dkBgShp">
+    <dgm:scene3d>
+      <a:camera prst="orthographicFront"/>
+      <a:lightRig rig="threePt" dir="t"/>
+    </dgm:scene3d>
+    <dgm:sp3d/>
+    <dgm:txPr/>
+    <dgm:style>
+      <a:lnRef idx="0">
+        <a:scrgbClr r="0" g="0" b="0"/>
+      </a:lnRef>
+      <a:fillRef idx="1">
+        <a:scrgbClr r="0" g="0" b="0"/>
+      </a:fillRef>
+      <a:effectRef idx="0">
+        <a:scrgbClr r="0" g="0" b="0"/>
+      </a:effectRef>
+      <a:fontRef idx="minor"/>
+    </dgm:style>
+  </dgm:styleLbl>
+  <dgm:styleLbl name="trBgShp">
+    <dgm:scene3d>
+      <a:camera prst="orthographicFront"/>
+      <a:lightRig rig="threePt" dir="t"/>
+    </dgm:scene3d>
+    <dgm:sp3d/>
+    <dgm:txPr/>
+    <dgm:style>
+      <a:lnRef idx="0">
+        <a:scrgbClr r="0" g="0" b="0"/>
+      </a:lnRef>
+      <a:fillRef idx="1">
+        <a:scrgbClr r="0" g="0" b="0"/>
+      </a:fillRef>
+      <a:effectRef idx="0">
+        <a:scrgbClr r="0" g="0" b="0"/>
+      </a:effectRef>
+      <a:fontRef idx="minor"/>
+    </dgm:style>
+  </dgm:styleLbl>
+  <dgm:styleLbl name="fgShp">
+    <dgm:scene3d>
+      <a:camera prst="orthographicFront"/>
+      <a:lightRig rig="threePt" dir="t"/>
+    </dgm:scene3d>
+    <dgm:sp3d/>
+    <dgm:txPr/>
+    <dgm:style>
+      <a:lnRef idx="2">
+        <a:scrgbClr r="0" g="0" b="0"/>
+      </a:lnRef>
+      <a:fillRef idx="1">
+        <a:scrgbClr r="0" g="0" b="0"/>
+      </a:fillRef>
+      <a:effectRef idx="0">
+        <a:scrgbClr r="0" g="0" b="0"/>
+      </a:effectRef>
+      <a:fontRef idx="minor"/>
+    </dgm:style>
+  </dgm:styleLbl>
+  <dgm:styleLbl name="revTx">
+    <dgm:scene3d>
+      <a:camera prst="orthographicFront"/>
+      <a:lightRig rig="threePt" dir="t"/>
+    </dgm:scene3d>
+    <dgm:sp3d/>
+    <dgm:txPr/>
+    <dgm:style>
+      <a:lnRef idx="0">
+        <a:scrgbClr r="0" g="0" b="0"/>
+      </a:lnRef>
+      <a:fillRef idx="0">
+        <a:scrgbClr r="0" g="0" b="0"/>
+      </a:fillRef>
+      <a:effectRef idx="0">
+        <a:scrgbClr r="0" g="0" b="0"/>
+      </a:effectRef>
+      <a:fontRef idx="minor"/>
+    </dgm:style>
+  </dgm:styleLbl>
+</dgm:styleDef>
 </file>
 
 <file path=ppt/slideLayouts/slideLayout1.xml><?xml version="1.0" encoding="utf-8"?>
@@ -6155,7 +9391,7 @@
         </p:nvSpPr>
         <p:spPr>
           <a:xfrm>
-            <a:off x="1182913" y="1411519"/>
+            <a:off x="1182913" y="1087506"/>
             <a:ext cx="10399486" cy="838196"/>
           </a:xfrm>
         </p:spPr>
@@ -6224,7 +9460,7 @@
         </p:nvSpPr>
         <p:spPr>
           <a:xfrm>
-            <a:off x="5388426" y="3343226"/>
+            <a:off x="5376634" y="3020020"/>
             <a:ext cx="3918857" cy="461665"/>
           </a:xfrm>
           <a:prstGeom prst="rect">
@@ -6261,8 +9497,8 @@
         </p:nvSpPr>
         <p:spPr>
           <a:xfrm>
-            <a:off x="5555341" y="4027957"/>
-            <a:ext cx="3759200" cy="1323439"/>
+            <a:off x="5747657" y="3481685"/>
+            <a:ext cx="3759200" cy="1883657"/>
           </a:xfrm>
           <a:prstGeom prst="rect">
             <a:avLst/>
@@ -6276,6 +9512,9 @@
           <a:lstStyle/>
           <a:p>
             <a:pPr marL="285750" indent="-285750" algn="just">
+              <a:lnSpc>
+                <a:spcPct val="150000"/>
+              </a:lnSpc>
               <a:buFont typeface="Arial" panose="020B0604020202020204" pitchFamily="34" charset="0"/>
               <a:buChar char="•"/>
             </a:pPr>
@@ -6289,6 +9528,9 @@
           </a:p>
           <a:p>
             <a:pPr marL="285750" indent="-285750" algn="just">
+              <a:lnSpc>
+                <a:spcPct val="150000"/>
+              </a:lnSpc>
               <a:buFont typeface="Arial" panose="020B0604020202020204" pitchFamily="34" charset="0"/>
               <a:buChar char="•"/>
             </a:pPr>
@@ -6302,6 +9544,9 @@
           </a:p>
           <a:p>
             <a:pPr marL="285750" indent="-285750" algn="just">
+              <a:lnSpc>
+                <a:spcPct val="150000"/>
+              </a:lnSpc>
               <a:buFont typeface="Arial" panose="020B0604020202020204" pitchFamily="34" charset="0"/>
               <a:buChar char="•"/>
             </a:pPr>
@@ -6315,6 +9560,9 @@
           </a:p>
           <a:p>
             <a:pPr marL="285750" indent="-285750" algn="just">
+              <a:lnSpc>
+                <a:spcPct val="150000"/>
+              </a:lnSpc>
               <a:buFont typeface="Arial" panose="020B0604020202020204" pitchFamily="34" charset="0"/>
               <a:buChar char="•"/>
             </a:pPr>
@@ -6380,7 +9628,7 @@
         </p:nvSpPr>
         <p:spPr>
           <a:xfrm>
-            <a:off x="2997198" y="2560758"/>
+            <a:off x="2932792" y="2148768"/>
             <a:ext cx="3918857" cy="461665"/>
           </a:xfrm>
           <a:prstGeom prst="rect">
@@ -6702,7 +9950,7 @@
         <p:spPr>
           <a:xfrm>
             <a:off x="1895475" y="1428750"/>
-            <a:ext cx="8401050" cy="1077218"/>
+            <a:ext cx="8401050" cy="954107"/>
           </a:xfrm>
           <a:prstGeom prst="rect">
             <a:avLst/>
@@ -6720,7 +9968,7 @@
               <a:buChar char="•"/>
             </a:pPr>
             <a:r>
-              <a:rPr lang="en-US" sz="3200" dirty="0"/>
+              <a:rPr lang="en-US" sz="2800" dirty="0"/>
               <a:t>Beginner Level C program</a:t>
             </a:r>
           </a:p>
@@ -6729,7 +9977,7 @@
               <a:buFont typeface="Arial" panose="020B0604020202020204" pitchFamily="34" charset="0"/>
               <a:buChar char="•"/>
             </a:pPr>
-            <a:endParaRPr lang="en-US" sz="3200" dirty="0"/>
+            <a:endParaRPr lang="en-US" sz="2800" dirty="0"/>
           </a:p>
         </p:txBody>
       </p:sp>
@@ -6781,7 +10029,7 @@
         </p:nvSpPr>
         <p:spPr>
           <a:xfrm>
-            <a:off x="1484310" y="781050"/>
+            <a:off x="990825" y="155975"/>
             <a:ext cx="6588124" cy="1219199"/>
           </a:xfrm>
         </p:spPr>
@@ -6800,28 +10048,69 @@
           </a:p>
         </p:txBody>
       </p:sp>
-      <p:sp>
-        <p:nvSpPr>
-          <p:cNvPr id="3" name="Content Placeholder 2">
+      <p:graphicFrame>
+        <p:nvGraphicFramePr>
+          <p:cNvPr id="12" name="Diagram 11">
             <a:extLst>
               <a:ext uri="{FF2B5EF4-FFF2-40B4-BE49-F238E27FC236}">
-                <a16:creationId xmlns:a16="http://schemas.microsoft.com/office/drawing/2014/main" id="{72B67146-79B5-D01C-5A11-BB73FDDA717D}"/>
+                <a16:creationId xmlns:a16="http://schemas.microsoft.com/office/drawing/2014/main" id="{983A0574-BFEC-68A2-988D-CFDD372042C4}"/>
               </a:ext>
             </a:extLst>
           </p:cNvPr>
-          <p:cNvSpPr>
-            <a:spLocks noGrp="1"/>
-          </p:cNvSpPr>
+          <p:cNvGraphicFramePr/>
           <p:nvPr>
-            <p:ph idx="1"/>
+            <p:extLst>
+              <p:ext uri="{D42A27DB-BD31-4B8C-83A1-F6EECF244321}">
+                <p14:modId xmlns:p14="http://schemas.microsoft.com/office/powerpoint/2010/main" val="753247797"/>
+              </p:ext>
+            </p:extLst>
           </p:nvPr>
-        </p:nvSpPr>
-        <p:spPr/>
-        <p:txBody>
-          <a:bodyPr/>
+        </p:nvGraphicFramePr>
+        <p:xfrm>
+          <a:off x="118268" y="1894113"/>
+          <a:ext cx="11955463" cy="4506687"/>
+        </p:xfrm>
+        <a:graphic>
+          <a:graphicData uri="http://schemas.openxmlformats.org/drawingml/2006/diagram">
+            <dgm:relIds xmlns:dgm="http://schemas.openxmlformats.org/drawingml/2006/diagram" xmlns:r="http://schemas.openxmlformats.org/officeDocument/2006/relationships" r:dm="rId2" r:lo="rId3" r:qs="rId4" r:cs="rId5"/>
+          </a:graphicData>
+        </a:graphic>
+      </p:graphicFrame>
+      <p:sp>
+        <p:nvSpPr>
+          <p:cNvPr id="11" name="TextBox 10">
+            <a:extLst>
+              <a:ext uri="{FF2B5EF4-FFF2-40B4-BE49-F238E27FC236}">
+                <a16:creationId xmlns:a16="http://schemas.microsoft.com/office/drawing/2014/main" id="{1B2EA441-B3F0-0573-470E-7FD0F7FEA6A8}"/>
+              </a:ext>
+            </a:extLst>
+          </p:cNvPr>
+          <p:cNvSpPr txBox="1"/>
+          <p:nvPr/>
+        </p:nvSpPr>
+        <p:spPr>
+          <a:xfrm>
+            <a:off x="2162627" y="1157590"/>
+            <a:ext cx="3933372" cy="954107"/>
+          </a:xfrm>
+          <a:prstGeom prst="rect">
+            <a:avLst/>
+          </a:prstGeom>
+          <a:noFill/>
+        </p:spPr>
+        <p:txBody>
+          <a:bodyPr wrap="square" rtlCol="0">
+            <a:spAutoFit/>
+          </a:bodyPr>
           <a:lstStyle/>
           <a:p>
-            <a:endParaRPr lang="en-US"/>
+            <a:r>
+              <a:rPr lang="en-US" sz="2800" dirty="0"/>
+              <a:t>Waterfall model used:</a:t>
+            </a:r>
+          </a:p>
+          <a:p>
+            <a:endParaRPr lang="en-US" sz="2800" dirty="0"/>
           </a:p>
         </p:txBody>
       </p:sp>
@@ -6871,9 +10160,16 @@
             <p:ph type="title"/>
           </p:nvPr>
         </p:nvSpPr>
-        <p:spPr/>
-        <p:txBody>
-          <a:bodyPr/>
+        <p:spPr>
+          <a:xfrm>
+            <a:off x="1611084" y="751344"/>
+            <a:ext cx="5069111" cy="740228"/>
+          </a:xfrm>
+        </p:spPr>
+        <p:txBody>
+          <a:bodyPr>
+            <a:normAutofit fontScale="90000"/>
+          </a:bodyPr>
           <a:lstStyle/>
           <a:p>
             <a:r>
@@ -6889,26 +10185,157 @@
       </p:sp>
       <p:sp>
         <p:nvSpPr>
-          <p:cNvPr id="3" name="Content Placeholder 2">
+          <p:cNvPr id="8" name="TextBox 7">
             <a:extLst>
               <a:ext uri="{FF2B5EF4-FFF2-40B4-BE49-F238E27FC236}">
-                <a16:creationId xmlns:a16="http://schemas.microsoft.com/office/drawing/2014/main" id="{0B306CA8-069D-CA00-0C57-F9378751D97F}"/>
+                <a16:creationId xmlns:a16="http://schemas.microsoft.com/office/drawing/2014/main" id="{2AFCA028-1D91-9CC6-78BB-2F4B2FA31631}"/>
               </a:ext>
             </a:extLst>
           </p:cNvPr>
-          <p:cNvSpPr>
-            <a:spLocks noGrp="1"/>
-          </p:cNvSpPr>
-          <p:nvPr>
-            <p:ph idx="1"/>
-          </p:nvPr>
-        </p:nvSpPr>
-        <p:spPr/>
-        <p:txBody>
-          <a:bodyPr/>
+          <p:cNvSpPr txBox="1"/>
+          <p:nvPr/>
+        </p:nvSpPr>
+        <p:spPr>
+          <a:xfrm>
+            <a:off x="1895475" y="1767788"/>
+            <a:ext cx="8401050" cy="1384995"/>
+          </a:xfrm>
+          <a:prstGeom prst="rect">
+            <a:avLst/>
+          </a:prstGeom>
+          <a:noFill/>
+        </p:spPr>
+        <p:txBody>
+          <a:bodyPr wrap="square" rtlCol="0">
+            <a:spAutoFit/>
+          </a:bodyPr>
           <a:lstStyle/>
           <a:p>
-            <a:endParaRPr lang="en-US"/>
+            <a:pPr marL="457200" indent="-457200">
+              <a:buFont typeface="Arial" panose="020B0604020202020204" pitchFamily="34" charset="0"/>
+              <a:buChar char="•"/>
+            </a:pPr>
+            <a:r>
+              <a:rPr lang="en-US" sz="2800" dirty="0"/>
+              <a:t>Created Customer module with different features:</a:t>
+            </a:r>
+          </a:p>
+          <a:p>
+            <a:pPr marL="457200" indent="-457200">
+              <a:buFont typeface="Arial" panose="020B0604020202020204" pitchFamily="34" charset="0"/>
+              <a:buChar char="•"/>
+            </a:pPr>
+            <a:endParaRPr lang="en-US" sz="2800" dirty="0"/>
+          </a:p>
+          <a:p>
+            <a:pPr marL="457200" indent="-457200">
+              <a:buFont typeface="Arial" panose="020B0604020202020204" pitchFamily="34" charset="0"/>
+              <a:buChar char="•"/>
+            </a:pPr>
+            <a:endParaRPr lang="en-US" sz="2800" dirty="0"/>
+          </a:p>
+        </p:txBody>
+      </p:sp>
+      <p:sp>
+        <p:nvSpPr>
+          <p:cNvPr id="9" name="TextBox 8">
+            <a:extLst>
+              <a:ext uri="{FF2B5EF4-FFF2-40B4-BE49-F238E27FC236}">
+                <a16:creationId xmlns:a16="http://schemas.microsoft.com/office/drawing/2014/main" id="{FC020EDC-4BBF-E806-BBD1-F35C244FE9E9}"/>
+              </a:ext>
+            </a:extLst>
+          </p:cNvPr>
+          <p:cNvSpPr txBox="1"/>
+          <p:nvPr/>
+        </p:nvSpPr>
+        <p:spPr>
+          <a:xfrm>
+            <a:off x="2656114" y="2460285"/>
+            <a:ext cx="6444343" cy="3913059"/>
+          </a:xfrm>
+          <a:prstGeom prst="rect">
+            <a:avLst/>
+          </a:prstGeom>
+          <a:noFill/>
+        </p:spPr>
+        <p:txBody>
+          <a:bodyPr wrap="square" rtlCol="0">
+            <a:spAutoFit/>
+          </a:bodyPr>
+          <a:lstStyle/>
+          <a:p>
+            <a:pPr>
+              <a:lnSpc>
+                <a:spcPct val="150000"/>
+              </a:lnSpc>
+            </a:pPr>
+            <a:r>
+              <a:rPr lang="en-US" sz="2400" dirty="0"/>
+              <a:t>Account creation</a:t>
+            </a:r>
+          </a:p>
+          <a:p>
+            <a:pPr>
+              <a:lnSpc>
+                <a:spcPct val="150000"/>
+              </a:lnSpc>
+            </a:pPr>
+            <a:r>
+              <a:rPr lang="en-US" sz="2400" dirty="0"/>
+              <a:t>Customer Login Window</a:t>
+            </a:r>
+          </a:p>
+          <a:p>
+            <a:pPr>
+              <a:lnSpc>
+                <a:spcPct val="150000"/>
+              </a:lnSpc>
+            </a:pPr>
+            <a:r>
+              <a:rPr lang="en-US" sz="2400" dirty="0"/>
+              <a:t>Welcome Menu</a:t>
+            </a:r>
+          </a:p>
+          <a:p>
+            <a:pPr>
+              <a:lnSpc>
+                <a:spcPct val="150000"/>
+              </a:lnSpc>
+            </a:pPr>
+            <a:r>
+              <a:rPr lang="en-US" sz="2400" dirty="0"/>
+              <a:t>Deposit Service</a:t>
+            </a:r>
+          </a:p>
+          <a:p>
+            <a:pPr>
+              <a:lnSpc>
+                <a:spcPct val="150000"/>
+              </a:lnSpc>
+            </a:pPr>
+            <a:r>
+              <a:rPr lang="en-US" sz="2400" dirty="0"/>
+              <a:t>Withdraw Service</a:t>
+            </a:r>
+          </a:p>
+          <a:p>
+            <a:pPr>
+              <a:lnSpc>
+                <a:spcPct val="150000"/>
+              </a:lnSpc>
+            </a:pPr>
+            <a:r>
+              <a:rPr lang="en-US" sz="2400" dirty="0"/>
+              <a:t>View Transaction History</a:t>
+            </a:r>
+          </a:p>
+          <a:p>
+            <a:pPr>
+              <a:lnSpc>
+                <a:spcPct val="150000"/>
+              </a:lnSpc>
+            </a:pPr>
+            <a:endParaRPr lang="en-US" sz="2400" dirty="0"/>
           </a:p>
         </p:txBody>
       </p:sp>
@@ -6958,28 +10385,168 @@
             <p:ph type="title"/>
           </p:nvPr>
         </p:nvSpPr>
-        <p:spPr/>
-        <p:txBody>
-          <a:bodyPr/>
+        <p:spPr>
+          <a:xfrm>
+            <a:off x="-750888" y="729344"/>
+            <a:ext cx="10018713" cy="1752599"/>
+          </a:xfrm>
+        </p:spPr>
+        <p:txBody>
+          <a:bodyPr>
+            <a:normAutofit/>
+          </a:bodyPr>
           <a:lstStyle/>
           <a:p>
             <a:r>
-              <a:rPr lang="en-US" sz="4400" dirty="0"/>
-              <a:t>Challenges</a:t>
-            </a:r>
-            <a:r>
               <a:rPr lang="en-US" dirty="0"/>
-              <a:t> faced</a:t>
-            </a:r>
-          </a:p>
-        </p:txBody>
-      </p:sp>
-      <p:sp>
-        <p:nvSpPr>
-          <p:cNvPr id="3" name="Content Placeholder 2">
+              <a:t>Challenges faced</a:t>
+            </a:r>
+          </a:p>
+        </p:txBody>
+      </p:sp>
+      <p:sp>
+        <p:nvSpPr>
+          <p:cNvPr id="4" name="TextBox 3">
             <a:extLst>
               <a:ext uri="{FF2B5EF4-FFF2-40B4-BE49-F238E27FC236}">
-                <a16:creationId xmlns:a16="http://schemas.microsoft.com/office/drawing/2014/main" id="{0F2B6528-11BA-BA5D-E26B-80C0D8ADDB24}"/>
+                <a16:creationId xmlns:a16="http://schemas.microsoft.com/office/drawing/2014/main" id="{0AB27C48-68D4-CAEB-A401-DED054656C34}"/>
+              </a:ext>
+            </a:extLst>
+          </p:cNvPr>
+          <p:cNvSpPr txBox="1"/>
+          <p:nvPr/>
+        </p:nvSpPr>
+        <p:spPr>
+          <a:xfrm>
+            <a:off x="2046514" y="2220685"/>
+            <a:ext cx="10493829" cy="3359061"/>
+          </a:xfrm>
+          <a:prstGeom prst="rect">
+            <a:avLst/>
+          </a:prstGeom>
+          <a:noFill/>
+        </p:spPr>
+        <p:txBody>
+          <a:bodyPr wrap="square" rtlCol="0">
+            <a:spAutoFit/>
+          </a:bodyPr>
+          <a:lstStyle/>
+          <a:p>
+            <a:pPr marL="342900" indent="-342900">
+              <a:lnSpc>
+                <a:spcPct val="150000"/>
+              </a:lnSpc>
+              <a:buFont typeface="Arial" panose="020B0604020202020204" pitchFamily="34" charset="0"/>
+              <a:buChar char="•"/>
+            </a:pPr>
+            <a:r>
+              <a:rPr lang="en-US" sz="2400" dirty="0"/>
+              <a:t>File handling issues</a:t>
+            </a:r>
+          </a:p>
+          <a:p>
+            <a:pPr marL="342900" indent="-342900">
+              <a:lnSpc>
+                <a:spcPct val="150000"/>
+              </a:lnSpc>
+              <a:buFont typeface="Arial" panose="020B0604020202020204" pitchFamily="34" charset="0"/>
+              <a:buChar char="•"/>
+            </a:pPr>
+            <a:r>
+              <a:rPr lang="en-US" sz="2400" dirty="0"/>
+              <a:t>Avoiding duplicate entries</a:t>
+            </a:r>
+          </a:p>
+          <a:p>
+            <a:pPr marL="342900" indent="-342900">
+              <a:lnSpc>
+                <a:spcPct val="150000"/>
+              </a:lnSpc>
+              <a:buFont typeface="Arial" panose="020B0604020202020204" pitchFamily="34" charset="0"/>
+              <a:buChar char="•"/>
+            </a:pPr>
+            <a:r>
+              <a:rPr lang="en-US" sz="2400" dirty="0"/>
+              <a:t>Handling transaction logic</a:t>
+            </a:r>
+          </a:p>
+          <a:p>
+            <a:pPr marL="342900" indent="-342900">
+              <a:lnSpc>
+                <a:spcPct val="150000"/>
+              </a:lnSpc>
+              <a:buFont typeface="Arial" panose="020B0604020202020204" pitchFamily="34" charset="0"/>
+              <a:buChar char="•"/>
+            </a:pPr>
+            <a:r>
+              <a:rPr lang="en-US" sz="2400" dirty="0"/>
+              <a:t>Time Management</a:t>
+            </a:r>
+          </a:p>
+          <a:p>
+            <a:pPr marL="342900" indent="-342900">
+              <a:lnSpc>
+                <a:spcPct val="150000"/>
+              </a:lnSpc>
+              <a:buFont typeface="Arial" panose="020B0604020202020204" pitchFamily="34" charset="0"/>
+              <a:buChar char="•"/>
+            </a:pPr>
+            <a:r>
+              <a:rPr lang="en-US" sz="2400" dirty="0"/>
+              <a:t>Learning about different new library functions</a:t>
+            </a:r>
+          </a:p>
+          <a:p>
+            <a:pPr marL="342900" indent="-342900">
+              <a:lnSpc>
+                <a:spcPct val="150000"/>
+              </a:lnSpc>
+              <a:buFont typeface="Arial" panose="020B0604020202020204" pitchFamily="34" charset="0"/>
+              <a:buChar char="•"/>
+            </a:pPr>
+            <a:r>
+              <a:rPr lang="en-US" sz="2400" dirty="0"/>
+              <a:t>Designing clean modular functions with limited C knowledge</a:t>
+            </a:r>
+          </a:p>
+        </p:txBody>
+      </p:sp>
+    </p:spTree>
+    <p:extLst>
+      <p:ext uri="{BB962C8B-B14F-4D97-AF65-F5344CB8AC3E}">
+        <p14:creationId xmlns:p14="http://schemas.microsoft.com/office/powerpoint/2010/main" val="3009408367"/>
+      </p:ext>
+    </p:extLst>
+  </p:cSld>
+  <p:clrMapOvr>
+    <a:masterClrMapping/>
+  </p:clrMapOvr>
+</p:sld>
+</file>
+
+<file path=ppt/slides/slide7.xml><?xml version="1.0" encoding="utf-8"?>
+<p:sld xmlns:a="http://schemas.openxmlformats.org/drawingml/2006/main" xmlns:r="http://schemas.openxmlformats.org/officeDocument/2006/relationships" xmlns:p="http://schemas.openxmlformats.org/presentationml/2006/main">
+  <p:cSld>
+    <p:spTree>
+      <p:nvGrpSpPr>
+        <p:cNvPr id="1" name=""/>
+        <p:cNvGrpSpPr/>
+        <p:nvPr/>
+      </p:nvGrpSpPr>
+      <p:grpSpPr>
+        <a:xfrm>
+          <a:off x="0" y="0"/>
+          <a:ext cx="0" cy="0"/>
+          <a:chOff x="0" y="0"/>
+          <a:chExt cx="0" cy="0"/>
+        </a:xfrm>
+      </p:grpSpPr>
+      <p:sp>
+        <p:nvSpPr>
+          <p:cNvPr id="2" name="Title 1">
+            <a:extLst>
+              <a:ext uri="{FF2B5EF4-FFF2-40B4-BE49-F238E27FC236}">
+                <a16:creationId xmlns:a16="http://schemas.microsoft.com/office/drawing/2014/main" id="{032E5BA7-9AF7-E8D8-8434-8EC9EF1CE912}"/>
               </a:ext>
             </a:extLst>
           </p:cNvPr>
@@ -6987,7 +10554,7 @@
             <a:spLocks noGrp="1"/>
           </p:cNvSpPr>
           <p:nvPr>
-            <p:ph idx="1"/>
+            <p:ph type="title"/>
           </p:nvPr>
         </p:nvSpPr>
         <p:spPr/>
@@ -6995,14 +10562,17 @@
           <a:bodyPr/>
           <a:lstStyle/>
           <a:p>
-            <a:endParaRPr lang="en-US"/>
+            <a:r>
+              <a:rPr lang="en-US" dirty="0"/>
+              <a:t>Plan for remaining work</a:t>
+            </a:r>
           </a:p>
         </p:txBody>
       </p:sp>
     </p:spTree>
     <p:extLst>
       <p:ext uri="{BB962C8B-B14F-4D97-AF65-F5344CB8AC3E}">
-        <p14:creationId xmlns:p14="http://schemas.microsoft.com/office/powerpoint/2010/main" val="3009408367"/>
+        <p14:creationId xmlns:p14="http://schemas.microsoft.com/office/powerpoint/2010/main" val="2903289822"/>
       </p:ext>
     </p:extLst>
   </p:cSld>

--- a/Banking Management System.pptx
+++ b/Banking Management System.pptx
@@ -9722,8 +9722,12 @@
           <a:lstStyle/>
           <a:p>
             <a:r>
+              <a:rPr lang="en-US" dirty="0"/>
+              <a:t>Objectives</a:t>
+            </a:r>
+            <a:r>
               <a:rPr lang="en-US" sz="4400" dirty="0"/>
-              <a:t>Objectives:</a:t>
+              <a:t>:</a:t>
             </a:r>
           </a:p>
         </p:txBody>
@@ -9742,8 +9746,8 @@
         </p:nvSpPr>
         <p:spPr>
           <a:xfrm>
-            <a:off x="1970085" y="1172029"/>
-            <a:ext cx="8752115" cy="6488828"/>
+            <a:off x="1970084" y="1324429"/>
+            <a:ext cx="8752115" cy="5575052"/>
           </a:xfrm>
           <a:prstGeom prst="rect">
             <a:avLst/>
@@ -9764,7 +9768,7 @@
               <a:buChar char="•"/>
             </a:pPr>
             <a:r>
-              <a:rPr lang="en-US" sz="2800" dirty="0"/>
+              <a:rPr lang="en-US" sz="2400" dirty="0"/>
               <a:t>Create a simple banking system</a:t>
             </a:r>
           </a:p>
@@ -9777,7 +9781,7 @@
               <a:buChar char="•"/>
             </a:pPr>
             <a:r>
-              <a:rPr lang="en-US" sz="2800" dirty="0"/>
+              <a:rPr lang="en-US" sz="2400" dirty="0"/>
               <a:t>Learn to use different library functions</a:t>
             </a:r>
           </a:p>
@@ -9790,7 +9794,7 @@
               <a:buChar char="•"/>
             </a:pPr>
             <a:r>
-              <a:rPr lang="en-US" sz="2800" dirty="0"/>
+              <a:rPr lang="en-US" sz="2400" dirty="0"/>
               <a:t>Implement basic customer banking features such as:</a:t>
             </a:r>
           </a:p>
@@ -9801,15 +9805,15 @@
               </a:lnSpc>
             </a:pPr>
             <a:r>
-              <a:rPr lang="en-US" sz="2800" dirty="0"/>
+              <a:rPr lang="en-US" sz="2400" dirty="0"/>
               <a:t>	 </a:t>
             </a:r>
             <a:r>
-              <a:rPr lang="en-US" sz="2800" dirty="0" err="1"/>
+              <a:rPr lang="en-US" sz="2400" dirty="0" err="1"/>
               <a:t>i</a:t>
             </a:r>
             <a:r>
-              <a:rPr lang="en-US" sz="2800" dirty="0"/>
+              <a:rPr lang="en-US" sz="2400" dirty="0"/>
               <a:t>) Account creation	 ii) Account deletion </a:t>
             </a:r>
           </a:p>
@@ -9820,7 +9824,7 @@
               </a:lnSpc>
             </a:pPr>
             <a:r>
-              <a:rPr lang="en-US" sz="2800" dirty="0"/>
+              <a:rPr lang="en-US" sz="2400" dirty="0"/>
               <a:t>	iii)Balance Check		 iv) View transaction history</a:t>
             </a:r>
           </a:p>
@@ -9831,7 +9835,7 @@
               </a:lnSpc>
             </a:pPr>
             <a:r>
-              <a:rPr lang="en-US" sz="2800" dirty="0"/>
+              <a:rPr lang="en-US" sz="2400" dirty="0"/>
               <a:t>	 v)Admin Approve/Deny large fund transfer </a:t>
             </a:r>
           </a:p>
@@ -9844,7 +9848,7 @@
               <a:buChar char="•"/>
             </a:pPr>
             <a:r>
-              <a:rPr lang="en-US" sz="2800" dirty="0"/>
+              <a:rPr lang="en-US" sz="2400" dirty="0"/>
               <a:t>Implement different C features: loops, conditionals, functions, structures, file handling.</a:t>
             </a:r>
           </a:p>
@@ -9856,7 +9860,7 @@
               <a:buFont typeface="Arial" panose="020B0604020202020204" pitchFamily="34" charset="0"/>
               <a:buChar char="•"/>
             </a:pPr>
-            <a:endParaRPr lang="en-US" sz="2800" dirty="0"/>
+            <a:endParaRPr lang="en-US" sz="2400" dirty="0"/>
           </a:p>
           <a:p>
             <a:pPr marL="457200" indent="-457200" algn="just">
@@ -9866,7 +9870,7 @@
               <a:buFont typeface="Arial" panose="020B0604020202020204" pitchFamily="34" charset="0"/>
               <a:buChar char="•"/>
             </a:pPr>
-            <a:endParaRPr lang="en-US" sz="2800" dirty="0"/>
+            <a:endParaRPr lang="en-US" sz="2400" dirty="0"/>
           </a:p>
         </p:txBody>
       </p:sp>
@@ -9929,9 +9933,10 @@
           <a:lstStyle/>
           <a:p>
             <a:r>
-              <a:rPr lang="en-US" sz="4400" dirty="0"/>
+              <a:rPr lang="en-US" dirty="0"/>
               <a:t>Summary</a:t>
             </a:r>
+            <a:endParaRPr lang="en-US" sz="4400" dirty="0"/>
           </a:p>
         </p:txBody>
       </p:sp>
@@ -10038,12 +10043,8 @@
           <a:lstStyle/>
           <a:p>
             <a:r>
-              <a:rPr lang="en-US" sz="4400" dirty="0"/>
-              <a:t>Chosen</a:t>
-            </a:r>
-            <a:r>
               <a:rPr lang="en-US" dirty="0"/>
-              <a:t> Methodology</a:t>
+              <a:t>Chosen Methodology</a:t>
             </a:r>
           </a:p>
         </p:txBody>
@@ -10162,7 +10163,7 @@
         </p:nvSpPr>
         <p:spPr>
           <a:xfrm>
-            <a:off x="1611084" y="751344"/>
+            <a:off x="1611084" y="681312"/>
             <a:ext cx="5069111" cy="740228"/>
           </a:xfrm>
         </p:spPr>
@@ -10387,7 +10388,7 @@
         </p:nvSpPr>
         <p:spPr>
           <a:xfrm>
-            <a:off x="-750888" y="729344"/>
+            <a:off x="-1200831" y="279401"/>
             <a:ext cx="10018713" cy="1752599"/>
           </a:xfrm>
         </p:spPr>
@@ -10418,7 +10419,7 @@
         </p:nvSpPr>
         <p:spPr>
           <a:xfrm>
-            <a:off x="2046514" y="2220685"/>
+            <a:off x="2075543" y="1749469"/>
             <a:ext cx="10493829" cy="3359061"/>
           </a:xfrm>
           <a:prstGeom prst="rect">
@@ -10557,7 +10558,12 @@
             <p:ph type="title"/>
           </p:nvPr>
         </p:nvSpPr>
-        <p:spPr/>
+        <p:spPr>
+          <a:xfrm>
+            <a:off x="1484311" y="381000"/>
+            <a:ext cx="6556603" cy="1767114"/>
+          </a:xfrm>
+        </p:spPr>
         <p:txBody>
           <a:bodyPr/>
           <a:lstStyle/>
@@ -10565,6 +10571,131 @@
             <a:r>
               <a:rPr lang="en-US" dirty="0"/>
               <a:t>Plan for remaining work</a:t>
+            </a:r>
+          </a:p>
+        </p:txBody>
+      </p:sp>
+      <p:sp>
+        <p:nvSpPr>
+          <p:cNvPr id="4" name="TextBox 3">
+            <a:extLst>
+              <a:ext uri="{FF2B5EF4-FFF2-40B4-BE49-F238E27FC236}">
+                <a16:creationId xmlns:a16="http://schemas.microsoft.com/office/drawing/2014/main" id="{249B43D8-7DF1-962B-020D-DCEEEAC25FA2}"/>
+              </a:ext>
+            </a:extLst>
+          </p:cNvPr>
+          <p:cNvSpPr txBox="1"/>
+          <p:nvPr/>
+        </p:nvSpPr>
+        <p:spPr>
+          <a:xfrm>
+            <a:off x="1901371" y="1763983"/>
+            <a:ext cx="10493829" cy="1143070"/>
+          </a:xfrm>
+          <a:prstGeom prst="rect">
+            <a:avLst/>
+          </a:prstGeom>
+          <a:noFill/>
+        </p:spPr>
+        <p:txBody>
+          <a:bodyPr wrap="square" rtlCol="0">
+            <a:spAutoFit/>
+          </a:bodyPr>
+          <a:lstStyle/>
+          <a:p>
+            <a:pPr marL="342900" indent="-342900">
+              <a:lnSpc>
+                <a:spcPct val="150000"/>
+              </a:lnSpc>
+              <a:buFont typeface="Arial" panose="020B0604020202020204" pitchFamily="34" charset="0"/>
+              <a:buChar char="•"/>
+            </a:pPr>
+            <a:r>
+              <a:rPr lang="en-US" sz="2400" dirty="0"/>
+              <a:t>Create Admin module</a:t>
+            </a:r>
+          </a:p>
+          <a:p>
+            <a:pPr marL="342900" indent="-342900">
+              <a:lnSpc>
+                <a:spcPct val="150000"/>
+              </a:lnSpc>
+              <a:buFont typeface="Arial" panose="020B0604020202020204" pitchFamily="34" charset="0"/>
+              <a:buChar char="•"/>
+            </a:pPr>
+            <a:endParaRPr lang="en-US" sz="2400" dirty="0"/>
+          </a:p>
+        </p:txBody>
+      </p:sp>
+      <p:sp>
+        <p:nvSpPr>
+          <p:cNvPr id="6" name="TextBox 5">
+            <a:extLst>
+              <a:ext uri="{FF2B5EF4-FFF2-40B4-BE49-F238E27FC236}">
+                <a16:creationId xmlns:a16="http://schemas.microsoft.com/office/drawing/2014/main" id="{C4A8D1FA-D294-7FEB-A2BA-21802D1C84CF}"/>
+              </a:ext>
+            </a:extLst>
+          </p:cNvPr>
+          <p:cNvSpPr txBox="1"/>
+          <p:nvPr/>
+        </p:nvSpPr>
+        <p:spPr>
+          <a:xfrm>
+            <a:off x="2641600" y="2458822"/>
+            <a:ext cx="6691085" cy="2251065"/>
+          </a:xfrm>
+          <a:prstGeom prst="rect">
+            <a:avLst/>
+          </a:prstGeom>
+          <a:noFill/>
+        </p:spPr>
+        <p:txBody>
+          <a:bodyPr wrap="square" rtlCol="0">
+            <a:spAutoFit/>
+          </a:bodyPr>
+          <a:lstStyle/>
+          <a:p>
+            <a:pPr>
+              <a:lnSpc>
+                <a:spcPct val="150000"/>
+              </a:lnSpc>
+            </a:pPr>
+            <a:r>
+              <a:rPr lang="en-US" sz="2400" dirty="0"/>
+              <a:t>View customers transactions</a:t>
+            </a:r>
+          </a:p>
+          <a:p>
+            <a:pPr>
+              <a:lnSpc>
+                <a:spcPct val="150000"/>
+              </a:lnSpc>
+            </a:pPr>
+            <a:r>
+              <a:rPr lang="en-US" sz="2400" dirty="0"/>
+              <a:t>Add/Delete Customer info</a:t>
+            </a:r>
+          </a:p>
+          <a:p>
+            <a:pPr>
+              <a:lnSpc>
+                <a:spcPct val="150000"/>
+              </a:lnSpc>
+            </a:pPr>
+            <a:r>
+              <a:rPr lang="en-US" sz="2400" dirty="0"/>
+              <a:t>Approve/Deny large transaction</a:t>
+            </a:r>
+          </a:p>
+          <a:p>
+            <a:pPr>
+              <a:lnSpc>
+                <a:spcPct val="150000"/>
+              </a:lnSpc>
+            </a:pPr>
+            <a:r>
+              <a:rPr lang="en-US" sz="2400" dirty="0"/>
+              <a:t>Polish the program</a:t>
             </a:r>
           </a:p>
         </p:txBody>

--- a/Banking Management System.pptx
+++ b/Banking Management System.pptx
@@ -12,6 +12,7 @@
     <p:sldId id="260" r:id="rId6"/>
     <p:sldId id="261" r:id="rId7"/>
     <p:sldId id="262" r:id="rId8"/>
+    <p:sldId id="263" r:id="rId9"/>
   </p:sldIdLst>
   <p:sldSz cx="12192000" cy="6858000"/>
   <p:notesSz cx="6858000" cy="9144000"/>
@@ -110,10 +111,773 @@
       </a:defRPr>
     </a:lvl9pPr>
   </p:defaultTextStyle>
+  <p:extLst>
+    <p:ext uri="{EFAFB233-063F-42B5-8137-9DF3F51BA10A}">
+      <p15:sldGuideLst xmlns:p15="http://schemas.microsoft.com/office/powerpoint/2012/main">
+        <p15:guide id="1" orient="horz" pos="2160" userDrawn="1">
+          <p15:clr>
+            <a:srgbClr val="A4A3A4"/>
+          </p15:clr>
+        </p15:guide>
+        <p15:guide id="2" pos="3840" userDrawn="1">
+          <p15:clr>
+            <a:srgbClr val="A4A3A4"/>
+          </p15:clr>
+        </p15:guide>
+      </p15:sldGuideLst>
+    </p:ext>
+  </p:extLst>
 </p:presentation>
 </file>
 
 <file path=ppt/diagrams/colors1.xml><?xml version="1.0" encoding="utf-8"?>
+<dgm:colorsDef xmlns:dgm="http://schemas.openxmlformats.org/drawingml/2006/diagram" xmlns:a="http://schemas.openxmlformats.org/drawingml/2006/main" uniqueId="urn:microsoft.com/office/officeart/2005/8/colors/accent1_2">
+  <dgm:title val=""/>
+  <dgm:desc val=""/>
+  <dgm:catLst>
+    <dgm:cat type="accent1" pri="11200"/>
+  </dgm:catLst>
+  <dgm:styleLbl name="node0">
+    <dgm:fillClrLst meth="repeat">
+      <a:schemeClr val="accent1"/>
+    </dgm:fillClrLst>
+    <dgm:linClrLst meth="repeat">
+      <a:schemeClr val="lt1"/>
+    </dgm:linClrLst>
+    <dgm:effectClrLst/>
+    <dgm:txLinClrLst/>
+    <dgm:txFillClrLst/>
+    <dgm:txEffectClrLst/>
+  </dgm:styleLbl>
+  <dgm:styleLbl name="alignNode1">
+    <dgm:fillClrLst meth="repeat">
+      <a:schemeClr val="accent1"/>
+    </dgm:fillClrLst>
+    <dgm:linClrLst meth="repeat">
+      <a:schemeClr val="accent1"/>
+    </dgm:linClrLst>
+    <dgm:effectClrLst/>
+    <dgm:txLinClrLst/>
+    <dgm:txFillClrLst/>
+    <dgm:txEffectClrLst/>
+  </dgm:styleLbl>
+  <dgm:styleLbl name="node1">
+    <dgm:fillClrLst meth="repeat">
+      <a:schemeClr val="accent1"/>
+    </dgm:fillClrLst>
+    <dgm:linClrLst meth="repeat">
+      <a:schemeClr val="lt1"/>
+    </dgm:linClrLst>
+    <dgm:effectClrLst/>
+    <dgm:txLinClrLst/>
+    <dgm:txFillClrLst/>
+    <dgm:txEffectClrLst/>
+  </dgm:styleLbl>
+  <dgm:styleLbl name="lnNode1">
+    <dgm:fillClrLst meth="repeat">
+      <a:schemeClr val="accent1"/>
+    </dgm:fillClrLst>
+    <dgm:linClrLst meth="repeat">
+      <a:schemeClr val="lt1"/>
+    </dgm:linClrLst>
+    <dgm:effectClrLst/>
+    <dgm:txLinClrLst/>
+    <dgm:txFillClrLst/>
+    <dgm:txEffectClrLst/>
+  </dgm:styleLbl>
+  <dgm:styleLbl name="vennNode1">
+    <dgm:fillClrLst meth="repeat">
+      <a:schemeClr val="accent1">
+        <a:alpha val="50000"/>
+      </a:schemeClr>
+    </dgm:fillClrLst>
+    <dgm:linClrLst meth="repeat">
+      <a:schemeClr val="lt1"/>
+    </dgm:linClrLst>
+    <dgm:effectClrLst/>
+    <dgm:txLinClrLst/>
+    <dgm:txFillClrLst/>
+    <dgm:txEffectClrLst/>
+  </dgm:styleLbl>
+  <dgm:styleLbl name="node2">
+    <dgm:fillClrLst meth="repeat">
+      <a:schemeClr val="accent1"/>
+    </dgm:fillClrLst>
+    <dgm:linClrLst meth="repeat">
+      <a:schemeClr val="lt1"/>
+    </dgm:linClrLst>
+    <dgm:effectClrLst/>
+    <dgm:txLinClrLst/>
+    <dgm:txFillClrLst/>
+    <dgm:txEffectClrLst/>
+  </dgm:styleLbl>
+  <dgm:styleLbl name="node3">
+    <dgm:fillClrLst meth="repeat">
+      <a:schemeClr val="accent1"/>
+    </dgm:fillClrLst>
+    <dgm:linClrLst meth="repeat">
+      <a:schemeClr val="lt1"/>
+    </dgm:linClrLst>
+    <dgm:effectClrLst/>
+    <dgm:txLinClrLst/>
+    <dgm:txFillClrLst/>
+    <dgm:txEffectClrLst/>
+  </dgm:styleLbl>
+  <dgm:styleLbl name="node4">
+    <dgm:fillClrLst meth="repeat">
+      <a:schemeClr val="accent1"/>
+    </dgm:fillClrLst>
+    <dgm:linClrLst meth="repeat">
+      <a:schemeClr val="lt1"/>
+    </dgm:linClrLst>
+    <dgm:effectClrLst/>
+    <dgm:txLinClrLst/>
+    <dgm:txFillClrLst/>
+    <dgm:txEffectClrLst/>
+  </dgm:styleLbl>
+  <dgm:styleLbl name="fgImgPlace1">
+    <dgm:fillClrLst meth="repeat">
+      <a:schemeClr val="accent1">
+        <a:tint val="50000"/>
+      </a:schemeClr>
+    </dgm:fillClrLst>
+    <dgm:linClrLst meth="repeat">
+      <a:schemeClr val="lt1"/>
+    </dgm:linClrLst>
+    <dgm:effectClrLst/>
+    <dgm:txLinClrLst/>
+    <dgm:txFillClrLst meth="repeat">
+      <a:schemeClr val="lt1"/>
+    </dgm:txFillClrLst>
+    <dgm:txEffectClrLst/>
+  </dgm:styleLbl>
+  <dgm:styleLbl name="alignImgPlace1">
+    <dgm:fillClrLst meth="repeat">
+      <a:schemeClr val="accent1">
+        <a:tint val="50000"/>
+      </a:schemeClr>
+    </dgm:fillClrLst>
+    <dgm:linClrLst meth="repeat">
+      <a:schemeClr val="lt1"/>
+    </dgm:linClrLst>
+    <dgm:effectClrLst/>
+    <dgm:txLinClrLst/>
+    <dgm:txFillClrLst meth="repeat">
+      <a:schemeClr val="lt1"/>
+    </dgm:txFillClrLst>
+    <dgm:txEffectClrLst/>
+  </dgm:styleLbl>
+  <dgm:styleLbl name="bgImgPlace1">
+    <dgm:fillClrLst meth="repeat">
+      <a:schemeClr val="accent1">
+        <a:tint val="50000"/>
+      </a:schemeClr>
+    </dgm:fillClrLst>
+    <dgm:linClrLst meth="repeat">
+      <a:schemeClr val="lt1"/>
+    </dgm:linClrLst>
+    <dgm:effectClrLst/>
+    <dgm:txLinClrLst/>
+    <dgm:txFillClrLst meth="repeat">
+      <a:schemeClr val="lt1"/>
+    </dgm:txFillClrLst>
+    <dgm:txEffectClrLst/>
+  </dgm:styleLbl>
+  <dgm:styleLbl name="sibTrans2D1">
+    <dgm:fillClrLst meth="repeat">
+      <a:schemeClr val="accent1">
+        <a:tint val="60000"/>
+      </a:schemeClr>
+    </dgm:fillClrLst>
+    <dgm:linClrLst meth="repeat">
+      <a:schemeClr val="accent1">
+        <a:tint val="60000"/>
+      </a:schemeClr>
+    </dgm:linClrLst>
+    <dgm:effectClrLst/>
+    <dgm:txLinClrLst/>
+    <dgm:txFillClrLst/>
+    <dgm:txEffectClrLst/>
+  </dgm:styleLbl>
+  <dgm:styleLbl name="fgSibTrans2D1">
+    <dgm:fillClrLst meth="repeat">
+      <a:schemeClr val="accent1">
+        <a:tint val="60000"/>
+      </a:schemeClr>
+    </dgm:fillClrLst>
+    <dgm:linClrLst meth="repeat">
+      <a:schemeClr val="accent1">
+        <a:tint val="60000"/>
+      </a:schemeClr>
+    </dgm:linClrLst>
+    <dgm:effectClrLst/>
+    <dgm:txLinClrLst/>
+    <dgm:txFillClrLst/>
+    <dgm:txEffectClrLst/>
+  </dgm:styleLbl>
+  <dgm:styleLbl name="bgSibTrans2D1">
+    <dgm:fillClrLst meth="repeat">
+      <a:schemeClr val="accent1">
+        <a:tint val="60000"/>
+      </a:schemeClr>
+    </dgm:fillClrLst>
+    <dgm:linClrLst meth="repeat">
+      <a:schemeClr val="accent1">
+        <a:tint val="60000"/>
+      </a:schemeClr>
+    </dgm:linClrLst>
+    <dgm:effectClrLst/>
+    <dgm:txLinClrLst/>
+    <dgm:txFillClrLst/>
+    <dgm:txEffectClrLst/>
+  </dgm:styleLbl>
+  <dgm:styleLbl name="sibTrans1D1">
+    <dgm:fillClrLst meth="repeat">
+      <a:schemeClr val="accent1"/>
+    </dgm:fillClrLst>
+    <dgm:linClrLst meth="repeat">
+      <a:schemeClr val="accent1"/>
+    </dgm:linClrLst>
+    <dgm:effectClrLst/>
+    <dgm:txLinClrLst/>
+    <dgm:txFillClrLst meth="repeat">
+      <a:schemeClr val="tx1"/>
+    </dgm:txFillClrLst>
+    <dgm:txEffectClrLst/>
+  </dgm:styleLbl>
+  <dgm:styleLbl name="callout">
+    <dgm:fillClrLst meth="repeat">
+      <a:schemeClr val="accent1"/>
+    </dgm:fillClrLst>
+    <dgm:linClrLst meth="repeat">
+      <a:schemeClr val="accent1">
+        <a:tint val="50000"/>
+      </a:schemeClr>
+    </dgm:linClrLst>
+    <dgm:effectClrLst/>
+    <dgm:txLinClrLst/>
+    <dgm:txFillClrLst meth="repeat">
+      <a:schemeClr val="tx1"/>
+    </dgm:txFillClrLst>
+    <dgm:txEffectClrLst/>
+  </dgm:styleLbl>
+  <dgm:styleLbl name="asst0">
+    <dgm:fillClrLst meth="repeat">
+      <a:schemeClr val="accent1"/>
+    </dgm:fillClrLst>
+    <dgm:linClrLst meth="repeat">
+      <a:schemeClr val="lt1"/>
+    </dgm:linClrLst>
+    <dgm:effectClrLst/>
+    <dgm:txLinClrLst/>
+    <dgm:txFillClrLst/>
+    <dgm:txEffectClrLst/>
+  </dgm:styleLbl>
+  <dgm:styleLbl name="asst1">
+    <dgm:fillClrLst meth="repeat">
+      <a:schemeClr val="accent1"/>
+    </dgm:fillClrLst>
+    <dgm:linClrLst meth="repeat">
+      <a:schemeClr val="lt1"/>
+    </dgm:linClrLst>
+    <dgm:effectClrLst/>
+    <dgm:txLinClrLst/>
+    <dgm:txFillClrLst/>
+    <dgm:txEffectClrLst/>
+  </dgm:styleLbl>
+  <dgm:styleLbl name="asst2">
+    <dgm:fillClrLst meth="repeat">
+      <a:schemeClr val="accent1"/>
+    </dgm:fillClrLst>
+    <dgm:linClrLst meth="repeat">
+      <a:schemeClr val="lt1"/>
+    </dgm:linClrLst>
+    <dgm:effectClrLst/>
+    <dgm:txLinClrLst/>
+    <dgm:txFillClrLst/>
+    <dgm:txEffectClrLst/>
+  </dgm:styleLbl>
+  <dgm:styleLbl name="asst3">
+    <dgm:fillClrLst meth="repeat">
+      <a:schemeClr val="accent1"/>
+    </dgm:fillClrLst>
+    <dgm:linClrLst meth="repeat">
+      <a:schemeClr val="lt1"/>
+    </dgm:linClrLst>
+    <dgm:effectClrLst/>
+    <dgm:txLinClrLst/>
+    <dgm:txFillClrLst/>
+    <dgm:txEffectClrLst/>
+  </dgm:styleLbl>
+  <dgm:styleLbl name="asst4">
+    <dgm:fillClrLst meth="repeat">
+      <a:schemeClr val="accent1"/>
+    </dgm:fillClrLst>
+    <dgm:linClrLst meth="repeat">
+      <a:schemeClr val="lt1"/>
+    </dgm:linClrLst>
+    <dgm:effectClrLst/>
+    <dgm:txLinClrLst/>
+    <dgm:txFillClrLst/>
+    <dgm:txEffectClrLst/>
+  </dgm:styleLbl>
+  <dgm:styleLbl name="parChTrans2D1">
+    <dgm:fillClrLst meth="repeat">
+      <a:schemeClr val="accent1">
+        <a:tint val="60000"/>
+      </a:schemeClr>
+    </dgm:fillClrLst>
+    <dgm:linClrLst meth="repeat">
+      <a:schemeClr val="accent1">
+        <a:tint val="60000"/>
+      </a:schemeClr>
+    </dgm:linClrLst>
+    <dgm:effectClrLst/>
+    <dgm:txLinClrLst/>
+    <dgm:txFillClrLst meth="repeat">
+      <a:schemeClr val="lt1"/>
+    </dgm:txFillClrLst>
+    <dgm:txEffectClrLst/>
+  </dgm:styleLbl>
+  <dgm:styleLbl name="parChTrans2D2">
+    <dgm:fillClrLst meth="repeat">
+      <a:schemeClr val="accent1"/>
+    </dgm:fillClrLst>
+    <dgm:linClrLst meth="repeat">
+      <a:schemeClr val="accent1"/>
+    </dgm:linClrLst>
+    <dgm:effectClrLst/>
+    <dgm:txLinClrLst/>
+    <dgm:txFillClrLst meth="repeat">
+      <a:schemeClr val="lt1"/>
+    </dgm:txFillClrLst>
+    <dgm:txEffectClrLst/>
+  </dgm:styleLbl>
+  <dgm:styleLbl name="parChTrans2D3">
+    <dgm:fillClrLst meth="repeat">
+      <a:schemeClr val="accent1"/>
+    </dgm:fillClrLst>
+    <dgm:linClrLst meth="repeat">
+      <a:schemeClr val="accent1"/>
+    </dgm:linClrLst>
+    <dgm:effectClrLst/>
+    <dgm:txLinClrLst/>
+    <dgm:txFillClrLst meth="repeat">
+      <a:schemeClr val="lt1"/>
+    </dgm:txFillClrLst>
+    <dgm:txEffectClrLst/>
+  </dgm:styleLbl>
+  <dgm:styleLbl name="parChTrans2D4">
+    <dgm:fillClrLst meth="repeat">
+      <a:schemeClr val="accent1"/>
+    </dgm:fillClrLst>
+    <dgm:linClrLst meth="repeat">
+      <a:schemeClr val="accent1"/>
+    </dgm:linClrLst>
+    <dgm:effectClrLst/>
+    <dgm:txLinClrLst/>
+    <dgm:txFillClrLst meth="repeat">
+      <a:schemeClr val="lt1"/>
+    </dgm:txFillClrLst>
+    <dgm:txEffectClrLst/>
+  </dgm:styleLbl>
+  <dgm:styleLbl name="parChTrans1D1">
+    <dgm:fillClrLst meth="repeat">
+      <a:schemeClr val="accent1"/>
+    </dgm:fillClrLst>
+    <dgm:linClrLst meth="repeat">
+      <a:schemeClr val="accent1">
+        <a:shade val="60000"/>
+      </a:schemeClr>
+    </dgm:linClrLst>
+    <dgm:effectClrLst/>
+    <dgm:txLinClrLst/>
+    <dgm:txFillClrLst meth="repeat">
+      <a:schemeClr val="tx1"/>
+    </dgm:txFillClrLst>
+    <dgm:txEffectClrLst/>
+  </dgm:styleLbl>
+  <dgm:styleLbl name="parChTrans1D2">
+    <dgm:fillClrLst meth="repeat">
+      <a:schemeClr val="accent1"/>
+    </dgm:fillClrLst>
+    <dgm:linClrLst meth="repeat">
+      <a:schemeClr val="accent1">
+        <a:shade val="60000"/>
+      </a:schemeClr>
+    </dgm:linClrLst>
+    <dgm:effectClrLst/>
+    <dgm:txLinClrLst/>
+    <dgm:txFillClrLst meth="repeat">
+      <a:schemeClr val="tx1"/>
+    </dgm:txFillClrLst>
+    <dgm:txEffectClrLst/>
+  </dgm:styleLbl>
+  <dgm:styleLbl name="parChTrans1D3">
+    <dgm:fillClrLst meth="repeat">
+      <a:schemeClr val="accent1"/>
+    </dgm:fillClrLst>
+    <dgm:linClrLst meth="repeat">
+      <a:schemeClr val="accent1">
+        <a:shade val="80000"/>
+      </a:schemeClr>
+    </dgm:linClrLst>
+    <dgm:effectClrLst/>
+    <dgm:txLinClrLst/>
+    <dgm:txFillClrLst meth="repeat">
+      <a:schemeClr val="tx1"/>
+    </dgm:txFillClrLst>
+    <dgm:txEffectClrLst/>
+  </dgm:styleLbl>
+  <dgm:styleLbl name="parChTrans1D4">
+    <dgm:fillClrLst meth="repeat">
+      <a:schemeClr val="accent1"/>
+    </dgm:fillClrLst>
+    <dgm:linClrLst meth="repeat">
+      <a:schemeClr val="accent1">
+        <a:shade val="80000"/>
+      </a:schemeClr>
+    </dgm:linClrLst>
+    <dgm:effectClrLst/>
+    <dgm:txLinClrLst/>
+    <dgm:txFillClrLst meth="repeat">
+      <a:schemeClr val="tx1"/>
+    </dgm:txFillClrLst>
+    <dgm:txEffectClrLst/>
+  </dgm:styleLbl>
+  <dgm:styleLbl name="fgAcc1">
+    <dgm:fillClrLst meth="repeat">
+      <a:schemeClr val="lt1">
+        <a:alpha val="90000"/>
+      </a:schemeClr>
+    </dgm:fillClrLst>
+    <dgm:linClrLst meth="repeat">
+      <a:schemeClr val="accent1"/>
+    </dgm:linClrLst>
+    <dgm:effectClrLst/>
+    <dgm:txLinClrLst/>
+    <dgm:txFillClrLst meth="repeat">
+      <a:schemeClr val="dk1"/>
+    </dgm:txFillClrLst>
+    <dgm:txEffectClrLst/>
+  </dgm:styleLbl>
+  <dgm:styleLbl name="conFgAcc1">
+    <dgm:fillClrLst meth="repeat">
+      <a:schemeClr val="lt1">
+        <a:alpha val="90000"/>
+      </a:schemeClr>
+    </dgm:fillClrLst>
+    <dgm:linClrLst meth="repeat">
+      <a:schemeClr val="accent1"/>
+    </dgm:linClrLst>
+    <dgm:effectClrLst/>
+    <dgm:txLinClrLst/>
+    <dgm:txFillClrLst meth="repeat">
+      <a:schemeClr val="dk1"/>
+    </dgm:txFillClrLst>
+    <dgm:txEffectClrLst/>
+  </dgm:styleLbl>
+  <dgm:styleLbl name="alignAcc1">
+    <dgm:fillClrLst meth="repeat">
+      <a:schemeClr val="lt1">
+        <a:alpha val="90000"/>
+      </a:schemeClr>
+    </dgm:fillClrLst>
+    <dgm:linClrLst meth="repeat">
+      <a:schemeClr val="accent1"/>
+    </dgm:linClrLst>
+    <dgm:effectClrLst/>
+    <dgm:txLinClrLst/>
+    <dgm:txFillClrLst meth="repeat">
+      <a:schemeClr val="dk1"/>
+    </dgm:txFillClrLst>
+    <dgm:txEffectClrLst/>
+  </dgm:styleLbl>
+  <dgm:styleLbl name="trAlignAcc1">
+    <dgm:fillClrLst meth="repeat">
+      <a:schemeClr val="lt1">
+        <a:alpha val="40000"/>
+      </a:schemeClr>
+    </dgm:fillClrLst>
+    <dgm:linClrLst meth="repeat">
+      <a:schemeClr val="accent1"/>
+    </dgm:linClrLst>
+    <dgm:effectClrLst/>
+    <dgm:txLinClrLst/>
+    <dgm:txFillClrLst meth="repeat">
+      <a:schemeClr val="dk1"/>
+    </dgm:txFillClrLst>
+    <dgm:txEffectClrLst/>
+  </dgm:styleLbl>
+  <dgm:styleLbl name="bgAcc1">
+    <dgm:fillClrLst meth="repeat">
+      <a:schemeClr val="lt1">
+        <a:alpha val="90000"/>
+      </a:schemeClr>
+    </dgm:fillClrLst>
+    <dgm:linClrLst meth="repeat">
+      <a:schemeClr val="accent1"/>
+    </dgm:linClrLst>
+    <dgm:effectClrLst/>
+    <dgm:txLinClrLst/>
+    <dgm:txFillClrLst meth="repeat">
+      <a:schemeClr val="dk1"/>
+    </dgm:txFillClrLst>
+    <dgm:txEffectClrLst/>
+  </dgm:styleLbl>
+  <dgm:styleLbl name="solidFgAcc1">
+    <dgm:fillClrLst meth="repeat">
+      <a:schemeClr val="lt1"/>
+    </dgm:fillClrLst>
+    <dgm:linClrLst meth="repeat">
+      <a:schemeClr val="accent1"/>
+    </dgm:linClrLst>
+    <dgm:effectClrLst/>
+    <dgm:txLinClrLst/>
+    <dgm:txFillClrLst meth="repeat">
+      <a:schemeClr val="dk1"/>
+    </dgm:txFillClrLst>
+    <dgm:txEffectClrLst/>
+  </dgm:styleLbl>
+  <dgm:styleLbl name="solidAlignAcc1">
+    <dgm:fillClrLst meth="repeat">
+      <a:schemeClr val="lt1"/>
+    </dgm:fillClrLst>
+    <dgm:linClrLst meth="repeat">
+      <a:schemeClr val="accent1"/>
+    </dgm:linClrLst>
+    <dgm:effectClrLst/>
+    <dgm:txLinClrLst/>
+    <dgm:txFillClrLst meth="repeat">
+      <a:schemeClr val="dk1"/>
+    </dgm:txFillClrLst>
+    <dgm:txEffectClrLst/>
+  </dgm:styleLbl>
+  <dgm:styleLbl name="solidBgAcc1">
+    <dgm:fillClrLst meth="repeat">
+      <a:schemeClr val="lt1"/>
+    </dgm:fillClrLst>
+    <dgm:linClrLst meth="repeat">
+      <a:schemeClr val="accent1"/>
+    </dgm:linClrLst>
+    <dgm:effectClrLst/>
+    <dgm:txLinClrLst/>
+    <dgm:txFillClrLst meth="repeat">
+      <a:schemeClr val="dk1"/>
+    </dgm:txFillClrLst>
+    <dgm:txEffectClrLst/>
+  </dgm:styleLbl>
+  <dgm:styleLbl name="fgAccFollowNode1">
+    <dgm:fillClrLst meth="repeat">
+      <a:schemeClr val="accent1">
+        <a:alpha val="90000"/>
+        <a:tint val="40000"/>
+      </a:schemeClr>
+    </dgm:fillClrLst>
+    <dgm:linClrLst meth="repeat">
+      <a:schemeClr val="accent1">
+        <a:alpha val="90000"/>
+        <a:tint val="40000"/>
+      </a:schemeClr>
+    </dgm:linClrLst>
+    <dgm:effectClrLst/>
+    <dgm:txLinClrLst/>
+    <dgm:txFillClrLst meth="repeat">
+      <a:schemeClr val="dk1"/>
+    </dgm:txFillClrLst>
+    <dgm:txEffectClrLst/>
+  </dgm:styleLbl>
+  <dgm:styleLbl name="alignAccFollowNode1">
+    <dgm:fillClrLst meth="repeat">
+      <a:schemeClr val="accent1">
+        <a:alpha val="90000"/>
+        <a:tint val="40000"/>
+      </a:schemeClr>
+    </dgm:fillClrLst>
+    <dgm:linClrLst meth="repeat">
+      <a:schemeClr val="accent1">
+        <a:alpha val="90000"/>
+        <a:tint val="40000"/>
+      </a:schemeClr>
+    </dgm:linClrLst>
+    <dgm:effectClrLst/>
+    <dgm:txLinClrLst/>
+    <dgm:txFillClrLst meth="repeat">
+      <a:schemeClr val="dk1"/>
+    </dgm:txFillClrLst>
+    <dgm:txEffectClrLst/>
+  </dgm:styleLbl>
+  <dgm:styleLbl name="bgAccFollowNode1">
+    <dgm:fillClrLst meth="repeat">
+      <a:schemeClr val="accent1">
+        <a:alpha val="90000"/>
+        <a:tint val="40000"/>
+      </a:schemeClr>
+    </dgm:fillClrLst>
+    <dgm:linClrLst meth="repeat">
+      <a:schemeClr val="accent1">
+        <a:alpha val="90000"/>
+        <a:tint val="40000"/>
+      </a:schemeClr>
+    </dgm:linClrLst>
+    <dgm:effectClrLst/>
+    <dgm:txLinClrLst/>
+    <dgm:txFillClrLst meth="repeat">
+      <a:schemeClr val="dk1"/>
+    </dgm:txFillClrLst>
+    <dgm:txEffectClrLst/>
+  </dgm:styleLbl>
+  <dgm:styleLbl name="fgAcc0">
+    <dgm:fillClrLst meth="repeat">
+      <a:schemeClr val="lt1">
+        <a:alpha val="90000"/>
+      </a:schemeClr>
+    </dgm:fillClrLst>
+    <dgm:linClrLst meth="repeat">
+      <a:schemeClr val="accent1"/>
+    </dgm:linClrLst>
+    <dgm:effectClrLst/>
+    <dgm:txLinClrLst/>
+    <dgm:txFillClrLst meth="repeat">
+      <a:schemeClr val="dk1"/>
+    </dgm:txFillClrLst>
+    <dgm:txEffectClrLst/>
+  </dgm:styleLbl>
+  <dgm:styleLbl name="fgAcc2">
+    <dgm:fillClrLst meth="repeat">
+      <a:schemeClr val="lt1">
+        <a:alpha val="90000"/>
+      </a:schemeClr>
+    </dgm:fillClrLst>
+    <dgm:linClrLst meth="repeat">
+      <a:schemeClr val="accent1"/>
+    </dgm:linClrLst>
+    <dgm:effectClrLst/>
+    <dgm:txLinClrLst/>
+    <dgm:txFillClrLst meth="repeat">
+      <a:schemeClr val="dk1"/>
+    </dgm:txFillClrLst>
+    <dgm:txEffectClrLst/>
+  </dgm:styleLbl>
+  <dgm:styleLbl name="fgAcc3">
+    <dgm:fillClrLst meth="repeat">
+      <a:schemeClr val="lt1">
+        <a:alpha val="90000"/>
+      </a:schemeClr>
+    </dgm:fillClrLst>
+    <dgm:linClrLst meth="repeat">
+      <a:schemeClr val="accent1"/>
+    </dgm:linClrLst>
+    <dgm:effectClrLst/>
+    <dgm:txLinClrLst/>
+    <dgm:txFillClrLst meth="repeat">
+      <a:schemeClr val="dk1"/>
+    </dgm:txFillClrLst>
+    <dgm:txEffectClrLst/>
+  </dgm:styleLbl>
+  <dgm:styleLbl name="fgAcc4">
+    <dgm:fillClrLst meth="repeat">
+      <a:schemeClr val="lt1">
+        <a:alpha val="90000"/>
+      </a:schemeClr>
+    </dgm:fillClrLst>
+    <dgm:linClrLst meth="repeat">
+      <a:schemeClr val="accent1"/>
+    </dgm:linClrLst>
+    <dgm:effectClrLst/>
+    <dgm:txLinClrLst/>
+    <dgm:txFillClrLst meth="repeat">
+      <a:schemeClr val="dk1"/>
+    </dgm:txFillClrLst>
+    <dgm:txEffectClrLst/>
+  </dgm:styleLbl>
+  <dgm:styleLbl name="bgShp">
+    <dgm:fillClrLst meth="repeat">
+      <a:schemeClr val="accent1">
+        <a:tint val="40000"/>
+      </a:schemeClr>
+    </dgm:fillClrLst>
+    <dgm:linClrLst meth="repeat">
+      <a:schemeClr val="accent1"/>
+    </dgm:linClrLst>
+    <dgm:effectClrLst/>
+    <dgm:txLinClrLst/>
+    <dgm:txFillClrLst meth="repeat">
+      <a:schemeClr val="dk1"/>
+    </dgm:txFillClrLst>
+    <dgm:txEffectClrLst/>
+  </dgm:styleLbl>
+  <dgm:styleLbl name="dkBgShp">
+    <dgm:fillClrLst meth="repeat">
+      <a:schemeClr val="accent1">
+        <a:shade val="80000"/>
+      </a:schemeClr>
+    </dgm:fillClrLst>
+    <dgm:linClrLst meth="repeat">
+      <a:schemeClr val="accent1"/>
+    </dgm:linClrLst>
+    <dgm:effectClrLst/>
+    <dgm:txLinClrLst/>
+    <dgm:txFillClrLst meth="repeat">
+      <a:schemeClr val="lt1"/>
+    </dgm:txFillClrLst>
+    <dgm:txEffectClrLst/>
+  </dgm:styleLbl>
+  <dgm:styleLbl name="trBgShp">
+    <dgm:fillClrLst meth="repeat">
+      <a:schemeClr val="accent1">
+        <a:tint val="50000"/>
+        <a:alpha val="40000"/>
+      </a:schemeClr>
+    </dgm:fillClrLst>
+    <dgm:linClrLst meth="repeat">
+      <a:schemeClr val="accent1"/>
+    </dgm:linClrLst>
+    <dgm:effectClrLst/>
+    <dgm:txLinClrLst/>
+    <dgm:txFillClrLst meth="repeat">
+      <a:schemeClr val="lt1"/>
+    </dgm:txFillClrLst>
+    <dgm:txEffectClrLst/>
+  </dgm:styleLbl>
+  <dgm:styleLbl name="fgShp">
+    <dgm:fillClrLst meth="repeat">
+      <a:schemeClr val="accent1">
+        <a:tint val="60000"/>
+      </a:schemeClr>
+    </dgm:fillClrLst>
+    <dgm:linClrLst meth="repeat">
+      <a:schemeClr val="lt1"/>
+    </dgm:linClrLst>
+    <dgm:effectClrLst/>
+    <dgm:txLinClrLst/>
+    <dgm:txFillClrLst meth="repeat">
+      <a:schemeClr val="dk1"/>
+    </dgm:txFillClrLst>
+    <dgm:txEffectClrLst/>
+  </dgm:styleLbl>
+  <dgm:styleLbl name="revTx">
+    <dgm:fillClrLst meth="repeat">
+      <a:schemeClr val="lt1">
+        <a:alpha val="0"/>
+      </a:schemeClr>
+    </dgm:fillClrLst>
+    <dgm:linClrLst meth="repeat">
+      <a:schemeClr val="dk1">
+        <a:alpha val="0"/>
+      </a:schemeClr>
+    </dgm:linClrLst>
+    <dgm:effectClrLst/>
+    <dgm:txLinClrLst/>
+    <dgm:txFillClrLst meth="repeat">
+      <a:schemeClr val="tx1"/>
+    </dgm:txFillClrLst>
+    <dgm:txEffectClrLst/>
+  </dgm:styleLbl>
+</dgm:colorsDef>
+</file>
+
+<file path=ppt/diagrams/colors2.xml><?xml version="1.0" encoding="utf-8"?>
 <dgm:colorsDef xmlns:dgm="http://schemas.openxmlformats.org/drawingml/2006/diagram" xmlns:a="http://schemas.openxmlformats.org/drawingml/2006/main" uniqueId="urn:microsoft.com/office/officeart/2005/8/colors/accent1_2">
   <dgm:title val=""/>
   <dgm:desc val=""/>
@@ -1242,6 +2006,356 @@
     <dgm:cxn modelId="{7F7C04EF-6366-439B-8942-0DA584971BD9}" type="presParOf" srcId="{FD255371-02E5-445A-8A34-C4FF89577BC1}" destId="{950B870A-2726-4CE4-A750-4503D71E4ADF}" srcOrd="7" destOrd="0" presId="urn:microsoft.com/office/officeart/2005/8/layout/StepDownProcess"/>
     <dgm:cxn modelId="{41E30417-D633-4E49-BA67-DA2CFFC6752D}" type="presParOf" srcId="{FD255371-02E5-445A-8A34-C4FF89577BC1}" destId="{50C76275-1C7F-4960-B444-73444F930744}" srcOrd="8" destOrd="0" presId="urn:microsoft.com/office/officeart/2005/8/layout/StepDownProcess"/>
     <dgm:cxn modelId="{315E6067-C783-4F68-A822-68B54F6EE291}" type="presParOf" srcId="{50C76275-1C7F-4960-B444-73444F930744}" destId="{92F6390E-AFE3-45A5-BCD5-DE88F22EF26A}" srcOrd="0" destOrd="0" presId="urn:microsoft.com/office/officeart/2005/8/layout/StepDownProcess"/>
+  </dgm:cxnLst>
+  <dgm:bg/>
+  <dgm:whole/>
+  <dgm:extLst>
+    <a:ext uri="http://schemas.microsoft.com/office/drawing/2008/diagram">
+      <dsp:dataModelExt xmlns:dsp="http://schemas.microsoft.com/office/drawing/2008/diagram" relId="rId6" minVer="http://schemas.openxmlformats.org/drawingml/2006/diagram"/>
+    </a:ext>
+  </dgm:extLst>
+</dgm:dataModel>
+</file>
+
+<file path=ppt/diagrams/data2.xml><?xml version="1.0" encoding="utf-8"?>
+<dgm:dataModel xmlns:dgm="http://schemas.openxmlformats.org/drawingml/2006/diagram" xmlns:a="http://schemas.openxmlformats.org/drawingml/2006/main">
+  <dgm:ptLst>
+    <dgm:pt modelId="{690E374C-9ED1-4CC6-B513-B387F5BE0CB7}" type="doc">
+      <dgm:prSet loTypeId="urn:microsoft.com/office/officeart/2005/8/layout/vList2" loCatId="list" qsTypeId="urn:microsoft.com/office/officeart/2005/8/quickstyle/simple1" qsCatId="simple" csTypeId="urn:microsoft.com/office/officeart/2005/8/colors/accent1_2" csCatId="accent1"/>
+      <dgm:spPr/>
+      <dgm:t>
+        <a:bodyPr/>
+        <a:lstStyle/>
+        <a:p>
+          <a:endParaRPr lang="en-US"/>
+        </a:p>
+      </dgm:t>
+    </dgm:pt>
+    <dgm:pt modelId="{3EA89635-C6FF-4C95-8281-9F2E60AF491F}">
+      <dgm:prSet/>
+      <dgm:spPr/>
+      <dgm:t>
+        <a:bodyPr/>
+        <a:lstStyle/>
+        <a:p>
+          <a:r>
+            <a:rPr lang="en-US"/>
+            <a:t>Account creation</a:t>
+          </a:r>
+        </a:p>
+      </dgm:t>
+    </dgm:pt>
+    <dgm:pt modelId="{F33960D5-0B72-46D2-BE19-40EDFC2D99A8}" type="parTrans" cxnId="{518C895F-1407-4CC1-9346-0B484728F247}">
+      <dgm:prSet/>
+      <dgm:spPr/>
+      <dgm:t>
+        <a:bodyPr/>
+        <a:lstStyle/>
+        <a:p>
+          <a:endParaRPr lang="en-US"/>
+        </a:p>
+      </dgm:t>
+    </dgm:pt>
+    <dgm:pt modelId="{B84F4331-33B6-4AA0-BDDB-65F1F29714C1}" type="sibTrans" cxnId="{518C895F-1407-4CC1-9346-0B484728F247}">
+      <dgm:prSet/>
+      <dgm:spPr/>
+      <dgm:t>
+        <a:bodyPr/>
+        <a:lstStyle/>
+        <a:p>
+          <a:endParaRPr lang="en-US"/>
+        </a:p>
+      </dgm:t>
+    </dgm:pt>
+    <dgm:pt modelId="{E6C311C8-85C7-40DC-9EB1-98803040AABE}">
+      <dgm:prSet/>
+      <dgm:spPr/>
+      <dgm:t>
+        <a:bodyPr/>
+        <a:lstStyle/>
+        <a:p>
+          <a:r>
+            <a:rPr lang="en-US" dirty="0"/>
+            <a:t>Customer Login Window</a:t>
+          </a:r>
+        </a:p>
+      </dgm:t>
+    </dgm:pt>
+    <dgm:pt modelId="{F0EB5BF2-FAE4-4FFA-92FE-2F99BAB2E28D}" type="parTrans" cxnId="{A30CB22F-311A-4113-B212-266C7C879A91}">
+      <dgm:prSet/>
+      <dgm:spPr/>
+      <dgm:t>
+        <a:bodyPr/>
+        <a:lstStyle/>
+        <a:p>
+          <a:endParaRPr lang="en-US"/>
+        </a:p>
+      </dgm:t>
+    </dgm:pt>
+    <dgm:pt modelId="{412C6629-4594-481E-AF42-58F1B453986E}" type="sibTrans" cxnId="{A30CB22F-311A-4113-B212-266C7C879A91}">
+      <dgm:prSet/>
+      <dgm:spPr/>
+      <dgm:t>
+        <a:bodyPr/>
+        <a:lstStyle/>
+        <a:p>
+          <a:endParaRPr lang="en-US"/>
+        </a:p>
+      </dgm:t>
+    </dgm:pt>
+    <dgm:pt modelId="{BBA8DCEA-F92D-4A86-9FD8-4CC44512E329}">
+      <dgm:prSet/>
+      <dgm:spPr/>
+      <dgm:t>
+        <a:bodyPr/>
+        <a:lstStyle/>
+        <a:p>
+          <a:r>
+            <a:rPr lang="en-US"/>
+            <a:t>Welcome Menu</a:t>
+          </a:r>
+        </a:p>
+      </dgm:t>
+    </dgm:pt>
+    <dgm:pt modelId="{C865DF6B-4D5B-4E25-8251-5FB2B733DF30}" type="parTrans" cxnId="{927568F7-54D3-4193-A0A5-022AEBDF516B}">
+      <dgm:prSet/>
+      <dgm:spPr/>
+      <dgm:t>
+        <a:bodyPr/>
+        <a:lstStyle/>
+        <a:p>
+          <a:endParaRPr lang="en-US"/>
+        </a:p>
+      </dgm:t>
+    </dgm:pt>
+    <dgm:pt modelId="{20F1CF83-F636-4A9F-A83A-8B1B8A9ABE82}" type="sibTrans" cxnId="{927568F7-54D3-4193-A0A5-022AEBDF516B}">
+      <dgm:prSet/>
+      <dgm:spPr/>
+      <dgm:t>
+        <a:bodyPr/>
+        <a:lstStyle/>
+        <a:p>
+          <a:endParaRPr lang="en-US"/>
+        </a:p>
+      </dgm:t>
+    </dgm:pt>
+    <dgm:pt modelId="{B2450218-E61F-4C9F-90B8-66329A89288E}">
+      <dgm:prSet/>
+      <dgm:spPr/>
+      <dgm:t>
+        <a:bodyPr/>
+        <a:lstStyle/>
+        <a:p>
+          <a:r>
+            <a:rPr lang="en-US"/>
+            <a:t>Deposit Service</a:t>
+          </a:r>
+        </a:p>
+      </dgm:t>
+    </dgm:pt>
+    <dgm:pt modelId="{E8DB1BDA-0329-460D-BCFD-54B1399616C5}" type="parTrans" cxnId="{86765A1B-E070-4C92-B5DC-D689AD0B8EB7}">
+      <dgm:prSet/>
+      <dgm:spPr/>
+      <dgm:t>
+        <a:bodyPr/>
+        <a:lstStyle/>
+        <a:p>
+          <a:endParaRPr lang="en-US"/>
+        </a:p>
+      </dgm:t>
+    </dgm:pt>
+    <dgm:pt modelId="{3CFDA904-4B37-4873-8AE5-57058FC7AA9A}" type="sibTrans" cxnId="{86765A1B-E070-4C92-B5DC-D689AD0B8EB7}">
+      <dgm:prSet/>
+      <dgm:spPr/>
+      <dgm:t>
+        <a:bodyPr/>
+        <a:lstStyle/>
+        <a:p>
+          <a:endParaRPr lang="en-US"/>
+        </a:p>
+      </dgm:t>
+    </dgm:pt>
+    <dgm:pt modelId="{3496455B-BD6C-4E50-96E0-AD5E51F8B310}">
+      <dgm:prSet/>
+      <dgm:spPr/>
+      <dgm:t>
+        <a:bodyPr/>
+        <a:lstStyle/>
+        <a:p>
+          <a:r>
+            <a:rPr lang="en-US"/>
+            <a:t>Withdraw Service</a:t>
+          </a:r>
+        </a:p>
+      </dgm:t>
+    </dgm:pt>
+    <dgm:pt modelId="{4BA65292-AEF5-4ACC-934C-4AB79EC675FD}" type="parTrans" cxnId="{AEF86ECB-E382-4892-83B1-1DED4F165821}">
+      <dgm:prSet/>
+      <dgm:spPr/>
+      <dgm:t>
+        <a:bodyPr/>
+        <a:lstStyle/>
+        <a:p>
+          <a:endParaRPr lang="en-US"/>
+        </a:p>
+      </dgm:t>
+    </dgm:pt>
+    <dgm:pt modelId="{1522CB92-C5F4-41EF-977E-00FA076F6FD8}" type="sibTrans" cxnId="{AEF86ECB-E382-4892-83B1-1DED4F165821}">
+      <dgm:prSet/>
+      <dgm:spPr/>
+      <dgm:t>
+        <a:bodyPr/>
+        <a:lstStyle/>
+        <a:p>
+          <a:endParaRPr lang="en-US"/>
+        </a:p>
+      </dgm:t>
+    </dgm:pt>
+    <dgm:pt modelId="{92A66347-CBC6-4A6E-8E0A-32C855921FC1}">
+      <dgm:prSet/>
+      <dgm:spPr/>
+      <dgm:t>
+        <a:bodyPr/>
+        <a:lstStyle/>
+        <a:p>
+          <a:r>
+            <a:rPr lang="en-US"/>
+            <a:t>View Transaction History</a:t>
+          </a:r>
+        </a:p>
+      </dgm:t>
+    </dgm:pt>
+    <dgm:pt modelId="{560382CF-D485-43D9-9104-6B004B233781}" type="parTrans" cxnId="{46568628-ECE8-43D7-926D-C50B916B3393}">
+      <dgm:prSet/>
+      <dgm:spPr/>
+      <dgm:t>
+        <a:bodyPr/>
+        <a:lstStyle/>
+        <a:p>
+          <a:endParaRPr lang="en-US"/>
+        </a:p>
+      </dgm:t>
+    </dgm:pt>
+    <dgm:pt modelId="{0A2C5CFC-B0FF-4A47-BF2A-9A45E6FD4356}" type="sibTrans" cxnId="{46568628-ECE8-43D7-926D-C50B916B3393}">
+      <dgm:prSet/>
+      <dgm:spPr/>
+      <dgm:t>
+        <a:bodyPr/>
+        <a:lstStyle/>
+        <a:p>
+          <a:endParaRPr lang="en-US"/>
+        </a:p>
+      </dgm:t>
+    </dgm:pt>
+    <dgm:pt modelId="{524AEB45-6B45-460A-9906-FBDACBE998D7}" type="pres">
+      <dgm:prSet presAssocID="{690E374C-9ED1-4CC6-B513-B387F5BE0CB7}" presName="linear" presStyleCnt="0">
+        <dgm:presLayoutVars>
+          <dgm:animLvl val="lvl"/>
+          <dgm:resizeHandles val="exact"/>
+        </dgm:presLayoutVars>
+      </dgm:prSet>
+      <dgm:spPr/>
+    </dgm:pt>
+    <dgm:pt modelId="{55AE5719-C776-4E54-897D-5C3404268AE9}" type="pres">
+      <dgm:prSet presAssocID="{3EA89635-C6FF-4C95-8281-9F2E60AF491F}" presName="parentText" presStyleLbl="node1" presStyleIdx="0" presStyleCnt="6">
+        <dgm:presLayoutVars>
+          <dgm:chMax val="0"/>
+          <dgm:bulletEnabled val="1"/>
+        </dgm:presLayoutVars>
+      </dgm:prSet>
+      <dgm:spPr/>
+    </dgm:pt>
+    <dgm:pt modelId="{FC1E4CE1-A05A-46FA-A743-0F1547CEAA52}" type="pres">
+      <dgm:prSet presAssocID="{B84F4331-33B6-4AA0-BDDB-65F1F29714C1}" presName="spacer" presStyleCnt="0"/>
+      <dgm:spPr/>
+    </dgm:pt>
+    <dgm:pt modelId="{655B9150-7FCE-4DA8-88EE-1305DC88FA45}" type="pres">
+      <dgm:prSet presAssocID="{E6C311C8-85C7-40DC-9EB1-98803040AABE}" presName="parentText" presStyleLbl="node1" presStyleIdx="1" presStyleCnt="6">
+        <dgm:presLayoutVars>
+          <dgm:chMax val="0"/>
+          <dgm:bulletEnabled val="1"/>
+        </dgm:presLayoutVars>
+      </dgm:prSet>
+      <dgm:spPr/>
+    </dgm:pt>
+    <dgm:pt modelId="{A526E56D-8B93-46E9-B169-9CC43AA76A75}" type="pres">
+      <dgm:prSet presAssocID="{412C6629-4594-481E-AF42-58F1B453986E}" presName="spacer" presStyleCnt="0"/>
+      <dgm:spPr/>
+    </dgm:pt>
+    <dgm:pt modelId="{7964D6D3-55CE-4752-B535-6B5809C9C43C}" type="pres">
+      <dgm:prSet presAssocID="{BBA8DCEA-F92D-4A86-9FD8-4CC44512E329}" presName="parentText" presStyleLbl="node1" presStyleIdx="2" presStyleCnt="6">
+        <dgm:presLayoutVars>
+          <dgm:chMax val="0"/>
+          <dgm:bulletEnabled val="1"/>
+        </dgm:presLayoutVars>
+      </dgm:prSet>
+      <dgm:spPr/>
+    </dgm:pt>
+    <dgm:pt modelId="{2F80E978-0189-4C18-8202-C611E02196F9}" type="pres">
+      <dgm:prSet presAssocID="{20F1CF83-F636-4A9F-A83A-8B1B8A9ABE82}" presName="spacer" presStyleCnt="0"/>
+      <dgm:spPr/>
+    </dgm:pt>
+    <dgm:pt modelId="{E2D06BB7-D208-4652-99AA-2E6CB8CFEA2D}" type="pres">
+      <dgm:prSet presAssocID="{B2450218-E61F-4C9F-90B8-66329A89288E}" presName="parentText" presStyleLbl="node1" presStyleIdx="3" presStyleCnt="6">
+        <dgm:presLayoutVars>
+          <dgm:chMax val="0"/>
+          <dgm:bulletEnabled val="1"/>
+        </dgm:presLayoutVars>
+      </dgm:prSet>
+      <dgm:spPr/>
+    </dgm:pt>
+    <dgm:pt modelId="{E94229EF-AEEC-4E36-8410-F242E06DE272}" type="pres">
+      <dgm:prSet presAssocID="{3CFDA904-4B37-4873-8AE5-57058FC7AA9A}" presName="spacer" presStyleCnt="0"/>
+      <dgm:spPr/>
+    </dgm:pt>
+    <dgm:pt modelId="{22984FF8-B374-4AC9-9CC7-87E431EC93EC}" type="pres">
+      <dgm:prSet presAssocID="{3496455B-BD6C-4E50-96E0-AD5E51F8B310}" presName="parentText" presStyleLbl="node1" presStyleIdx="4" presStyleCnt="6">
+        <dgm:presLayoutVars>
+          <dgm:chMax val="0"/>
+          <dgm:bulletEnabled val="1"/>
+        </dgm:presLayoutVars>
+      </dgm:prSet>
+      <dgm:spPr/>
+    </dgm:pt>
+    <dgm:pt modelId="{D438DC38-8F2A-4FE4-B0E0-2FE38DF0E9EA}" type="pres">
+      <dgm:prSet presAssocID="{1522CB92-C5F4-41EF-977E-00FA076F6FD8}" presName="spacer" presStyleCnt="0"/>
+      <dgm:spPr/>
+    </dgm:pt>
+    <dgm:pt modelId="{B28E491A-7ECA-46C7-9794-031D91D839B3}" type="pres">
+      <dgm:prSet presAssocID="{92A66347-CBC6-4A6E-8E0A-32C855921FC1}" presName="parentText" presStyleLbl="node1" presStyleIdx="5" presStyleCnt="6">
+        <dgm:presLayoutVars>
+          <dgm:chMax val="0"/>
+          <dgm:bulletEnabled val="1"/>
+        </dgm:presLayoutVars>
+      </dgm:prSet>
+      <dgm:spPr/>
+    </dgm:pt>
+  </dgm:ptLst>
+  <dgm:cxnLst>
+    <dgm:cxn modelId="{6D890B0D-BCF8-4EB2-8187-F23B132B8CC0}" type="presOf" srcId="{BBA8DCEA-F92D-4A86-9FD8-4CC44512E329}" destId="{7964D6D3-55CE-4752-B535-6B5809C9C43C}" srcOrd="0" destOrd="0" presId="urn:microsoft.com/office/officeart/2005/8/layout/vList2"/>
+    <dgm:cxn modelId="{86765A1B-E070-4C92-B5DC-D689AD0B8EB7}" srcId="{690E374C-9ED1-4CC6-B513-B387F5BE0CB7}" destId="{B2450218-E61F-4C9F-90B8-66329A89288E}" srcOrd="3" destOrd="0" parTransId="{E8DB1BDA-0329-460D-BCFD-54B1399616C5}" sibTransId="{3CFDA904-4B37-4873-8AE5-57058FC7AA9A}"/>
+    <dgm:cxn modelId="{0ECEEA23-008B-4BDB-A00C-AF6112259FC3}" type="presOf" srcId="{92A66347-CBC6-4A6E-8E0A-32C855921FC1}" destId="{B28E491A-7ECA-46C7-9794-031D91D839B3}" srcOrd="0" destOrd="0" presId="urn:microsoft.com/office/officeart/2005/8/layout/vList2"/>
+    <dgm:cxn modelId="{46568628-ECE8-43D7-926D-C50B916B3393}" srcId="{690E374C-9ED1-4CC6-B513-B387F5BE0CB7}" destId="{92A66347-CBC6-4A6E-8E0A-32C855921FC1}" srcOrd="5" destOrd="0" parTransId="{560382CF-D485-43D9-9104-6B004B233781}" sibTransId="{0A2C5CFC-B0FF-4A47-BF2A-9A45E6FD4356}"/>
+    <dgm:cxn modelId="{A30CB22F-311A-4113-B212-266C7C879A91}" srcId="{690E374C-9ED1-4CC6-B513-B387F5BE0CB7}" destId="{E6C311C8-85C7-40DC-9EB1-98803040AABE}" srcOrd="1" destOrd="0" parTransId="{F0EB5BF2-FAE4-4FFA-92FE-2F99BAB2E28D}" sibTransId="{412C6629-4594-481E-AF42-58F1B453986E}"/>
+    <dgm:cxn modelId="{FCD8485E-8EE1-4986-8BE6-AFEAB66D98B4}" type="presOf" srcId="{3496455B-BD6C-4E50-96E0-AD5E51F8B310}" destId="{22984FF8-B374-4AC9-9CC7-87E431EC93EC}" srcOrd="0" destOrd="0" presId="urn:microsoft.com/office/officeart/2005/8/layout/vList2"/>
+    <dgm:cxn modelId="{518C895F-1407-4CC1-9346-0B484728F247}" srcId="{690E374C-9ED1-4CC6-B513-B387F5BE0CB7}" destId="{3EA89635-C6FF-4C95-8281-9F2E60AF491F}" srcOrd="0" destOrd="0" parTransId="{F33960D5-0B72-46D2-BE19-40EDFC2D99A8}" sibTransId="{B84F4331-33B6-4AA0-BDDB-65F1F29714C1}"/>
+    <dgm:cxn modelId="{A449974F-3AEE-474A-AB5A-05899052F65E}" type="presOf" srcId="{B2450218-E61F-4C9F-90B8-66329A89288E}" destId="{E2D06BB7-D208-4652-99AA-2E6CB8CFEA2D}" srcOrd="0" destOrd="0" presId="urn:microsoft.com/office/officeart/2005/8/layout/vList2"/>
+    <dgm:cxn modelId="{FDC0C77A-BA22-4F58-A0CA-650050EE624E}" type="presOf" srcId="{E6C311C8-85C7-40DC-9EB1-98803040AABE}" destId="{655B9150-7FCE-4DA8-88EE-1305DC88FA45}" srcOrd="0" destOrd="0" presId="urn:microsoft.com/office/officeart/2005/8/layout/vList2"/>
+    <dgm:cxn modelId="{AEF86ECB-E382-4892-83B1-1DED4F165821}" srcId="{690E374C-9ED1-4CC6-B513-B387F5BE0CB7}" destId="{3496455B-BD6C-4E50-96E0-AD5E51F8B310}" srcOrd="4" destOrd="0" parTransId="{4BA65292-AEF5-4ACC-934C-4AB79EC675FD}" sibTransId="{1522CB92-C5F4-41EF-977E-00FA076F6FD8}"/>
+    <dgm:cxn modelId="{67C5F3DE-E1B3-4EAF-A164-2D57CA32882C}" type="presOf" srcId="{690E374C-9ED1-4CC6-B513-B387F5BE0CB7}" destId="{524AEB45-6B45-460A-9906-FBDACBE998D7}" srcOrd="0" destOrd="0" presId="urn:microsoft.com/office/officeart/2005/8/layout/vList2"/>
+    <dgm:cxn modelId="{927568F7-54D3-4193-A0A5-022AEBDF516B}" srcId="{690E374C-9ED1-4CC6-B513-B387F5BE0CB7}" destId="{BBA8DCEA-F92D-4A86-9FD8-4CC44512E329}" srcOrd="2" destOrd="0" parTransId="{C865DF6B-4D5B-4E25-8251-5FB2B733DF30}" sibTransId="{20F1CF83-F636-4A9F-A83A-8B1B8A9ABE82}"/>
+    <dgm:cxn modelId="{1B2D48FA-CCAC-42AC-B01F-B263C6CC0629}" type="presOf" srcId="{3EA89635-C6FF-4C95-8281-9F2E60AF491F}" destId="{55AE5719-C776-4E54-897D-5C3404268AE9}" srcOrd="0" destOrd="0" presId="urn:microsoft.com/office/officeart/2005/8/layout/vList2"/>
+    <dgm:cxn modelId="{0C9A1D16-4FD7-4983-BEA8-4DE1BCA76666}" type="presParOf" srcId="{524AEB45-6B45-460A-9906-FBDACBE998D7}" destId="{55AE5719-C776-4E54-897D-5C3404268AE9}" srcOrd="0" destOrd="0" presId="urn:microsoft.com/office/officeart/2005/8/layout/vList2"/>
+    <dgm:cxn modelId="{304B7CD6-8359-4F71-BCC3-40A7E71170A9}" type="presParOf" srcId="{524AEB45-6B45-460A-9906-FBDACBE998D7}" destId="{FC1E4CE1-A05A-46FA-A743-0F1547CEAA52}" srcOrd="1" destOrd="0" presId="urn:microsoft.com/office/officeart/2005/8/layout/vList2"/>
+    <dgm:cxn modelId="{D00DDA00-7531-43C5-A975-EA76056B23FA}" type="presParOf" srcId="{524AEB45-6B45-460A-9906-FBDACBE998D7}" destId="{655B9150-7FCE-4DA8-88EE-1305DC88FA45}" srcOrd="2" destOrd="0" presId="urn:microsoft.com/office/officeart/2005/8/layout/vList2"/>
+    <dgm:cxn modelId="{63BA3E9C-44EE-4657-B350-A56DE430E7C5}" type="presParOf" srcId="{524AEB45-6B45-460A-9906-FBDACBE998D7}" destId="{A526E56D-8B93-46E9-B169-9CC43AA76A75}" srcOrd="3" destOrd="0" presId="urn:microsoft.com/office/officeart/2005/8/layout/vList2"/>
+    <dgm:cxn modelId="{BDE1C914-7F84-480B-B7D8-F792A659FC4F}" type="presParOf" srcId="{524AEB45-6B45-460A-9906-FBDACBE998D7}" destId="{7964D6D3-55CE-4752-B535-6B5809C9C43C}" srcOrd="4" destOrd="0" presId="urn:microsoft.com/office/officeart/2005/8/layout/vList2"/>
+    <dgm:cxn modelId="{FE253E9A-174E-4B0A-AE04-931875853474}" type="presParOf" srcId="{524AEB45-6B45-460A-9906-FBDACBE998D7}" destId="{2F80E978-0189-4C18-8202-C611E02196F9}" srcOrd="5" destOrd="0" presId="urn:microsoft.com/office/officeart/2005/8/layout/vList2"/>
+    <dgm:cxn modelId="{EB94EEA3-AFF9-429A-AC38-CD774D2BA9EB}" type="presParOf" srcId="{524AEB45-6B45-460A-9906-FBDACBE998D7}" destId="{E2D06BB7-D208-4652-99AA-2E6CB8CFEA2D}" srcOrd="6" destOrd="0" presId="urn:microsoft.com/office/officeart/2005/8/layout/vList2"/>
+    <dgm:cxn modelId="{C99392EC-AA88-425C-AEFC-95B07D05FE77}" type="presParOf" srcId="{524AEB45-6B45-460A-9906-FBDACBE998D7}" destId="{E94229EF-AEEC-4E36-8410-F242E06DE272}" srcOrd="7" destOrd="0" presId="urn:microsoft.com/office/officeart/2005/8/layout/vList2"/>
+    <dgm:cxn modelId="{DA881807-9FC2-4A0D-8A14-FE021692D4B2}" type="presParOf" srcId="{524AEB45-6B45-460A-9906-FBDACBE998D7}" destId="{22984FF8-B374-4AC9-9CC7-87E431EC93EC}" srcOrd="8" destOrd="0" presId="urn:microsoft.com/office/officeart/2005/8/layout/vList2"/>
+    <dgm:cxn modelId="{7E90D7C5-8003-4BA7-AB3A-CE463A7EC76C}" type="presParOf" srcId="{524AEB45-6B45-460A-9906-FBDACBE998D7}" destId="{D438DC38-8F2A-4FE4-B0E0-2FE38DF0E9EA}" srcOrd="9" destOrd="0" presId="urn:microsoft.com/office/officeart/2005/8/layout/vList2"/>
+    <dgm:cxn modelId="{D0D128C1-92BD-406D-B8B4-85B47E18037B}" type="presParOf" srcId="{524AEB45-6B45-460A-9906-FBDACBE998D7}" destId="{B28E491A-7ECA-46C7-9794-031D91D839B3}" srcOrd="10" destOrd="0" presId="urn:microsoft.com/office/officeart/2005/8/layout/vList2"/>
   </dgm:cxnLst>
   <dgm:bg/>
   <dgm:whole/>
@@ -1996,6 +3110,480 @@
 </dsp:drawing>
 </file>
 
+<file path=ppt/diagrams/drawing2.xml><?xml version="1.0" encoding="utf-8"?>
+<dsp:drawing xmlns:dgm="http://schemas.openxmlformats.org/drawingml/2006/diagram" xmlns:dsp="http://schemas.microsoft.com/office/drawing/2008/diagram" xmlns:a="http://schemas.openxmlformats.org/drawingml/2006/main">
+  <dsp:spTree>
+    <dsp:nvGrpSpPr>
+      <dsp:cNvPr id="0" name=""/>
+      <dsp:cNvGrpSpPr/>
+    </dsp:nvGrpSpPr>
+    <dsp:grpSpPr/>
+    <dsp:sp modelId="{55AE5719-C776-4E54-897D-5C3404268AE9}">
+      <dsp:nvSpPr>
+        <dsp:cNvPr id="0" name=""/>
+        <dsp:cNvSpPr/>
+      </dsp:nvSpPr>
+      <dsp:spPr>
+        <a:xfrm>
+          <a:off x="0" y="56809"/>
+          <a:ext cx="6444343" cy="575639"/>
+        </a:xfrm>
+        <a:prstGeom prst="roundRect">
+          <a:avLst/>
+        </a:prstGeom>
+        <a:solidFill>
+          <a:schemeClr val="accent1">
+            <a:hueOff val="0"/>
+            <a:satOff val="0"/>
+            <a:lumOff val="0"/>
+            <a:alphaOff val="0"/>
+          </a:schemeClr>
+        </a:solidFill>
+        <a:ln w="15875" cap="rnd" cmpd="sng" algn="ctr">
+          <a:solidFill>
+            <a:schemeClr val="lt1">
+              <a:hueOff val="0"/>
+              <a:satOff val="0"/>
+              <a:lumOff val="0"/>
+              <a:alphaOff val="0"/>
+            </a:schemeClr>
+          </a:solidFill>
+          <a:prstDash val="solid"/>
+        </a:ln>
+        <a:effectLst/>
+      </dsp:spPr>
+      <dsp:style>
+        <a:lnRef idx="2">
+          <a:scrgbClr r="0" g="0" b="0"/>
+        </a:lnRef>
+        <a:fillRef idx="1">
+          <a:scrgbClr r="0" g="0" b="0"/>
+        </a:fillRef>
+        <a:effectRef idx="0">
+          <a:scrgbClr r="0" g="0" b="0"/>
+        </a:effectRef>
+        <a:fontRef idx="minor">
+          <a:schemeClr val="lt1"/>
+        </a:fontRef>
+      </dsp:style>
+      <dsp:txBody>
+        <a:bodyPr spcFirstLastPara="0" vert="horz" wrap="square" lIns="91440" tIns="91440" rIns="91440" bIns="91440" numCol="1" spcCol="1270" anchor="ctr" anchorCtr="0">
+          <a:noAutofit/>
+        </a:bodyPr>
+        <a:lstStyle/>
+        <a:p>
+          <a:pPr marL="0" lvl="0" indent="0" algn="l" defTabSz="1066800">
+            <a:lnSpc>
+              <a:spcPct val="90000"/>
+            </a:lnSpc>
+            <a:spcBef>
+              <a:spcPct val="0"/>
+            </a:spcBef>
+            <a:spcAft>
+              <a:spcPct val="35000"/>
+            </a:spcAft>
+            <a:buNone/>
+          </a:pPr>
+          <a:r>
+            <a:rPr lang="en-US" sz="2400" kern="1200"/>
+            <a:t>Account creation</a:t>
+          </a:r>
+        </a:p>
+      </dsp:txBody>
+      <dsp:txXfrm>
+        <a:off x="28100" y="84909"/>
+        <a:ext cx="6388143" cy="519439"/>
+      </dsp:txXfrm>
+    </dsp:sp>
+    <dsp:sp modelId="{655B9150-7FCE-4DA8-88EE-1305DC88FA45}">
+      <dsp:nvSpPr>
+        <dsp:cNvPr id="0" name=""/>
+        <dsp:cNvSpPr/>
+      </dsp:nvSpPr>
+      <dsp:spPr>
+        <a:xfrm>
+          <a:off x="0" y="701569"/>
+          <a:ext cx="6444343" cy="575639"/>
+        </a:xfrm>
+        <a:prstGeom prst="roundRect">
+          <a:avLst/>
+        </a:prstGeom>
+        <a:solidFill>
+          <a:schemeClr val="accent1">
+            <a:hueOff val="0"/>
+            <a:satOff val="0"/>
+            <a:lumOff val="0"/>
+            <a:alphaOff val="0"/>
+          </a:schemeClr>
+        </a:solidFill>
+        <a:ln w="15875" cap="rnd" cmpd="sng" algn="ctr">
+          <a:solidFill>
+            <a:schemeClr val="lt1">
+              <a:hueOff val="0"/>
+              <a:satOff val="0"/>
+              <a:lumOff val="0"/>
+              <a:alphaOff val="0"/>
+            </a:schemeClr>
+          </a:solidFill>
+          <a:prstDash val="solid"/>
+        </a:ln>
+        <a:effectLst/>
+      </dsp:spPr>
+      <dsp:style>
+        <a:lnRef idx="2">
+          <a:scrgbClr r="0" g="0" b="0"/>
+        </a:lnRef>
+        <a:fillRef idx="1">
+          <a:scrgbClr r="0" g="0" b="0"/>
+        </a:fillRef>
+        <a:effectRef idx="0">
+          <a:scrgbClr r="0" g="0" b="0"/>
+        </a:effectRef>
+        <a:fontRef idx="minor">
+          <a:schemeClr val="lt1"/>
+        </a:fontRef>
+      </dsp:style>
+      <dsp:txBody>
+        <a:bodyPr spcFirstLastPara="0" vert="horz" wrap="square" lIns="91440" tIns="91440" rIns="91440" bIns="91440" numCol="1" spcCol="1270" anchor="ctr" anchorCtr="0">
+          <a:noAutofit/>
+        </a:bodyPr>
+        <a:lstStyle/>
+        <a:p>
+          <a:pPr marL="0" lvl="0" indent="0" algn="l" defTabSz="1066800">
+            <a:lnSpc>
+              <a:spcPct val="90000"/>
+            </a:lnSpc>
+            <a:spcBef>
+              <a:spcPct val="0"/>
+            </a:spcBef>
+            <a:spcAft>
+              <a:spcPct val="35000"/>
+            </a:spcAft>
+            <a:buNone/>
+          </a:pPr>
+          <a:r>
+            <a:rPr lang="en-US" sz="2400" kern="1200" dirty="0"/>
+            <a:t>Customer Login Window</a:t>
+          </a:r>
+        </a:p>
+      </dsp:txBody>
+      <dsp:txXfrm>
+        <a:off x="28100" y="729669"/>
+        <a:ext cx="6388143" cy="519439"/>
+      </dsp:txXfrm>
+    </dsp:sp>
+    <dsp:sp modelId="{7964D6D3-55CE-4752-B535-6B5809C9C43C}">
+      <dsp:nvSpPr>
+        <dsp:cNvPr id="0" name=""/>
+        <dsp:cNvSpPr/>
+      </dsp:nvSpPr>
+      <dsp:spPr>
+        <a:xfrm>
+          <a:off x="0" y="1346329"/>
+          <a:ext cx="6444343" cy="575639"/>
+        </a:xfrm>
+        <a:prstGeom prst="roundRect">
+          <a:avLst/>
+        </a:prstGeom>
+        <a:solidFill>
+          <a:schemeClr val="accent1">
+            <a:hueOff val="0"/>
+            <a:satOff val="0"/>
+            <a:lumOff val="0"/>
+            <a:alphaOff val="0"/>
+          </a:schemeClr>
+        </a:solidFill>
+        <a:ln w="15875" cap="rnd" cmpd="sng" algn="ctr">
+          <a:solidFill>
+            <a:schemeClr val="lt1">
+              <a:hueOff val="0"/>
+              <a:satOff val="0"/>
+              <a:lumOff val="0"/>
+              <a:alphaOff val="0"/>
+            </a:schemeClr>
+          </a:solidFill>
+          <a:prstDash val="solid"/>
+        </a:ln>
+        <a:effectLst/>
+      </dsp:spPr>
+      <dsp:style>
+        <a:lnRef idx="2">
+          <a:scrgbClr r="0" g="0" b="0"/>
+        </a:lnRef>
+        <a:fillRef idx="1">
+          <a:scrgbClr r="0" g="0" b="0"/>
+        </a:fillRef>
+        <a:effectRef idx="0">
+          <a:scrgbClr r="0" g="0" b="0"/>
+        </a:effectRef>
+        <a:fontRef idx="minor">
+          <a:schemeClr val="lt1"/>
+        </a:fontRef>
+      </dsp:style>
+      <dsp:txBody>
+        <a:bodyPr spcFirstLastPara="0" vert="horz" wrap="square" lIns="91440" tIns="91440" rIns="91440" bIns="91440" numCol="1" spcCol="1270" anchor="ctr" anchorCtr="0">
+          <a:noAutofit/>
+        </a:bodyPr>
+        <a:lstStyle/>
+        <a:p>
+          <a:pPr marL="0" lvl="0" indent="0" algn="l" defTabSz="1066800">
+            <a:lnSpc>
+              <a:spcPct val="90000"/>
+            </a:lnSpc>
+            <a:spcBef>
+              <a:spcPct val="0"/>
+            </a:spcBef>
+            <a:spcAft>
+              <a:spcPct val="35000"/>
+            </a:spcAft>
+            <a:buNone/>
+          </a:pPr>
+          <a:r>
+            <a:rPr lang="en-US" sz="2400" kern="1200"/>
+            <a:t>Welcome Menu</a:t>
+          </a:r>
+        </a:p>
+      </dsp:txBody>
+      <dsp:txXfrm>
+        <a:off x="28100" y="1374429"/>
+        <a:ext cx="6388143" cy="519439"/>
+      </dsp:txXfrm>
+    </dsp:sp>
+    <dsp:sp modelId="{E2D06BB7-D208-4652-99AA-2E6CB8CFEA2D}">
+      <dsp:nvSpPr>
+        <dsp:cNvPr id="0" name=""/>
+        <dsp:cNvSpPr/>
+      </dsp:nvSpPr>
+      <dsp:spPr>
+        <a:xfrm>
+          <a:off x="0" y="1991089"/>
+          <a:ext cx="6444343" cy="575639"/>
+        </a:xfrm>
+        <a:prstGeom prst="roundRect">
+          <a:avLst/>
+        </a:prstGeom>
+        <a:solidFill>
+          <a:schemeClr val="accent1">
+            <a:hueOff val="0"/>
+            <a:satOff val="0"/>
+            <a:lumOff val="0"/>
+            <a:alphaOff val="0"/>
+          </a:schemeClr>
+        </a:solidFill>
+        <a:ln w="15875" cap="rnd" cmpd="sng" algn="ctr">
+          <a:solidFill>
+            <a:schemeClr val="lt1">
+              <a:hueOff val="0"/>
+              <a:satOff val="0"/>
+              <a:lumOff val="0"/>
+              <a:alphaOff val="0"/>
+            </a:schemeClr>
+          </a:solidFill>
+          <a:prstDash val="solid"/>
+        </a:ln>
+        <a:effectLst/>
+      </dsp:spPr>
+      <dsp:style>
+        <a:lnRef idx="2">
+          <a:scrgbClr r="0" g="0" b="0"/>
+        </a:lnRef>
+        <a:fillRef idx="1">
+          <a:scrgbClr r="0" g="0" b="0"/>
+        </a:fillRef>
+        <a:effectRef idx="0">
+          <a:scrgbClr r="0" g="0" b="0"/>
+        </a:effectRef>
+        <a:fontRef idx="minor">
+          <a:schemeClr val="lt1"/>
+        </a:fontRef>
+      </dsp:style>
+      <dsp:txBody>
+        <a:bodyPr spcFirstLastPara="0" vert="horz" wrap="square" lIns="91440" tIns="91440" rIns="91440" bIns="91440" numCol="1" spcCol="1270" anchor="ctr" anchorCtr="0">
+          <a:noAutofit/>
+        </a:bodyPr>
+        <a:lstStyle/>
+        <a:p>
+          <a:pPr marL="0" lvl="0" indent="0" algn="l" defTabSz="1066800">
+            <a:lnSpc>
+              <a:spcPct val="90000"/>
+            </a:lnSpc>
+            <a:spcBef>
+              <a:spcPct val="0"/>
+            </a:spcBef>
+            <a:spcAft>
+              <a:spcPct val="35000"/>
+            </a:spcAft>
+            <a:buNone/>
+          </a:pPr>
+          <a:r>
+            <a:rPr lang="en-US" sz="2400" kern="1200"/>
+            <a:t>Deposit Service</a:t>
+          </a:r>
+        </a:p>
+      </dsp:txBody>
+      <dsp:txXfrm>
+        <a:off x="28100" y="2019189"/>
+        <a:ext cx="6388143" cy="519439"/>
+      </dsp:txXfrm>
+    </dsp:sp>
+    <dsp:sp modelId="{22984FF8-B374-4AC9-9CC7-87E431EC93EC}">
+      <dsp:nvSpPr>
+        <dsp:cNvPr id="0" name=""/>
+        <dsp:cNvSpPr/>
+      </dsp:nvSpPr>
+      <dsp:spPr>
+        <a:xfrm>
+          <a:off x="0" y="2635849"/>
+          <a:ext cx="6444343" cy="575639"/>
+        </a:xfrm>
+        <a:prstGeom prst="roundRect">
+          <a:avLst/>
+        </a:prstGeom>
+        <a:solidFill>
+          <a:schemeClr val="accent1">
+            <a:hueOff val="0"/>
+            <a:satOff val="0"/>
+            <a:lumOff val="0"/>
+            <a:alphaOff val="0"/>
+          </a:schemeClr>
+        </a:solidFill>
+        <a:ln w="15875" cap="rnd" cmpd="sng" algn="ctr">
+          <a:solidFill>
+            <a:schemeClr val="lt1">
+              <a:hueOff val="0"/>
+              <a:satOff val="0"/>
+              <a:lumOff val="0"/>
+              <a:alphaOff val="0"/>
+            </a:schemeClr>
+          </a:solidFill>
+          <a:prstDash val="solid"/>
+        </a:ln>
+        <a:effectLst/>
+      </dsp:spPr>
+      <dsp:style>
+        <a:lnRef idx="2">
+          <a:scrgbClr r="0" g="0" b="0"/>
+        </a:lnRef>
+        <a:fillRef idx="1">
+          <a:scrgbClr r="0" g="0" b="0"/>
+        </a:fillRef>
+        <a:effectRef idx="0">
+          <a:scrgbClr r="0" g="0" b="0"/>
+        </a:effectRef>
+        <a:fontRef idx="minor">
+          <a:schemeClr val="lt1"/>
+        </a:fontRef>
+      </dsp:style>
+      <dsp:txBody>
+        <a:bodyPr spcFirstLastPara="0" vert="horz" wrap="square" lIns="91440" tIns="91440" rIns="91440" bIns="91440" numCol="1" spcCol="1270" anchor="ctr" anchorCtr="0">
+          <a:noAutofit/>
+        </a:bodyPr>
+        <a:lstStyle/>
+        <a:p>
+          <a:pPr marL="0" lvl="0" indent="0" algn="l" defTabSz="1066800">
+            <a:lnSpc>
+              <a:spcPct val="90000"/>
+            </a:lnSpc>
+            <a:spcBef>
+              <a:spcPct val="0"/>
+            </a:spcBef>
+            <a:spcAft>
+              <a:spcPct val="35000"/>
+            </a:spcAft>
+            <a:buNone/>
+          </a:pPr>
+          <a:r>
+            <a:rPr lang="en-US" sz="2400" kern="1200"/>
+            <a:t>Withdraw Service</a:t>
+          </a:r>
+        </a:p>
+      </dsp:txBody>
+      <dsp:txXfrm>
+        <a:off x="28100" y="2663949"/>
+        <a:ext cx="6388143" cy="519439"/>
+      </dsp:txXfrm>
+    </dsp:sp>
+    <dsp:sp modelId="{B28E491A-7ECA-46C7-9794-031D91D839B3}">
+      <dsp:nvSpPr>
+        <dsp:cNvPr id="0" name=""/>
+        <dsp:cNvSpPr/>
+      </dsp:nvSpPr>
+      <dsp:spPr>
+        <a:xfrm>
+          <a:off x="0" y="3280609"/>
+          <a:ext cx="6444343" cy="575639"/>
+        </a:xfrm>
+        <a:prstGeom prst="roundRect">
+          <a:avLst/>
+        </a:prstGeom>
+        <a:solidFill>
+          <a:schemeClr val="accent1">
+            <a:hueOff val="0"/>
+            <a:satOff val="0"/>
+            <a:lumOff val="0"/>
+            <a:alphaOff val="0"/>
+          </a:schemeClr>
+        </a:solidFill>
+        <a:ln w="15875" cap="rnd" cmpd="sng" algn="ctr">
+          <a:solidFill>
+            <a:schemeClr val="lt1">
+              <a:hueOff val="0"/>
+              <a:satOff val="0"/>
+              <a:lumOff val="0"/>
+              <a:alphaOff val="0"/>
+            </a:schemeClr>
+          </a:solidFill>
+          <a:prstDash val="solid"/>
+        </a:ln>
+        <a:effectLst/>
+      </dsp:spPr>
+      <dsp:style>
+        <a:lnRef idx="2">
+          <a:scrgbClr r="0" g="0" b="0"/>
+        </a:lnRef>
+        <a:fillRef idx="1">
+          <a:scrgbClr r="0" g="0" b="0"/>
+        </a:fillRef>
+        <a:effectRef idx="0">
+          <a:scrgbClr r="0" g="0" b="0"/>
+        </a:effectRef>
+        <a:fontRef idx="minor">
+          <a:schemeClr val="lt1"/>
+        </a:fontRef>
+      </dsp:style>
+      <dsp:txBody>
+        <a:bodyPr spcFirstLastPara="0" vert="horz" wrap="square" lIns="91440" tIns="91440" rIns="91440" bIns="91440" numCol="1" spcCol="1270" anchor="ctr" anchorCtr="0">
+          <a:noAutofit/>
+        </a:bodyPr>
+        <a:lstStyle/>
+        <a:p>
+          <a:pPr marL="0" lvl="0" indent="0" algn="l" defTabSz="1066800">
+            <a:lnSpc>
+              <a:spcPct val="90000"/>
+            </a:lnSpc>
+            <a:spcBef>
+              <a:spcPct val="0"/>
+            </a:spcBef>
+            <a:spcAft>
+              <a:spcPct val="35000"/>
+            </a:spcAft>
+            <a:buNone/>
+          </a:pPr>
+          <a:r>
+            <a:rPr lang="en-US" sz="2400" kern="1200"/>
+            <a:t>View Transaction History</a:t>
+          </a:r>
+        </a:p>
+      </dsp:txBody>
+      <dsp:txXfrm>
+        <a:off x="28100" y="3308709"/>
+        <a:ext cx="6388143" cy="519439"/>
+      </dsp:txXfrm>
+    </dsp:sp>
+  </dsp:spTree>
+</dsp:drawing>
+</file>
+
 <file path=ppt/diagrams/layout1.xml><?xml version="1.0" encoding="utf-8"?>
 <dgm:layoutDef xmlns:dgm="http://schemas.openxmlformats.org/drawingml/2006/diagram" xmlns:a="http://schemas.openxmlformats.org/drawingml/2006/main" uniqueId="urn:microsoft.com/office/officeart/2005/8/layout/StepDownProcess">
   <dgm:title val=""/>
@@ -2314,7 +3902,1208 @@
 </dgm:layoutDef>
 </file>
 
+<file path=ppt/diagrams/layout2.xml><?xml version="1.0" encoding="utf-8"?>
+<dgm:layoutDef xmlns:dgm="http://schemas.openxmlformats.org/drawingml/2006/diagram" xmlns:a="http://schemas.openxmlformats.org/drawingml/2006/main" uniqueId="urn:microsoft.com/office/officeart/2005/8/layout/vList2">
+  <dgm:title val=""/>
+  <dgm:desc val=""/>
+  <dgm:catLst>
+    <dgm:cat type="list" pri="3000"/>
+    <dgm:cat type="convert" pri="1000"/>
+  </dgm:catLst>
+  <dgm:sampData>
+    <dgm:dataModel>
+      <dgm:ptLst>
+        <dgm:pt modelId="0" type="doc"/>
+        <dgm:pt modelId="1">
+          <dgm:prSet phldr="1"/>
+        </dgm:pt>
+        <dgm:pt modelId="11">
+          <dgm:prSet phldr="1"/>
+        </dgm:pt>
+        <dgm:pt modelId="2">
+          <dgm:prSet phldr="1"/>
+        </dgm:pt>
+        <dgm:pt modelId="21">
+          <dgm:prSet phldr="1"/>
+        </dgm:pt>
+      </dgm:ptLst>
+      <dgm:cxnLst>
+        <dgm:cxn modelId="4" srcId="0" destId="1" srcOrd="0" destOrd="0"/>
+        <dgm:cxn modelId="5" srcId="0" destId="2" srcOrd="1" destOrd="0"/>
+        <dgm:cxn modelId="12" srcId="1" destId="11" srcOrd="0" destOrd="0"/>
+        <dgm:cxn modelId="23" srcId="2" destId="21" srcOrd="0" destOrd="0"/>
+      </dgm:cxnLst>
+      <dgm:bg/>
+      <dgm:whole/>
+    </dgm:dataModel>
+  </dgm:sampData>
+  <dgm:styleData>
+    <dgm:dataModel>
+      <dgm:ptLst>
+        <dgm:pt modelId="0" type="doc"/>
+        <dgm:pt modelId="1"/>
+        <dgm:pt modelId="2"/>
+      </dgm:ptLst>
+      <dgm:cxnLst>
+        <dgm:cxn modelId="3" srcId="0" destId="1" srcOrd="0" destOrd="0"/>
+        <dgm:cxn modelId="4" srcId="0" destId="2" srcOrd="1" destOrd="0"/>
+      </dgm:cxnLst>
+      <dgm:bg/>
+      <dgm:whole/>
+    </dgm:dataModel>
+  </dgm:styleData>
+  <dgm:clrData>
+    <dgm:dataModel>
+      <dgm:ptLst>
+        <dgm:pt modelId="0" type="doc"/>
+        <dgm:pt modelId="1"/>
+        <dgm:pt modelId="2"/>
+        <dgm:pt modelId="3"/>
+        <dgm:pt modelId="4"/>
+      </dgm:ptLst>
+      <dgm:cxnLst>
+        <dgm:cxn modelId="5" srcId="0" destId="1" srcOrd="0" destOrd="0"/>
+        <dgm:cxn modelId="6" srcId="0" destId="2" srcOrd="1" destOrd="0"/>
+        <dgm:cxn modelId="7" srcId="0" destId="3" srcOrd="2" destOrd="0"/>
+        <dgm:cxn modelId="8" srcId="0" destId="4" srcOrd="3" destOrd="0"/>
+      </dgm:cxnLst>
+      <dgm:bg/>
+      <dgm:whole/>
+    </dgm:dataModel>
+  </dgm:clrData>
+  <dgm:layoutNode name="linear">
+    <dgm:varLst>
+      <dgm:animLvl val="lvl"/>
+      <dgm:resizeHandles val="exact"/>
+    </dgm:varLst>
+    <dgm:alg type="lin">
+      <dgm:param type="linDir" val="fromT"/>
+      <dgm:param type="vertAlign" val="mid"/>
+    </dgm:alg>
+    <dgm:shape xmlns:r="http://schemas.openxmlformats.org/officeDocument/2006/relationships" r:blip="">
+      <dgm:adjLst/>
+    </dgm:shape>
+    <dgm:presOf/>
+    <dgm:constrLst>
+      <dgm:constr type="w" for="ch" forName="parentText" refType="w"/>
+      <dgm:constr type="h" for="ch" forName="parentText" refType="primFontSz" refFor="ch" refForName="parentText" fact="0.52"/>
+      <dgm:constr type="w" for="ch" forName="childText" refType="w"/>
+      <dgm:constr type="h" for="ch" forName="childText" refType="primFontSz" refFor="ch" refForName="parentText" fact="0.46"/>
+      <dgm:constr type="h" for="ch" forName="parentText" op="equ"/>
+      <dgm:constr type="primFontSz" for="ch" forName="parentText" op="equ" val="65"/>
+      <dgm:constr type="primFontSz" for="ch" forName="childText" refType="primFontSz" refFor="ch" refForName="parentText" op="equ"/>
+      <dgm:constr type="h" for="ch" forName="spacer" refType="primFontSz" refFor="ch" refForName="parentText" fact="0.08"/>
+    </dgm:constrLst>
+    <dgm:ruleLst>
+      <dgm:rule type="primFontSz" for="ch" forName="parentText" val="5" fact="NaN" max="NaN"/>
+    </dgm:ruleLst>
+    <dgm:forEach name="Name0" axis="ch" ptType="node">
+      <dgm:layoutNode name="parentText" styleLbl="node1">
+        <dgm:varLst>
+          <dgm:chMax val="0"/>
+          <dgm:bulletEnabled val="1"/>
+        </dgm:varLst>
+        <dgm:alg type="tx">
+          <dgm:param type="parTxLTRAlign" val="l"/>
+          <dgm:param type="parTxRTLAlign" val="r"/>
+        </dgm:alg>
+        <dgm:shape xmlns:r="http://schemas.openxmlformats.org/officeDocument/2006/relationships" type="roundRect" r:blip="">
+          <dgm:adjLst/>
+        </dgm:shape>
+        <dgm:presOf axis="self"/>
+        <dgm:constrLst>
+          <dgm:constr type="tMarg" refType="primFontSz" fact="0.3"/>
+          <dgm:constr type="bMarg" refType="primFontSz" fact="0.3"/>
+          <dgm:constr type="lMarg" refType="primFontSz" fact="0.3"/>
+          <dgm:constr type="rMarg" refType="primFontSz" fact="0.3"/>
+        </dgm:constrLst>
+        <dgm:ruleLst>
+          <dgm:rule type="h" val="INF" fact="NaN" max="NaN"/>
+        </dgm:ruleLst>
+      </dgm:layoutNode>
+      <dgm:choose name="Name1">
+        <dgm:if name="Name2" axis="ch" ptType="node" func="cnt" op="gte" val="1">
+          <dgm:layoutNode name="childText" styleLbl="revTx">
+            <dgm:varLst>
+              <dgm:bulletEnabled val="1"/>
+            </dgm:varLst>
+            <dgm:alg type="tx">
+              <dgm:param type="stBulletLvl" val="1"/>
+              <dgm:param type="lnSpAfChP" val="20"/>
+            </dgm:alg>
+            <dgm:shape xmlns:r="http://schemas.openxmlformats.org/officeDocument/2006/relationships" type="rect" r:blip="">
+              <dgm:adjLst/>
+            </dgm:shape>
+            <dgm:presOf axis="des" ptType="node"/>
+            <dgm:constrLst>
+              <dgm:constr type="tMarg" refType="primFontSz" fact="0.1"/>
+              <dgm:constr type="bMarg" refType="primFontSz" fact="0.1"/>
+              <dgm:constr type="lMarg" refType="w" fact="0.09"/>
+            </dgm:constrLst>
+            <dgm:ruleLst>
+              <dgm:rule type="h" val="INF" fact="NaN" max="NaN"/>
+            </dgm:ruleLst>
+          </dgm:layoutNode>
+        </dgm:if>
+        <dgm:else name="Name3">
+          <dgm:choose name="Name4">
+            <dgm:if name="Name5" axis="par ch" ptType="doc node" func="cnt" op="gte" val="2">
+              <dgm:forEach name="Name6" axis="followSib" ptType="sibTrans" cnt="1">
+                <dgm:layoutNode name="spacer">
+                  <dgm:alg type="sp"/>
+                  <dgm:shape xmlns:r="http://schemas.openxmlformats.org/officeDocument/2006/relationships" r:blip="">
+                    <dgm:adjLst/>
+                  </dgm:shape>
+                  <dgm:presOf/>
+                  <dgm:constrLst/>
+                  <dgm:ruleLst/>
+                </dgm:layoutNode>
+              </dgm:forEach>
+            </dgm:if>
+            <dgm:else name="Name7"/>
+          </dgm:choose>
+        </dgm:else>
+      </dgm:choose>
+    </dgm:forEach>
+  </dgm:layoutNode>
+</dgm:layoutDef>
+</file>
+
 <file path=ppt/diagrams/quickStyle1.xml><?xml version="1.0" encoding="utf-8"?>
+<dgm:styleDef xmlns:dgm="http://schemas.openxmlformats.org/drawingml/2006/diagram" xmlns:a="http://schemas.openxmlformats.org/drawingml/2006/main" uniqueId="urn:microsoft.com/office/officeart/2005/8/quickstyle/simple1">
+  <dgm:title val=""/>
+  <dgm:desc val=""/>
+  <dgm:catLst>
+    <dgm:cat type="simple" pri="10100"/>
+  </dgm:catLst>
+  <dgm:scene3d>
+    <a:camera prst="orthographicFront"/>
+    <a:lightRig rig="threePt" dir="t"/>
+  </dgm:scene3d>
+  <dgm:styleLbl name="node0">
+    <dgm:scene3d>
+      <a:camera prst="orthographicFront"/>
+      <a:lightRig rig="threePt" dir="t"/>
+    </dgm:scene3d>
+    <dgm:sp3d/>
+    <dgm:txPr/>
+    <dgm:style>
+      <a:lnRef idx="2">
+        <a:scrgbClr r="0" g="0" b="0"/>
+      </a:lnRef>
+      <a:fillRef idx="1">
+        <a:scrgbClr r="0" g="0" b="0"/>
+      </a:fillRef>
+      <a:effectRef idx="0">
+        <a:scrgbClr r="0" g="0" b="0"/>
+      </a:effectRef>
+      <a:fontRef idx="minor">
+        <a:schemeClr val="lt1"/>
+      </a:fontRef>
+    </dgm:style>
+  </dgm:styleLbl>
+  <dgm:styleLbl name="lnNode1">
+    <dgm:scene3d>
+      <a:camera prst="orthographicFront"/>
+      <a:lightRig rig="threePt" dir="t"/>
+    </dgm:scene3d>
+    <dgm:sp3d/>
+    <dgm:txPr/>
+    <dgm:style>
+      <a:lnRef idx="2">
+        <a:scrgbClr r="0" g="0" b="0"/>
+      </a:lnRef>
+      <a:fillRef idx="1">
+        <a:scrgbClr r="0" g="0" b="0"/>
+      </a:fillRef>
+      <a:effectRef idx="0">
+        <a:scrgbClr r="0" g="0" b="0"/>
+      </a:effectRef>
+      <a:fontRef idx="minor">
+        <a:schemeClr val="lt1"/>
+      </a:fontRef>
+    </dgm:style>
+  </dgm:styleLbl>
+  <dgm:styleLbl name="vennNode1">
+    <dgm:scene3d>
+      <a:camera prst="orthographicFront"/>
+      <a:lightRig rig="threePt" dir="t"/>
+    </dgm:scene3d>
+    <dgm:sp3d/>
+    <dgm:txPr/>
+    <dgm:style>
+      <a:lnRef idx="2">
+        <a:scrgbClr r="0" g="0" b="0"/>
+      </a:lnRef>
+      <a:fillRef idx="1">
+        <a:scrgbClr r="0" g="0" b="0"/>
+      </a:fillRef>
+      <a:effectRef idx="0">
+        <a:scrgbClr r="0" g="0" b="0"/>
+      </a:effectRef>
+      <a:fontRef idx="minor">
+        <a:schemeClr val="tx1"/>
+      </a:fontRef>
+    </dgm:style>
+  </dgm:styleLbl>
+  <dgm:styleLbl name="alignNode1">
+    <dgm:scene3d>
+      <a:camera prst="orthographicFront"/>
+      <a:lightRig rig="threePt" dir="t"/>
+    </dgm:scene3d>
+    <dgm:sp3d/>
+    <dgm:txPr/>
+    <dgm:style>
+      <a:lnRef idx="2">
+        <a:scrgbClr r="0" g="0" b="0"/>
+      </a:lnRef>
+      <a:fillRef idx="1">
+        <a:scrgbClr r="0" g="0" b="0"/>
+      </a:fillRef>
+      <a:effectRef idx="0">
+        <a:scrgbClr r="0" g="0" b="0"/>
+      </a:effectRef>
+      <a:fontRef idx="minor">
+        <a:schemeClr val="lt1"/>
+      </a:fontRef>
+    </dgm:style>
+  </dgm:styleLbl>
+  <dgm:styleLbl name="node1">
+    <dgm:scene3d>
+      <a:camera prst="orthographicFront"/>
+      <a:lightRig rig="threePt" dir="t"/>
+    </dgm:scene3d>
+    <dgm:sp3d/>
+    <dgm:txPr/>
+    <dgm:style>
+      <a:lnRef idx="2">
+        <a:scrgbClr r="0" g="0" b="0"/>
+      </a:lnRef>
+      <a:fillRef idx="1">
+        <a:scrgbClr r="0" g="0" b="0"/>
+      </a:fillRef>
+      <a:effectRef idx="0">
+        <a:scrgbClr r="0" g="0" b="0"/>
+      </a:effectRef>
+      <a:fontRef idx="minor">
+        <a:schemeClr val="lt1"/>
+      </a:fontRef>
+    </dgm:style>
+  </dgm:styleLbl>
+  <dgm:styleLbl name="node2">
+    <dgm:scene3d>
+      <a:camera prst="orthographicFront"/>
+      <a:lightRig rig="threePt" dir="t"/>
+    </dgm:scene3d>
+    <dgm:sp3d/>
+    <dgm:txPr/>
+    <dgm:style>
+      <a:lnRef idx="2">
+        <a:scrgbClr r="0" g="0" b="0"/>
+      </a:lnRef>
+      <a:fillRef idx="1">
+        <a:scrgbClr r="0" g="0" b="0"/>
+      </a:fillRef>
+      <a:effectRef idx="0">
+        <a:scrgbClr r="0" g="0" b="0"/>
+      </a:effectRef>
+      <a:fontRef idx="minor">
+        <a:schemeClr val="lt1"/>
+      </a:fontRef>
+    </dgm:style>
+  </dgm:styleLbl>
+  <dgm:styleLbl name="node3">
+    <dgm:scene3d>
+      <a:camera prst="orthographicFront"/>
+      <a:lightRig rig="threePt" dir="t"/>
+    </dgm:scene3d>
+    <dgm:sp3d/>
+    <dgm:txPr/>
+    <dgm:style>
+      <a:lnRef idx="2">
+        <a:scrgbClr r="0" g="0" b="0"/>
+      </a:lnRef>
+      <a:fillRef idx="1">
+        <a:scrgbClr r="0" g="0" b="0"/>
+      </a:fillRef>
+      <a:effectRef idx="0">
+        <a:scrgbClr r="0" g="0" b="0"/>
+      </a:effectRef>
+      <a:fontRef idx="minor">
+        <a:schemeClr val="lt1"/>
+      </a:fontRef>
+    </dgm:style>
+  </dgm:styleLbl>
+  <dgm:styleLbl name="node4">
+    <dgm:scene3d>
+      <a:camera prst="orthographicFront"/>
+      <a:lightRig rig="threePt" dir="t"/>
+    </dgm:scene3d>
+    <dgm:sp3d/>
+    <dgm:txPr/>
+    <dgm:style>
+      <a:lnRef idx="2">
+        <a:scrgbClr r="0" g="0" b="0"/>
+      </a:lnRef>
+      <a:fillRef idx="1">
+        <a:scrgbClr r="0" g="0" b="0"/>
+      </a:fillRef>
+      <a:effectRef idx="0">
+        <a:scrgbClr r="0" g="0" b="0"/>
+      </a:effectRef>
+      <a:fontRef idx="minor">
+        <a:schemeClr val="lt1"/>
+      </a:fontRef>
+    </dgm:style>
+  </dgm:styleLbl>
+  <dgm:styleLbl name="fgImgPlace1">
+    <dgm:scene3d>
+      <a:camera prst="orthographicFront"/>
+      <a:lightRig rig="threePt" dir="t"/>
+    </dgm:scene3d>
+    <dgm:sp3d/>
+    <dgm:txPr/>
+    <dgm:style>
+      <a:lnRef idx="2">
+        <a:scrgbClr r="0" g="0" b="0"/>
+      </a:lnRef>
+      <a:fillRef idx="1">
+        <a:scrgbClr r="0" g="0" b="0"/>
+      </a:fillRef>
+      <a:effectRef idx="0">
+        <a:scrgbClr r="0" g="0" b="0"/>
+      </a:effectRef>
+      <a:fontRef idx="minor"/>
+    </dgm:style>
+  </dgm:styleLbl>
+  <dgm:styleLbl name="alignImgPlace1">
+    <dgm:scene3d>
+      <a:camera prst="orthographicFront"/>
+      <a:lightRig rig="threePt" dir="t"/>
+    </dgm:scene3d>
+    <dgm:sp3d/>
+    <dgm:txPr/>
+    <dgm:style>
+      <a:lnRef idx="2">
+        <a:scrgbClr r="0" g="0" b="0"/>
+      </a:lnRef>
+      <a:fillRef idx="1">
+        <a:scrgbClr r="0" g="0" b="0"/>
+      </a:fillRef>
+      <a:effectRef idx="0">
+        <a:scrgbClr r="0" g="0" b="0"/>
+      </a:effectRef>
+      <a:fontRef idx="minor"/>
+    </dgm:style>
+  </dgm:styleLbl>
+  <dgm:styleLbl name="bgImgPlace1">
+    <dgm:scene3d>
+      <a:camera prst="orthographicFront"/>
+      <a:lightRig rig="threePt" dir="t"/>
+    </dgm:scene3d>
+    <dgm:sp3d/>
+    <dgm:txPr/>
+    <dgm:style>
+      <a:lnRef idx="2">
+        <a:scrgbClr r="0" g="0" b="0"/>
+      </a:lnRef>
+      <a:fillRef idx="1">
+        <a:scrgbClr r="0" g="0" b="0"/>
+      </a:fillRef>
+      <a:effectRef idx="0">
+        <a:scrgbClr r="0" g="0" b="0"/>
+      </a:effectRef>
+      <a:fontRef idx="minor"/>
+    </dgm:style>
+  </dgm:styleLbl>
+  <dgm:styleLbl name="sibTrans2D1">
+    <dgm:scene3d>
+      <a:camera prst="orthographicFront"/>
+      <a:lightRig rig="threePt" dir="t"/>
+    </dgm:scene3d>
+    <dgm:sp3d/>
+    <dgm:txPr/>
+    <dgm:style>
+      <a:lnRef idx="0">
+        <a:scrgbClr r="0" g="0" b="0"/>
+      </a:lnRef>
+      <a:fillRef idx="1">
+        <a:scrgbClr r="0" g="0" b="0"/>
+      </a:fillRef>
+      <a:effectRef idx="0">
+        <a:scrgbClr r="0" g="0" b="0"/>
+      </a:effectRef>
+      <a:fontRef idx="minor">
+        <a:schemeClr val="lt1"/>
+      </a:fontRef>
+    </dgm:style>
+  </dgm:styleLbl>
+  <dgm:styleLbl name="fgSibTrans2D1">
+    <dgm:scene3d>
+      <a:camera prst="orthographicFront"/>
+      <a:lightRig rig="threePt" dir="t"/>
+    </dgm:scene3d>
+    <dgm:sp3d/>
+    <dgm:txPr/>
+    <dgm:style>
+      <a:lnRef idx="0">
+        <a:scrgbClr r="0" g="0" b="0"/>
+      </a:lnRef>
+      <a:fillRef idx="1">
+        <a:scrgbClr r="0" g="0" b="0"/>
+      </a:fillRef>
+      <a:effectRef idx="0">
+        <a:scrgbClr r="0" g="0" b="0"/>
+      </a:effectRef>
+      <a:fontRef idx="minor">
+        <a:schemeClr val="lt1"/>
+      </a:fontRef>
+    </dgm:style>
+  </dgm:styleLbl>
+  <dgm:styleLbl name="bgSibTrans2D1">
+    <dgm:scene3d>
+      <a:camera prst="orthographicFront"/>
+      <a:lightRig rig="threePt" dir="t"/>
+    </dgm:scene3d>
+    <dgm:sp3d/>
+    <dgm:txPr/>
+    <dgm:style>
+      <a:lnRef idx="0">
+        <a:scrgbClr r="0" g="0" b="0"/>
+      </a:lnRef>
+      <a:fillRef idx="1">
+        <a:scrgbClr r="0" g="0" b="0"/>
+      </a:fillRef>
+      <a:effectRef idx="0">
+        <a:scrgbClr r="0" g="0" b="0"/>
+      </a:effectRef>
+      <a:fontRef idx="minor">
+        <a:schemeClr val="lt1"/>
+      </a:fontRef>
+    </dgm:style>
+  </dgm:styleLbl>
+  <dgm:styleLbl name="sibTrans1D1">
+    <dgm:scene3d>
+      <a:camera prst="orthographicFront"/>
+      <a:lightRig rig="threePt" dir="t"/>
+    </dgm:scene3d>
+    <dgm:sp3d/>
+    <dgm:txPr/>
+    <dgm:style>
+      <a:lnRef idx="1">
+        <a:scrgbClr r="0" g="0" b="0"/>
+      </a:lnRef>
+      <a:fillRef idx="0">
+        <a:scrgbClr r="0" g="0" b="0"/>
+      </a:fillRef>
+      <a:effectRef idx="0">
+        <a:scrgbClr r="0" g="0" b="0"/>
+      </a:effectRef>
+      <a:fontRef idx="minor"/>
+    </dgm:style>
+  </dgm:styleLbl>
+  <dgm:styleLbl name="callout">
+    <dgm:scene3d>
+      <a:camera prst="orthographicFront"/>
+      <a:lightRig rig="threePt" dir="t"/>
+    </dgm:scene3d>
+    <dgm:sp3d/>
+    <dgm:txPr/>
+    <dgm:style>
+      <a:lnRef idx="2">
+        <a:scrgbClr r="0" g="0" b="0"/>
+      </a:lnRef>
+      <a:fillRef idx="1">
+        <a:scrgbClr r="0" g="0" b="0"/>
+      </a:fillRef>
+      <a:effectRef idx="0">
+        <a:scrgbClr r="0" g="0" b="0"/>
+      </a:effectRef>
+      <a:fontRef idx="minor"/>
+    </dgm:style>
+  </dgm:styleLbl>
+  <dgm:styleLbl name="asst0">
+    <dgm:scene3d>
+      <a:camera prst="orthographicFront"/>
+      <a:lightRig rig="threePt" dir="t"/>
+    </dgm:scene3d>
+    <dgm:sp3d/>
+    <dgm:txPr/>
+    <dgm:style>
+      <a:lnRef idx="2">
+        <a:scrgbClr r="0" g="0" b="0"/>
+      </a:lnRef>
+      <a:fillRef idx="1">
+        <a:scrgbClr r="0" g="0" b="0"/>
+      </a:fillRef>
+      <a:effectRef idx="0">
+        <a:scrgbClr r="0" g="0" b="0"/>
+      </a:effectRef>
+      <a:fontRef idx="minor">
+        <a:schemeClr val="lt1"/>
+      </a:fontRef>
+    </dgm:style>
+  </dgm:styleLbl>
+  <dgm:styleLbl name="asst1">
+    <dgm:scene3d>
+      <a:camera prst="orthographicFront"/>
+      <a:lightRig rig="threePt" dir="t"/>
+    </dgm:scene3d>
+    <dgm:sp3d/>
+    <dgm:txPr/>
+    <dgm:style>
+      <a:lnRef idx="2">
+        <a:scrgbClr r="0" g="0" b="0"/>
+      </a:lnRef>
+      <a:fillRef idx="1">
+        <a:scrgbClr r="0" g="0" b="0"/>
+      </a:fillRef>
+      <a:effectRef idx="0">
+        <a:scrgbClr r="0" g="0" b="0"/>
+      </a:effectRef>
+      <a:fontRef idx="minor">
+        <a:schemeClr val="lt1"/>
+      </a:fontRef>
+    </dgm:style>
+  </dgm:styleLbl>
+  <dgm:styleLbl name="asst2">
+    <dgm:scene3d>
+      <a:camera prst="orthographicFront"/>
+      <a:lightRig rig="threePt" dir="t"/>
+    </dgm:scene3d>
+    <dgm:sp3d/>
+    <dgm:txPr/>
+    <dgm:style>
+      <a:lnRef idx="2">
+        <a:scrgbClr r="0" g="0" b="0"/>
+      </a:lnRef>
+      <a:fillRef idx="1">
+        <a:scrgbClr r="0" g="0" b="0"/>
+      </a:fillRef>
+      <a:effectRef idx="0">
+        <a:scrgbClr r="0" g="0" b="0"/>
+      </a:effectRef>
+      <a:fontRef idx="minor">
+        <a:schemeClr val="lt1"/>
+      </a:fontRef>
+    </dgm:style>
+  </dgm:styleLbl>
+  <dgm:styleLbl name="asst3">
+    <dgm:scene3d>
+      <a:camera prst="orthographicFront"/>
+      <a:lightRig rig="threePt" dir="t"/>
+    </dgm:scene3d>
+    <dgm:sp3d/>
+    <dgm:txPr/>
+    <dgm:style>
+      <a:lnRef idx="2">
+        <a:scrgbClr r="0" g="0" b="0"/>
+      </a:lnRef>
+      <a:fillRef idx="1">
+        <a:scrgbClr r="0" g="0" b="0"/>
+      </a:fillRef>
+      <a:effectRef idx="0">
+        <a:scrgbClr r="0" g="0" b="0"/>
+      </a:effectRef>
+      <a:fontRef idx="minor">
+        <a:schemeClr val="lt1"/>
+      </a:fontRef>
+    </dgm:style>
+  </dgm:styleLbl>
+  <dgm:styleLbl name="asst4">
+    <dgm:scene3d>
+      <a:camera prst="orthographicFront"/>
+      <a:lightRig rig="threePt" dir="t"/>
+    </dgm:scene3d>
+    <dgm:sp3d/>
+    <dgm:txPr/>
+    <dgm:style>
+      <a:lnRef idx="2">
+        <a:scrgbClr r="0" g="0" b="0"/>
+      </a:lnRef>
+      <a:fillRef idx="1">
+        <a:scrgbClr r="0" g="0" b="0"/>
+      </a:fillRef>
+      <a:effectRef idx="0">
+        <a:scrgbClr r="0" g="0" b="0"/>
+      </a:effectRef>
+      <a:fontRef idx="minor">
+        <a:schemeClr val="lt1"/>
+      </a:fontRef>
+    </dgm:style>
+  </dgm:styleLbl>
+  <dgm:styleLbl name="parChTrans2D1">
+    <dgm:scene3d>
+      <a:camera prst="orthographicFront"/>
+      <a:lightRig rig="threePt" dir="t"/>
+    </dgm:scene3d>
+    <dgm:sp3d/>
+    <dgm:txPr/>
+    <dgm:style>
+      <a:lnRef idx="2">
+        <a:scrgbClr r="0" g="0" b="0"/>
+      </a:lnRef>
+      <a:fillRef idx="1">
+        <a:scrgbClr r="0" g="0" b="0"/>
+      </a:fillRef>
+      <a:effectRef idx="0">
+        <a:scrgbClr r="0" g="0" b="0"/>
+      </a:effectRef>
+      <a:fontRef idx="minor">
+        <a:schemeClr val="lt1"/>
+      </a:fontRef>
+    </dgm:style>
+  </dgm:styleLbl>
+  <dgm:styleLbl name="parChTrans2D2">
+    <dgm:scene3d>
+      <a:camera prst="orthographicFront"/>
+      <a:lightRig rig="threePt" dir="t"/>
+    </dgm:scene3d>
+    <dgm:sp3d/>
+    <dgm:txPr/>
+    <dgm:style>
+      <a:lnRef idx="2">
+        <a:scrgbClr r="0" g="0" b="0"/>
+      </a:lnRef>
+      <a:fillRef idx="1">
+        <a:scrgbClr r="0" g="0" b="0"/>
+      </a:fillRef>
+      <a:effectRef idx="0">
+        <a:scrgbClr r="0" g="0" b="0"/>
+      </a:effectRef>
+      <a:fontRef idx="minor">
+        <a:schemeClr val="lt1"/>
+      </a:fontRef>
+    </dgm:style>
+  </dgm:styleLbl>
+  <dgm:styleLbl name="parChTrans2D3">
+    <dgm:scene3d>
+      <a:camera prst="orthographicFront"/>
+      <a:lightRig rig="threePt" dir="t"/>
+    </dgm:scene3d>
+    <dgm:sp3d/>
+    <dgm:txPr/>
+    <dgm:style>
+      <a:lnRef idx="2">
+        <a:scrgbClr r="0" g="0" b="0"/>
+      </a:lnRef>
+      <a:fillRef idx="1">
+        <a:scrgbClr r="0" g="0" b="0"/>
+      </a:fillRef>
+      <a:effectRef idx="0">
+        <a:scrgbClr r="0" g="0" b="0"/>
+      </a:effectRef>
+      <a:fontRef idx="minor">
+        <a:schemeClr val="lt1"/>
+      </a:fontRef>
+    </dgm:style>
+  </dgm:styleLbl>
+  <dgm:styleLbl name="parChTrans2D4">
+    <dgm:scene3d>
+      <a:camera prst="orthographicFront"/>
+      <a:lightRig rig="threePt" dir="t"/>
+    </dgm:scene3d>
+    <dgm:sp3d/>
+    <dgm:txPr/>
+    <dgm:style>
+      <a:lnRef idx="2">
+        <a:scrgbClr r="0" g="0" b="0"/>
+      </a:lnRef>
+      <a:fillRef idx="1">
+        <a:scrgbClr r="0" g="0" b="0"/>
+      </a:fillRef>
+      <a:effectRef idx="0">
+        <a:scrgbClr r="0" g="0" b="0"/>
+      </a:effectRef>
+      <a:fontRef idx="minor">
+        <a:schemeClr val="lt1"/>
+      </a:fontRef>
+    </dgm:style>
+  </dgm:styleLbl>
+  <dgm:styleLbl name="parChTrans1D1">
+    <dgm:scene3d>
+      <a:camera prst="orthographicFront"/>
+      <a:lightRig rig="threePt" dir="t"/>
+    </dgm:scene3d>
+    <dgm:sp3d/>
+    <dgm:txPr/>
+    <dgm:style>
+      <a:lnRef idx="2">
+        <a:scrgbClr r="0" g="0" b="0"/>
+      </a:lnRef>
+      <a:fillRef idx="0">
+        <a:scrgbClr r="0" g="0" b="0"/>
+      </a:fillRef>
+      <a:effectRef idx="0">
+        <a:scrgbClr r="0" g="0" b="0"/>
+      </a:effectRef>
+      <a:fontRef idx="minor"/>
+    </dgm:style>
+  </dgm:styleLbl>
+  <dgm:styleLbl name="parChTrans1D2">
+    <dgm:scene3d>
+      <a:camera prst="orthographicFront"/>
+      <a:lightRig rig="threePt" dir="t"/>
+    </dgm:scene3d>
+    <dgm:sp3d/>
+    <dgm:txPr/>
+    <dgm:style>
+      <a:lnRef idx="2">
+        <a:scrgbClr r="0" g="0" b="0"/>
+      </a:lnRef>
+      <a:fillRef idx="0">
+        <a:scrgbClr r="0" g="0" b="0"/>
+      </a:fillRef>
+      <a:effectRef idx="0">
+        <a:scrgbClr r="0" g="0" b="0"/>
+      </a:effectRef>
+      <a:fontRef idx="minor"/>
+    </dgm:style>
+  </dgm:styleLbl>
+  <dgm:styleLbl name="parChTrans1D3">
+    <dgm:scene3d>
+      <a:camera prst="orthographicFront"/>
+      <a:lightRig rig="threePt" dir="t"/>
+    </dgm:scene3d>
+    <dgm:sp3d/>
+    <dgm:txPr/>
+    <dgm:style>
+      <a:lnRef idx="2">
+        <a:scrgbClr r="0" g="0" b="0"/>
+      </a:lnRef>
+      <a:fillRef idx="0">
+        <a:scrgbClr r="0" g="0" b="0"/>
+      </a:fillRef>
+      <a:effectRef idx="0">
+        <a:scrgbClr r="0" g="0" b="0"/>
+      </a:effectRef>
+      <a:fontRef idx="minor"/>
+    </dgm:style>
+  </dgm:styleLbl>
+  <dgm:styleLbl name="parChTrans1D4">
+    <dgm:scene3d>
+      <a:camera prst="orthographicFront"/>
+      <a:lightRig rig="threePt" dir="t"/>
+    </dgm:scene3d>
+    <dgm:sp3d/>
+    <dgm:txPr/>
+    <dgm:style>
+      <a:lnRef idx="2">
+        <a:scrgbClr r="0" g="0" b="0"/>
+      </a:lnRef>
+      <a:fillRef idx="0">
+        <a:scrgbClr r="0" g="0" b="0"/>
+      </a:fillRef>
+      <a:effectRef idx="0">
+        <a:scrgbClr r="0" g="0" b="0"/>
+      </a:effectRef>
+      <a:fontRef idx="minor"/>
+    </dgm:style>
+  </dgm:styleLbl>
+  <dgm:styleLbl name="fgAcc1">
+    <dgm:scene3d>
+      <a:camera prst="orthographicFront"/>
+      <a:lightRig rig="threePt" dir="t"/>
+    </dgm:scene3d>
+    <dgm:sp3d/>
+    <dgm:txPr/>
+    <dgm:style>
+      <a:lnRef idx="2">
+        <a:scrgbClr r="0" g="0" b="0"/>
+      </a:lnRef>
+      <a:fillRef idx="1">
+        <a:scrgbClr r="0" g="0" b="0"/>
+      </a:fillRef>
+      <a:effectRef idx="0">
+        <a:scrgbClr r="0" g="0" b="0"/>
+      </a:effectRef>
+      <a:fontRef idx="minor"/>
+    </dgm:style>
+  </dgm:styleLbl>
+  <dgm:styleLbl name="conFgAcc1">
+    <dgm:scene3d>
+      <a:camera prst="orthographicFront"/>
+      <a:lightRig rig="threePt" dir="t"/>
+    </dgm:scene3d>
+    <dgm:sp3d/>
+    <dgm:txPr/>
+    <dgm:style>
+      <a:lnRef idx="2">
+        <a:scrgbClr r="0" g="0" b="0"/>
+      </a:lnRef>
+      <a:fillRef idx="1">
+        <a:scrgbClr r="0" g="0" b="0"/>
+      </a:fillRef>
+      <a:effectRef idx="0">
+        <a:scrgbClr r="0" g="0" b="0"/>
+      </a:effectRef>
+      <a:fontRef idx="minor"/>
+    </dgm:style>
+  </dgm:styleLbl>
+  <dgm:styleLbl name="alignAcc1">
+    <dgm:scene3d>
+      <a:camera prst="orthographicFront"/>
+      <a:lightRig rig="threePt" dir="t"/>
+    </dgm:scene3d>
+    <dgm:sp3d/>
+    <dgm:txPr/>
+    <dgm:style>
+      <a:lnRef idx="2">
+        <a:scrgbClr r="0" g="0" b="0"/>
+      </a:lnRef>
+      <a:fillRef idx="1">
+        <a:scrgbClr r="0" g="0" b="0"/>
+      </a:fillRef>
+      <a:effectRef idx="0">
+        <a:scrgbClr r="0" g="0" b="0"/>
+      </a:effectRef>
+      <a:fontRef idx="minor"/>
+    </dgm:style>
+  </dgm:styleLbl>
+  <dgm:styleLbl name="trAlignAcc1">
+    <dgm:scene3d>
+      <a:camera prst="orthographicFront"/>
+      <a:lightRig rig="threePt" dir="t"/>
+    </dgm:scene3d>
+    <dgm:sp3d/>
+    <dgm:txPr/>
+    <dgm:style>
+      <a:lnRef idx="1">
+        <a:scrgbClr r="0" g="0" b="0"/>
+      </a:lnRef>
+      <a:fillRef idx="1">
+        <a:scrgbClr r="0" g="0" b="0"/>
+      </a:fillRef>
+      <a:effectRef idx="0">
+        <a:scrgbClr r="0" g="0" b="0"/>
+      </a:effectRef>
+      <a:fontRef idx="minor"/>
+    </dgm:style>
+  </dgm:styleLbl>
+  <dgm:styleLbl name="bgAcc1">
+    <dgm:scene3d>
+      <a:camera prst="orthographicFront"/>
+      <a:lightRig rig="threePt" dir="t"/>
+    </dgm:scene3d>
+    <dgm:sp3d/>
+    <dgm:txPr/>
+    <dgm:style>
+      <a:lnRef idx="2">
+        <a:scrgbClr r="0" g="0" b="0"/>
+      </a:lnRef>
+      <a:fillRef idx="1">
+        <a:scrgbClr r="0" g="0" b="0"/>
+      </a:fillRef>
+      <a:effectRef idx="0">
+        <a:scrgbClr r="0" g="0" b="0"/>
+      </a:effectRef>
+      <a:fontRef idx="minor"/>
+    </dgm:style>
+  </dgm:styleLbl>
+  <dgm:styleLbl name="solidFgAcc1">
+    <dgm:scene3d>
+      <a:camera prst="orthographicFront"/>
+      <a:lightRig rig="threePt" dir="t"/>
+    </dgm:scene3d>
+    <dgm:sp3d/>
+    <dgm:txPr/>
+    <dgm:style>
+      <a:lnRef idx="2">
+        <a:scrgbClr r="0" g="0" b="0"/>
+      </a:lnRef>
+      <a:fillRef idx="1">
+        <a:scrgbClr r="0" g="0" b="0"/>
+      </a:fillRef>
+      <a:effectRef idx="0">
+        <a:scrgbClr r="0" g="0" b="0"/>
+      </a:effectRef>
+      <a:fontRef idx="minor"/>
+    </dgm:style>
+  </dgm:styleLbl>
+  <dgm:styleLbl name="solidAlignAcc1">
+    <dgm:scene3d>
+      <a:camera prst="orthographicFront"/>
+      <a:lightRig rig="threePt" dir="t"/>
+    </dgm:scene3d>
+    <dgm:sp3d/>
+    <dgm:txPr/>
+    <dgm:style>
+      <a:lnRef idx="2">
+        <a:scrgbClr r="0" g="0" b="0"/>
+      </a:lnRef>
+      <a:fillRef idx="1">
+        <a:scrgbClr r="0" g="0" b="0"/>
+      </a:fillRef>
+      <a:effectRef idx="0">
+        <a:scrgbClr r="0" g="0" b="0"/>
+      </a:effectRef>
+      <a:fontRef idx="minor"/>
+    </dgm:style>
+  </dgm:styleLbl>
+  <dgm:styleLbl name="solidBgAcc1">
+    <dgm:scene3d>
+      <a:camera prst="orthographicFront"/>
+      <a:lightRig rig="threePt" dir="t"/>
+    </dgm:scene3d>
+    <dgm:sp3d/>
+    <dgm:txPr/>
+    <dgm:style>
+      <a:lnRef idx="2">
+        <a:scrgbClr r="0" g="0" b="0"/>
+      </a:lnRef>
+      <a:fillRef idx="1">
+        <a:scrgbClr r="0" g="0" b="0"/>
+      </a:fillRef>
+      <a:effectRef idx="0">
+        <a:scrgbClr r="0" g="0" b="0"/>
+      </a:effectRef>
+      <a:fontRef idx="minor"/>
+    </dgm:style>
+  </dgm:styleLbl>
+  <dgm:styleLbl name="fgAccFollowNode1">
+    <dgm:scene3d>
+      <a:camera prst="orthographicFront"/>
+      <a:lightRig rig="threePt" dir="t"/>
+    </dgm:scene3d>
+    <dgm:sp3d/>
+    <dgm:txPr/>
+    <dgm:style>
+      <a:lnRef idx="2">
+        <a:scrgbClr r="0" g="0" b="0"/>
+      </a:lnRef>
+      <a:fillRef idx="1">
+        <a:scrgbClr r="0" g="0" b="0"/>
+      </a:fillRef>
+      <a:effectRef idx="0">
+        <a:scrgbClr r="0" g="0" b="0"/>
+      </a:effectRef>
+      <a:fontRef idx="minor"/>
+    </dgm:style>
+  </dgm:styleLbl>
+  <dgm:styleLbl name="alignAccFollowNode1">
+    <dgm:scene3d>
+      <a:camera prst="orthographicFront"/>
+      <a:lightRig rig="threePt" dir="t"/>
+    </dgm:scene3d>
+    <dgm:sp3d/>
+    <dgm:txPr/>
+    <dgm:style>
+      <a:lnRef idx="2">
+        <a:scrgbClr r="0" g="0" b="0"/>
+      </a:lnRef>
+      <a:fillRef idx="1">
+        <a:scrgbClr r="0" g="0" b="0"/>
+      </a:fillRef>
+      <a:effectRef idx="0">
+        <a:scrgbClr r="0" g="0" b="0"/>
+      </a:effectRef>
+      <a:fontRef idx="minor"/>
+    </dgm:style>
+  </dgm:styleLbl>
+  <dgm:styleLbl name="bgAccFollowNode1">
+    <dgm:scene3d>
+      <a:camera prst="orthographicFront"/>
+      <a:lightRig rig="threePt" dir="t"/>
+    </dgm:scene3d>
+    <dgm:sp3d/>
+    <dgm:txPr/>
+    <dgm:style>
+      <a:lnRef idx="2">
+        <a:scrgbClr r="0" g="0" b="0"/>
+      </a:lnRef>
+      <a:fillRef idx="1">
+        <a:scrgbClr r="0" g="0" b="0"/>
+      </a:fillRef>
+      <a:effectRef idx="0">
+        <a:scrgbClr r="0" g="0" b="0"/>
+      </a:effectRef>
+      <a:fontRef idx="minor"/>
+    </dgm:style>
+  </dgm:styleLbl>
+  <dgm:styleLbl name="fgAcc0">
+    <dgm:scene3d>
+      <a:camera prst="orthographicFront"/>
+      <a:lightRig rig="threePt" dir="t"/>
+    </dgm:scene3d>
+    <dgm:sp3d/>
+    <dgm:txPr/>
+    <dgm:style>
+      <a:lnRef idx="2">
+        <a:scrgbClr r="0" g="0" b="0"/>
+      </a:lnRef>
+      <a:fillRef idx="1">
+        <a:scrgbClr r="0" g="0" b="0"/>
+      </a:fillRef>
+      <a:effectRef idx="0">
+        <a:scrgbClr r="0" g="0" b="0"/>
+      </a:effectRef>
+      <a:fontRef idx="minor"/>
+    </dgm:style>
+  </dgm:styleLbl>
+  <dgm:styleLbl name="fgAcc2">
+    <dgm:scene3d>
+      <a:camera prst="orthographicFront"/>
+      <a:lightRig rig="threePt" dir="t"/>
+    </dgm:scene3d>
+    <dgm:sp3d/>
+    <dgm:txPr/>
+    <dgm:style>
+      <a:lnRef idx="2">
+        <a:scrgbClr r="0" g="0" b="0"/>
+      </a:lnRef>
+      <a:fillRef idx="1">
+        <a:scrgbClr r="0" g="0" b="0"/>
+      </a:fillRef>
+      <a:effectRef idx="0">
+        <a:scrgbClr r="0" g="0" b="0"/>
+      </a:effectRef>
+      <a:fontRef idx="minor"/>
+    </dgm:style>
+  </dgm:styleLbl>
+  <dgm:styleLbl name="fgAcc3">
+    <dgm:scene3d>
+      <a:camera prst="orthographicFront"/>
+      <a:lightRig rig="threePt" dir="t"/>
+    </dgm:scene3d>
+    <dgm:sp3d/>
+    <dgm:txPr/>
+    <dgm:style>
+      <a:lnRef idx="2">
+        <a:scrgbClr r="0" g="0" b="0"/>
+      </a:lnRef>
+      <a:fillRef idx="1">
+        <a:scrgbClr r="0" g="0" b="0"/>
+      </a:fillRef>
+      <a:effectRef idx="0">
+        <a:scrgbClr r="0" g="0" b="0"/>
+      </a:effectRef>
+      <a:fontRef idx="minor"/>
+    </dgm:style>
+  </dgm:styleLbl>
+  <dgm:styleLbl name="fgAcc4">
+    <dgm:scene3d>
+      <a:camera prst="orthographicFront"/>
+      <a:lightRig rig="threePt" dir="t"/>
+    </dgm:scene3d>
+    <dgm:sp3d/>
+    <dgm:txPr/>
+    <dgm:style>
+      <a:lnRef idx="2">
+        <a:scrgbClr r="0" g="0" b="0"/>
+      </a:lnRef>
+      <a:fillRef idx="1">
+        <a:scrgbClr r="0" g="0" b="0"/>
+      </a:fillRef>
+      <a:effectRef idx="0">
+        <a:scrgbClr r="0" g="0" b="0"/>
+      </a:effectRef>
+      <a:fontRef idx="minor"/>
+    </dgm:style>
+  </dgm:styleLbl>
+  <dgm:styleLbl name="bgShp">
+    <dgm:scene3d>
+      <a:camera prst="orthographicFront"/>
+      <a:lightRig rig="threePt" dir="t"/>
+    </dgm:scene3d>
+    <dgm:sp3d/>
+    <dgm:txPr/>
+    <dgm:style>
+      <a:lnRef idx="0">
+        <a:scrgbClr r="0" g="0" b="0"/>
+      </a:lnRef>
+      <a:fillRef idx="1">
+        <a:scrgbClr r="0" g="0" b="0"/>
+      </a:fillRef>
+      <a:effectRef idx="0">
+        <a:scrgbClr r="0" g="0" b="0"/>
+      </a:effectRef>
+      <a:fontRef idx="minor"/>
+    </dgm:style>
+  </dgm:styleLbl>
+  <dgm:styleLbl name="dkBgShp">
+    <dgm:scene3d>
+      <a:camera prst="orthographicFront"/>
+      <a:lightRig rig="threePt" dir="t"/>
+    </dgm:scene3d>
+    <dgm:sp3d/>
+    <dgm:txPr/>
+    <dgm:style>
+      <a:lnRef idx="0">
+        <a:scrgbClr r="0" g="0" b="0"/>
+      </a:lnRef>
+      <a:fillRef idx="1">
+        <a:scrgbClr r="0" g="0" b="0"/>
+      </a:fillRef>
+      <a:effectRef idx="0">
+        <a:scrgbClr r="0" g="0" b="0"/>
+      </a:effectRef>
+      <a:fontRef idx="minor"/>
+    </dgm:style>
+  </dgm:styleLbl>
+  <dgm:styleLbl name="trBgShp">
+    <dgm:scene3d>
+      <a:camera prst="orthographicFront"/>
+      <a:lightRig rig="threePt" dir="t"/>
+    </dgm:scene3d>
+    <dgm:sp3d/>
+    <dgm:txPr/>
+    <dgm:style>
+      <a:lnRef idx="0">
+        <a:scrgbClr r="0" g="0" b="0"/>
+      </a:lnRef>
+      <a:fillRef idx="1">
+        <a:scrgbClr r="0" g="0" b="0"/>
+      </a:fillRef>
+      <a:effectRef idx="0">
+        <a:scrgbClr r="0" g="0" b="0"/>
+      </a:effectRef>
+      <a:fontRef idx="minor"/>
+    </dgm:style>
+  </dgm:styleLbl>
+  <dgm:styleLbl name="fgShp">
+    <dgm:scene3d>
+      <a:camera prst="orthographicFront"/>
+      <a:lightRig rig="threePt" dir="t"/>
+    </dgm:scene3d>
+    <dgm:sp3d/>
+    <dgm:txPr/>
+    <dgm:style>
+      <a:lnRef idx="2">
+        <a:scrgbClr r="0" g="0" b="0"/>
+      </a:lnRef>
+      <a:fillRef idx="1">
+        <a:scrgbClr r="0" g="0" b="0"/>
+      </a:fillRef>
+      <a:effectRef idx="0">
+        <a:scrgbClr r="0" g="0" b="0"/>
+      </a:effectRef>
+      <a:fontRef idx="minor"/>
+    </dgm:style>
+  </dgm:styleLbl>
+  <dgm:styleLbl name="revTx">
+    <dgm:scene3d>
+      <a:camera prst="orthographicFront"/>
+      <a:lightRig rig="threePt" dir="t"/>
+    </dgm:scene3d>
+    <dgm:sp3d/>
+    <dgm:txPr/>
+    <dgm:style>
+      <a:lnRef idx="0">
+        <a:scrgbClr r="0" g="0" b="0"/>
+      </a:lnRef>
+      <a:fillRef idx="0">
+        <a:scrgbClr r="0" g="0" b="0"/>
+      </a:fillRef>
+      <a:effectRef idx="0">
+        <a:scrgbClr r="0" g="0" b="0"/>
+      </a:effectRef>
+      <a:fontRef idx="minor"/>
+    </dgm:style>
+  </dgm:styleLbl>
+</dgm:styleDef>
+</file>
+
+<file path=ppt/diagrams/quickStyle2.xml><?xml version="1.0" encoding="utf-8"?>
 <dgm:styleDef xmlns:dgm="http://schemas.openxmlformats.org/drawingml/2006/diagram" xmlns:a="http://schemas.openxmlformats.org/drawingml/2006/main" uniqueId="urn:microsoft.com/office/officeart/2005/8/quickstyle/simple1">
   <dgm:title val=""/>
   <dgm:desc val=""/>
@@ -9460,7 +12249,7 @@
         </p:nvSpPr>
         <p:spPr>
           <a:xfrm>
-            <a:off x="5376634" y="3020020"/>
+            <a:off x="5376634" y="2918422"/>
             <a:ext cx="3918857" cy="461665"/>
           </a:xfrm>
           <a:prstGeom prst="rect">
@@ -9497,7 +12286,7 @@
         </p:nvSpPr>
         <p:spPr>
           <a:xfrm>
-            <a:off x="5747657" y="3481685"/>
+            <a:off x="5747657" y="3380087"/>
             <a:ext cx="3759200" cy="1883657"/>
           </a:xfrm>
           <a:prstGeom prst="rect">
@@ -9520,7 +12309,7 @@
             </a:pPr>
             <a:r>
               <a:rPr lang="en-US" sz="2000" dirty="0">
-                <a:latin typeface="Times New Roman" panose="02020603050405020304" pitchFamily="18" charset="0"/>
+                <a:latin typeface="Arial Rounded MT Bold" panose="020F0704030504030204" pitchFamily="34" charset="0"/>
                 <a:cs typeface="Times New Roman" panose="02020603050405020304" pitchFamily="18" charset="0"/>
               </a:rPr>
               <a:t>Nischit Jha</a:t>
@@ -9536,7 +12325,7 @@
             </a:pPr>
             <a:r>
               <a:rPr lang="en-US" sz="2000" dirty="0">
-                <a:latin typeface="Times New Roman" panose="02020603050405020304" pitchFamily="18" charset="0"/>
+                <a:latin typeface="Arial Rounded MT Bold" panose="020F0704030504030204" pitchFamily="34" charset="0"/>
                 <a:cs typeface="Times New Roman" panose="02020603050405020304" pitchFamily="18" charset="0"/>
               </a:rPr>
               <a:t>Prabesh Shakya</a:t>
@@ -9552,7 +12341,7 @@
             </a:pPr>
             <a:r>
               <a:rPr lang="en-US" sz="2000" dirty="0">
-                <a:latin typeface="Times New Roman" panose="02020603050405020304" pitchFamily="18" charset="0"/>
+                <a:latin typeface="Arial Rounded MT Bold" panose="020F0704030504030204" pitchFamily="34" charset="0"/>
                 <a:cs typeface="Times New Roman" panose="02020603050405020304" pitchFamily="18" charset="0"/>
               </a:rPr>
               <a:t>Rajin Maharjan</a:t>
@@ -9568,7 +12357,7 @@
             </a:pPr>
             <a:r>
               <a:rPr lang="en-US" sz="2000" dirty="0">
-                <a:latin typeface="Times New Roman" panose="02020603050405020304" pitchFamily="18" charset="0"/>
+                <a:latin typeface="Arial Rounded MT Bold" panose="020F0704030504030204" pitchFamily="34" charset="0"/>
                 <a:cs typeface="Times New Roman" panose="02020603050405020304" pitchFamily="18" charset="0"/>
               </a:rPr>
               <a:t>Rohit Rai</a:t>
@@ -9590,8 +12379,8 @@
         </p:nvSpPr>
         <p:spPr>
           <a:xfrm>
-            <a:off x="5747657" y="5622054"/>
-            <a:ext cx="2017485" cy="400110"/>
+            <a:off x="5747657" y="5520456"/>
+            <a:ext cx="2017485" cy="707886"/>
           </a:xfrm>
           <a:prstGeom prst="rect">
             <a:avLst/>
@@ -9606,7 +12395,7 @@
           <a:p>
             <a:r>
               <a:rPr lang="en-US" sz="2000" dirty="0">
-                <a:latin typeface="Times New Roman" panose="02020603050405020304" pitchFamily="18" charset="0"/>
+                <a:latin typeface="Arial Rounded MT Bold" panose="020F0704030504030204" pitchFamily="34" charset="0"/>
                 <a:cs typeface="Times New Roman" panose="02020603050405020304" pitchFamily="18" charset="0"/>
               </a:rPr>
               <a:t>Date: 28/6/2025</a:t>
@@ -9922,7 +12711,7 @@
         </p:nvSpPr>
         <p:spPr>
           <a:xfrm>
-            <a:off x="1484310" y="228601"/>
+            <a:off x="1556882" y="373744"/>
             <a:ext cx="4154489" cy="1009650"/>
           </a:xfrm>
         </p:spPr>
@@ -9954,8 +12743,8 @@
         </p:nvSpPr>
         <p:spPr>
           <a:xfrm>
-            <a:off x="1895475" y="1428750"/>
-            <a:ext cx="8401050" cy="954107"/>
+            <a:off x="2388961" y="1660978"/>
+            <a:ext cx="7872639" cy="2251065"/>
           </a:xfrm>
           <a:prstGeom prst="rect">
             <a:avLst/>
@@ -9968,21 +12757,15 @@
           </a:bodyPr>
           <a:lstStyle/>
           <a:p>
-            <a:pPr marL="457200" indent="-457200">
-              <a:buFont typeface="Arial" panose="020B0604020202020204" pitchFamily="34" charset="0"/>
-              <a:buChar char="•"/>
+            <a:pPr algn="just">
+              <a:lnSpc>
+                <a:spcPct val="150000"/>
+              </a:lnSpc>
             </a:pPr>
             <a:r>
-              <a:rPr lang="en-US" sz="2800" dirty="0"/>
-              <a:t>Beginner Level C program</a:t>
+              <a:rPr lang="en-US" sz="2400" dirty="0"/>
+              <a:t>The project is about a Simple Banking System developed using C programming language. It aims to simulate a banking system with features such as account creation/deletion, balance withdrawal, view transaction history.</a:t>
             </a:r>
-          </a:p>
-          <a:p>
-            <a:pPr marL="457200" indent="-457200">
-              <a:buFont typeface="Arial" panose="020B0604020202020204" pitchFamily="34" charset="0"/>
-              <a:buChar char="•"/>
-            </a:pPr>
-            <a:endParaRPr lang="en-US" sz="2800" dirty="0"/>
           </a:p>
         </p:txBody>
       </p:sp>
@@ -10237,109 +13020,28 @@
           </a:p>
         </p:txBody>
       </p:sp>
-      <p:sp>
-        <p:nvSpPr>
-          <p:cNvPr id="9" name="TextBox 8">
+      <p:graphicFrame>
+        <p:nvGraphicFramePr>
+          <p:cNvPr id="10" name="Diagram 9">
             <a:extLst>
               <a:ext uri="{FF2B5EF4-FFF2-40B4-BE49-F238E27FC236}">
-                <a16:creationId xmlns:a16="http://schemas.microsoft.com/office/drawing/2014/main" id="{FC020EDC-4BBF-E806-BBD1-F35C244FE9E9}"/>
+                <a16:creationId xmlns:a16="http://schemas.microsoft.com/office/drawing/2014/main" id="{D9850D60-A211-03BA-DBD1-5BBE93D776F1}"/>
               </a:ext>
             </a:extLst>
           </p:cNvPr>
-          <p:cNvSpPr txBox="1"/>
+          <p:cNvGraphicFramePr/>
           <p:nvPr/>
-        </p:nvSpPr>
-        <p:spPr>
-          <a:xfrm>
-            <a:off x="2656114" y="2460285"/>
-            <a:ext cx="6444343" cy="3913059"/>
-          </a:xfrm>
-          <a:prstGeom prst="rect">
-            <a:avLst/>
-          </a:prstGeom>
-          <a:noFill/>
-        </p:spPr>
-        <p:txBody>
-          <a:bodyPr wrap="square" rtlCol="0">
-            <a:spAutoFit/>
-          </a:bodyPr>
-          <a:lstStyle/>
-          <a:p>
-            <a:pPr>
-              <a:lnSpc>
-                <a:spcPct val="150000"/>
-              </a:lnSpc>
-            </a:pPr>
-            <a:r>
-              <a:rPr lang="en-US" sz="2400" dirty="0"/>
-              <a:t>Account creation</a:t>
-            </a:r>
-          </a:p>
-          <a:p>
-            <a:pPr>
-              <a:lnSpc>
-                <a:spcPct val="150000"/>
-              </a:lnSpc>
-            </a:pPr>
-            <a:r>
-              <a:rPr lang="en-US" sz="2400" dirty="0"/>
-              <a:t>Customer Login Window</a:t>
-            </a:r>
-          </a:p>
-          <a:p>
-            <a:pPr>
-              <a:lnSpc>
-                <a:spcPct val="150000"/>
-              </a:lnSpc>
-            </a:pPr>
-            <a:r>
-              <a:rPr lang="en-US" sz="2400" dirty="0"/>
-              <a:t>Welcome Menu</a:t>
-            </a:r>
-          </a:p>
-          <a:p>
-            <a:pPr>
-              <a:lnSpc>
-                <a:spcPct val="150000"/>
-              </a:lnSpc>
-            </a:pPr>
-            <a:r>
-              <a:rPr lang="en-US" sz="2400" dirty="0"/>
-              <a:t>Deposit Service</a:t>
-            </a:r>
-          </a:p>
-          <a:p>
-            <a:pPr>
-              <a:lnSpc>
-                <a:spcPct val="150000"/>
-              </a:lnSpc>
-            </a:pPr>
-            <a:r>
-              <a:rPr lang="en-US" sz="2400" dirty="0"/>
-              <a:t>Withdraw Service</a:t>
-            </a:r>
-          </a:p>
-          <a:p>
-            <a:pPr>
-              <a:lnSpc>
-                <a:spcPct val="150000"/>
-              </a:lnSpc>
-            </a:pPr>
-            <a:r>
-              <a:rPr lang="en-US" sz="2400" dirty="0"/>
-              <a:t>View Transaction History</a:t>
-            </a:r>
-          </a:p>
-          <a:p>
-            <a:pPr>
-              <a:lnSpc>
-                <a:spcPct val="150000"/>
-              </a:lnSpc>
-            </a:pPr>
-            <a:endParaRPr lang="en-US" sz="2400" dirty="0"/>
-          </a:p>
-        </p:txBody>
-      </p:sp>
+        </p:nvGraphicFramePr>
+        <p:xfrm>
+          <a:off x="2656114" y="2460285"/>
+          <a:ext cx="6444343" cy="3913059"/>
+        </p:xfrm>
+        <a:graphic>
+          <a:graphicData uri="http://schemas.openxmlformats.org/drawingml/2006/diagram">
+            <dgm:relIds xmlns:dgm="http://schemas.openxmlformats.org/drawingml/2006/diagram" xmlns:r="http://schemas.openxmlformats.org/officeDocument/2006/relationships" r:dm="rId2" r:lo="rId3" r:qs="rId4" r:cs="rId5"/>
+          </a:graphicData>
+        </a:graphic>
+      </p:graphicFrame>
     </p:spTree>
     <p:extLst>
       <p:ext uri="{BB962C8B-B14F-4D97-AF65-F5344CB8AC3E}">
@@ -10388,8 +13090,8 @@
         </p:nvSpPr>
         <p:spPr>
           <a:xfrm>
-            <a:off x="-1200831" y="279401"/>
-            <a:ext cx="10018713" cy="1752599"/>
+            <a:off x="2075543" y="646383"/>
+            <a:ext cx="3970111" cy="1103086"/>
           </a:xfrm>
         </p:spPr>
         <p:txBody>
@@ -10704,6 +13406,109 @@
     <p:extLst>
       <p:ext uri="{BB962C8B-B14F-4D97-AF65-F5344CB8AC3E}">
         <p14:creationId xmlns:p14="http://schemas.microsoft.com/office/powerpoint/2010/main" val="2903289822"/>
+      </p:ext>
+    </p:extLst>
+  </p:cSld>
+  <p:clrMapOvr>
+    <a:masterClrMapping/>
+  </p:clrMapOvr>
+</p:sld>
+</file>
+
+<file path=ppt/slides/slide8.xml><?xml version="1.0" encoding="utf-8"?>
+<p:sld xmlns:a="http://schemas.openxmlformats.org/drawingml/2006/main" xmlns:r="http://schemas.openxmlformats.org/officeDocument/2006/relationships" xmlns:p="http://schemas.openxmlformats.org/presentationml/2006/main">
+  <p:cSld>
+    <p:spTree>
+      <p:nvGrpSpPr>
+        <p:cNvPr id="1" name=""/>
+        <p:cNvGrpSpPr/>
+        <p:nvPr/>
+      </p:nvGrpSpPr>
+      <p:grpSpPr>
+        <a:xfrm>
+          <a:off x="0" y="0"/>
+          <a:ext cx="0" cy="0"/>
+          <a:chOff x="0" y="0"/>
+          <a:chExt cx="0" cy="0"/>
+        </a:xfrm>
+      </p:grpSpPr>
+      <p:sp>
+        <p:nvSpPr>
+          <p:cNvPr id="2" name="Title 1">
+            <a:extLst>
+              <a:ext uri="{FF2B5EF4-FFF2-40B4-BE49-F238E27FC236}">
+                <a16:creationId xmlns:a16="http://schemas.microsoft.com/office/drawing/2014/main" id="{055F01BD-D103-C125-7D2F-4939221019E4}"/>
+              </a:ext>
+            </a:extLst>
+          </p:cNvPr>
+          <p:cNvSpPr>
+            <a:spLocks noGrp="1"/>
+          </p:cNvSpPr>
+          <p:nvPr>
+            <p:ph type="title"/>
+          </p:nvPr>
+        </p:nvSpPr>
+        <p:spPr>
+          <a:xfrm>
+            <a:off x="1484312" y="685801"/>
+            <a:ext cx="3740832" cy="823686"/>
+          </a:xfrm>
+        </p:spPr>
+        <p:txBody>
+          <a:bodyPr/>
+          <a:lstStyle/>
+          <a:p>
+            <a:r>
+              <a:rPr lang="en-US" dirty="0"/>
+              <a:t>Conclusion</a:t>
+            </a:r>
+          </a:p>
+        </p:txBody>
+      </p:sp>
+      <p:sp>
+        <p:nvSpPr>
+          <p:cNvPr id="4" name="TextBox 3">
+            <a:extLst>
+              <a:ext uri="{FF2B5EF4-FFF2-40B4-BE49-F238E27FC236}">
+                <a16:creationId xmlns:a16="http://schemas.microsoft.com/office/drawing/2014/main" id="{CBBA017C-38DA-5399-7B60-DB3200409A1C}"/>
+              </a:ext>
+            </a:extLst>
+          </p:cNvPr>
+          <p:cNvSpPr txBox="1"/>
+          <p:nvPr/>
+        </p:nvSpPr>
+        <p:spPr>
+          <a:xfrm>
+            <a:off x="2133600" y="1712686"/>
+            <a:ext cx="8389257" cy="2805063"/>
+          </a:xfrm>
+          <a:prstGeom prst="rect">
+            <a:avLst/>
+          </a:prstGeom>
+          <a:noFill/>
+        </p:spPr>
+        <p:txBody>
+          <a:bodyPr wrap="square" rtlCol="0">
+            <a:spAutoFit/>
+          </a:bodyPr>
+          <a:lstStyle/>
+          <a:p>
+            <a:pPr algn="just">
+              <a:lnSpc>
+                <a:spcPct val="150000"/>
+              </a:lnSpc>
+            </a:pPr>
+            <a:r>
+              <a:rPr lang="en-US" sz="2400" dirty="0"/>
+              <a:t>Development of Simple Banking System allowed us to learn about teamwork, about various functions of C and how to use them, we also improved our ability to debug and identify errors more effectively. The development also helped to create a foundation for future projects.</a:t>
+            </a:r>
+          </a:p>
+        </p:txBody>
+      </p:sp>
+    </p:spTree>
+    <p:extLst>
+      <p:ext uri="{BB962C8B-B14F-4D97-AF65-F5344CB8AC3E}">
+        <p14:creationId xmlns:p14="http://schemas.microsoft.com/office/powerpoint/2010/main" val="2495132808"/>
       </p:ext>
     </p:extLst>
   </p:cSld>

--- a/Banking Management System.pptx
+++ b/Banking Management System.pptx
@@ -12180,7 +12180,7 @@
         </p:nvSpPr>
         <p:spPr>
           <a:xfrm>
-            <a:off x="1182913" y="1087506"/>
+            <a:off x="1556656" y="1034765"/>
             <a:ext cx="10399486" cy="838196"/>
           </a:xfrm>
         </p:spPr>
@@ -12190,6 +12190,7 @@
           </a:bodyPr>
           <a:lstStyle/>
           <a:p>
+            <a:pPr algn="ctr"/>
             <a:r>
               <a:rPr lang="en-US" sz="5400" dirty="0">
                 <a:latin typeface="Arial Rounded MT Bold" panose="020F0704030504030204" pitchFamily="34" charset="0"/>
@@ -12500,7 +12501,7 @@
         </p:nvSpPr>
         <p:spPr>
           <a:xfrm>
-            <a:off x="1081310" y="152400"/>
+            <a:off x="1081309" y="421341"/>
             <a:ext cx="5264832" cy="1172029"/>
           </a:xfrm>
         </p:spPr>
@@ -12711,7 +12712,7 @@
         </p:nvSpPr>
         <p:spPr>
           <a:xfrm>
-            <a:off x="1556882" y="373744"/>
+            <a:off x="1570330" y="651328"/>
             <a:ext cx="4154489" cy="1009650"/>
           </a:xfrm>
         </p:spPr>
@@ -12981,7 +12982,7 @@
         </p:nvSpPr>
         <p:spPr>
           <a:xfrm>
-            <a:off x="1895475" y="1767788"/>
+            <a:off x="1895475" y="1660212"/>
             <a:ext cx="8401050" cy="1384995"/>
           </a:xfrm>
           <a:prstGeom prst="rect">
@@ -13030,10 +13031,16 @@
             </a:extLst>
           </p:cNvPr>
           <p:cNvGraphicFramePr/>
-          <p:nvPr/>
+          <p:nvPr>
+            <p:extLst>
+              <p:ext uri="{D42A27DB-BD31-4B8C-83A1-F6EECF244321}">
+                <p14:modId xmlns:p14="http://schemas.microsoft.com/office/powerpoint/2010/main" val="2160813720"/>
+              </p:ext>
+            </p:extLst>
+          </p:nvPr>
         </p:nvGraphicFramePr>
         <p:xfrm>
-          <a:off x="2656114" y="2460285"/>
+          <a:off x="2656114" y="2406497"/>
           <a:ext cx="6444343" cy="3913059"/>
         </p:xfrm>
         <a:graphic>
@@ -13479,7 +13486,7 @@
         </p:nvSpPr>
         <p:spPr>
           <a:xfrm>
-            <a:off x="2133600" y="1712686"/>
+            <a:off x="2147047" y="1509487"/>
             <a:ext cx="8389257" cy="2805063"/>
           </a:xfrm>
           <a:prstGeom prst="rect">

--- a/Banking Management System.pptx
+++ b/Banking Management System.pptx
@@ -13,6 +13,7 @@
     <p:sldId id="261" r:id="rId7"/>
     <p:sldId id="262" r:id="rId8"/>
     <p:sldId id="263" r:id="rId9"/>
+    <p:sldId id="264" r:id="rId10"/>
   </p:sldIdLst>
   <p:sldSz cx="12192000" cy="6858000"/>
   <p:notesSz cx="6858000" cy="9144000"/>
@@ -13525,6 +13526,85 @@
 </p:sld>
 </file>
 
+<file path=ppt/slides/slide9.xml><?xml version="1.0" encoding="utf-8"?>
+<p:sld xmlns:a="http://schemas.openxmlformats.org/drawingml/2006/main" xmlns:r="http://schemas.openxmlformats.org/officeDocument/2006/relationships" xmlns:p="http://schemas.openxmlformats.org/presentationml/2006/main">
+  <p:cSld>
+    <p:spTree>
+      <p:nvGrpSpPr>
+        <p:cNvPr id="1" name=""/>
+        <p:cNvGrpSpPr/>
+        <p:nvPr/>
+      </p:nvGrpSpPr>
+      <p:grpSpPr>
+        <a:xfrm>
+          <a:off x="0" y="0"/>
+          <a:ext cx="0" cy="0"/>
+          <a:chOff x="0" y="0"/>
+          <a:chExt cx="0" cy="0"/>
+        </a:xfrm>
+      </p:grpSpPr>
+      <p:sp>
+        <p:nvSpPr>
+          <p:cNvPr id="2" name="Title 1">
+            <a:extLst>
+              <a:ext uri="{FF2B5EF4-FFF2-40B4-BE49-F238E27FC236}">
+                <a16:creationId xmlns:a16="http://schemas.microsoft.com/office/drawing/2014/main" id="{6046939B-FAA2-4AD0-33B6-5351EC9CFD59}"/>
+              </a:ext>
+            </a:extLst>
+          </p:cNvPr>
+          <p:cNvSpPr>
+            <a:spLocks noGrp="1"/>
+          </p:cNvSpPr>
+          <p:nvPr>
+            <p:ph type="title"/>
+          </p:nvPr>
+        </p:nvSpPr>
+        <p:spPr>
+          <a:xfrm>
+            <a:off x="1086643" y="2028265"/>
+            <a:ext cx="10018713" cy="1752599"/>
+          </a:xfrm>
+        </p:spPr>
+        <p:txBody>
+          <a:bodyPr>
+            <a:noAutofit/>
+          </a:bodyPr>
+          <a:lstStyle/>
+          <a:p>
+            <a:r>
+              <a:rPr lang="en-US" sz="8000" dirty="0">
+                <a:latin typeface="Arial Rounded MT Bold" panose="020F0704030504030204" pitchFamily="34" charset="0"/>
+              </a:rPr>
+              <a:t>Thank You!</a:t>
+            </a:r>
+          </a:p>
+        </p:txBody>
+      </p:sp>
+    </p:spTree>
+    <p:extLst>
+      <p:ext uri="{BB962C8B-B14F-4D97-AF65-F5344CB8AC3E}">
+        <p14:creationId xmlns:p14="http://schemas.microsoft.com/office/powerpoint/2010/main" val="1866927092"/>
+      </p:ext>
+    </p:extLst>
+  </p:cSld>
+  <p:clrMapOvr>
+    <a:masterClrMapping/>
+  </p:clrMapOvr>
+  <mc:AlternateContent xmlns:mc="http://schemas.openxmlformats.org/markup-compatibility/2006">
+    <mc:Choice xmlns:p14="http://schemas.microsoft.com/office/powerpoint/2010/main" Requires="p14">
+      <p:transition spd="slow" p14:dur="3400">
+        <p14:reveal/>
+      </p:transition>
+    </mc:Choice>
+    <mc:Fallback>
+      <p:transition spd="slow">
+        <p:fade/>
+      </p:transition>
+    </mc:Fallback>
+  </mc:AlternateContent>
+</p:sld>
+</file>
+
 <file path=ppt/theme/theme1.xml><?xml version="1.0" encoding="utf-8"?>
 <a:theme xmlns:a="http://schemas.openxmlformats.org/drawingml/2006/main" name="Parallax">
   <a:themeElements>
